--- a/media/TB4Template.pptx
+++ b/media/TB4Template.pptx
@@ -2,7 +2,7 @@
 <file path=ppt/presentation.xml><?xml version="1.0" encoding="utf-8"?>
 <p:presentation xmlns:a="http://schemas.openxmlformats.org/drawingml/2006/main" xmlns:r="http://schemas.openxmlformats.org/officeDocument/2006/relationships" xmlns:p="http://schemas.openxmlformats.org/presentationml/2006/main" saveSubsetFonts="1" autoCompressPictures="0">
   <p:sldMasterIdLst>
-    <p:sldMasterId id="2147483672" r:id="rId1"/>
+    <p:sldMasterId id="2147483718" r:id="rId1"/>
   </p:sldMasterIdLst>
   <p:notesMasterIdLst>
     <p:notesMasterId r:id="rId3"/>
@@ -10,7 +10,7 @@
   <p:sldIdLst>
     <p:sldId id="256" r:id="rId2"/>
   </p:sldIdLst>
-  <p:sldSz cx="12192000" cy="6858000"/>
+  <p:sldSz cx="9144000" cy="6858000" type="letter"/>
   <p:notesSz cx="6858000" cy="9144000"/>
   <p:defaultTextStyle>
     <a:defPPr>
@@ -115,7 +115,7 @@
             <a:srgbClr val="A4A3A4"/>
           </p15:clr>
         </p15:guide>
-        <p15:guide id="2" pos="3840" userDrawn="1">
+        <p15:guide id="2" pos="2880" userDrawn="1">
           <p15:clr>
             <a:srgbClr val="A4A3A4"/>
           </p15:clr>
@@ -208,7 +208,7 @@
           <a:p>
             <a:fld id="{7ABD78BF-0394-D549-A535-A40133B5DC51}" type="datetimeFigureOut">
               <a:rPr lang="en-US" smtClean="0"/>
-              <a:t>4/5/20</a:t>
+              <a:t>7/6/2022</a:t>
             </a:fld>
             <a:endParaRPr lang="en-US"/>
           </a:p>
@@ -226,8 +226,8 @@
         </p:nvSpPr>
         <p:spPr>
           <a:xfrm>
-            <a:off x="685800" y="1143000"/>
-            <a:ext cx="5486400" cy="3086100"/>
+            <a:off x="1371600" y="1143000"/>
+            <a:ext cx="4114800" cy="3086100"/>
           </a:xfrm>
           <a:prstGeom prst="rect">
             <a:avLst/>
@@ -476,7 +476,7 @@
 </file>
 
 <file path=ppt/slideLayouts/slideLayout1.xml><?xml version="1.0" encoding="utf-8"?>
-<p:sldLayout xmlns:a="http://schemas.openxmlformats.org/drawingml/2006/main" xmlns:r="http://schemas.openxmlformats.org/officeDocument/2006/relationships" xmlns:p="http://schemas.openxmlformats.org/presentationml/2006/main" type="title" preserve="1">
+<p:sldLayout xmlns:a="http://schemas.openxmlformats.org/drawingml/2006/main" xmlns:r="http://schemas.openxmlformats.org/officeDocument/2006/relationships" xmlns:p="http://schemas.openxmlformats.org/presentationml/2006/main" showMasterSp="0" type="title" preserve="1">
   <p:cSld name="Title Slide">
     <p:spTree>
       <p:nvGrpSpPr>
@@ -492,6 +492,611 @@
           <a:chExt cx="0" cy="0"/>
         </a:xfrm>
       </p:grpSpPr>
+      <p:grpSp>
+        <p:nvGrpSpPr>
+          <p:cNvPr id="7" name="Group 6"/>
+          <p:cNvGrpSpPr/>
+          <p:nvPr/>
+        </p:nvGrpSpPr>
+        <p:grpSpPr>
+          <a:xfrm>
+            <a:off x="-8466" y="-8468"/>
+            <a:ext cx="9169804" cy="6874935"/>
+            <a:chOff x="-8466" y="-8468"/>
+            <a:chExt cx="9169804" cy="6874935"/>
+          </a:xfrm>
+        </p:grpSpPr>
+        <p:cxnSp>
+          <p:nvCxnSpPr>
+            <p:cNvPr id="17" name="Straight Connector 16"/>
+            <p:cNvCxnSpPr/>
+            <p:nvPr/>
+          </p:nvCxnSpPr>
+          <p:spPr>
+            <a:xfrm flipV="1">
+              <a:off x="5130830" y="4175605"/>
+              <a:ext cx="4022475" cy="2682396"/>
+            </a:xfrm>
+            <a:prstGeom prst="line">
+              <a:avLst/>
+            </a:prstGeom>
+            <a:ln w="9525">
+              <a:solidFill>
+                <a:schemeClr val="bg1">
+                  <a:lumMod val="85000"/>
+                  <a:lumOff val="15000"/>
+                </a:schemeClr>
+              </a:solidFill>
+            </a:ln>
+          </p:spPr>
+          <p:style>
+            <a:lnRef idx="2">
+              <a:schemeClr val="accent1"/>
+            </a:lnRef>
+            <a:fillRef idx="0">
+              <a:schemeClr val="accent1"/>
+            </a:fillRef>
+            <a:effectRef idx="1">
+              <a:schemeClr val="accent1"/>
+            </a:effectRef>
+            <a:fontRef idx="minor">
+              <a:schemeClr val="tx1"/>
+            </a:fontRef>
+          </p:style>
+        </p:cxnSp>
+        <p:cxnSp>
+          <p:nvCxnSpPr>
+            <p:cNvPr id="18" name="Straight Connector 17"/>
+            <p:cNvCxnSpPr/>
+            <p:nvPr/>
+          </p:nvCxnSpPr>
+          <p:spPr>
+            <a:xfrm>
+              <a:off x="7042707" y="0"/>
+              <a:ext cx="1219200" cy="6858000"/>
+            </a:xfrm>
+            <a:prstGeom prst="line">
+              <a:avLst/>
+            </a:prstGeom>
+            <a:ln w="9525">
+              <a:solidFill>
+                <a:schemeClr val="bg1">
+                  <a:lumMod val="85000"/>
+                  <a:lumOff val="15000"/>
+                </a:schemeClr>
+              </a:solidFill>
+            </a:ln>
+          </p:spPr>
+          <p:style>
+            <a:lnRef idx="2">
+              <a:schemeClr val="accent1"/>
+            </a:lnRef>
+            <a:fillRef idx="0">
+              <a:schemeClr val="accent1"/>
+            </a:fillRef>
+            <a:effectRef idx="1">
+              <a:schemeClr val="accent1"/>
+            </a:effectRef>
+            <a:fontRef idx="minor">
+              <a:schemeClr val="tx1"/>
+            </a:fontRef>
+          </p:style>
+        </p:cxnSp>
+        <p:sp>
+          <p:nvSpPr>
+            <p:cNvPr id="19" name="Freeform 18"/>
+            <p:cNvSpPr/>
+            <p:nvPr/>
+          </p:nvSpPr>
+          <p:spPr>
+            <a:xfrm>
+              <a:off x="6891896" y="1"/>
+              <a:ext cx="2269442" cy="6866466"/>
+            </a:xfrm>
+            <a:custGeom>
+              <a:avLst/>
+              <a:gdLst/>
+              <a:ahLst/>
+              <a:cxnLst/>
+              <a:rect l="l" t="t" r="r" b="b"/>
+              <a:pathLst>
+                <a:path w="2269442" h="6866466">
+                  <a:moveTo>
+                    <a:pt x="2023534" y="0"/>
+                  </a:moveTo>
+                  <a:lnTo>
+                    <a:pt x="0" y="6858000"/>
+                  </a:lnTo>
+                  <a:lnTo>
+                    <a:pt x="2269067" y="6866466"/>
+                  </a:lnTo>
+                  <a:cubicBezTo>
+                    <a:pt x="2271889" y="4580466"/>
+                    <a:pt x="2257778" y="2294466"/>
+                    <a:pt x="2260600" y="8466"/>
+                  </a:cubicBezTo>
+                  <a:lnTo>
+                    <a:pt x="2023534" y="0"/>
+                  </a:lnTo>
+                  <a:close/>
+                </a:path>
+              </a:pathLst>
+            </a:custGeom>
+            <a:solidFill>
+              <a:schemeClr val="accent1">
+                <a:alpha val="30000"/>
+              </a:schemeClr>
+            </a:solidFill>
+            <a:ln>
+              <a:noFill/>
+            </a:ln>
+            <a:effectLst/>
+          </p:spPr>
+          <p:style>
+            <a:lnRef idx="1">
+              <a:schemeClr val="accent1"/>
+            </a:lnRef>
+            <a:fillRef idx="3">
+              <a:schemeClr val="accent1"/>
+            </a:fillRef>
+            <a:effectRef idx="2">
+              <a:schemeClr val="accent1"/>
+            </a:effectRef>
+            <a:fontRef idx="minor">
+              <a:schemeClr val="lt1"/>
+            </a:fontRef>
+          </p:style>
+        </p:sp>
+        <p:sp>
+          <p:nvSpPr>
+            <p:cNvPr id="20" name="Freeform 19"/>
+            <p:cNvSpPr/>
+            <p:nvPr/>
+          </p:nvSpPr>
+          <p:spPr>
+            <a:xfrm>
+              <a:off x="7205158" y="-8467"/>
+              <a:ext cx="1948147" cy="6866467"/>
+            </a:xfrm>
+            <a:custGeom>
+              <a:avLst/>
+              <a:gdLst/>
+              <a:ahLst/>
+              <a:cxnLst/>
+              <a:rect l="l" t="t" r="r" b="b"/>
+              <a:pathLst>
+                <a:path w="1948147" h="6866467">
+                  <a:moveTo>
+                    <a:pt x="0" y="0"/>
+                  </a:moveTo>
+                  <a:lnTo>
+                    <a:pt x="1202267" y="6866467"/>
+                  </a:lnTo>
+                  <a:lnTo>
+                    <a:pt x="1947333" y="6866467"/>
+                  </a:lnTo>
+                  <a:cubicBezTo>
+                    <a:pt x="1944511" y="4577645"/>
+                    <a:pt x="1950155" y="2288822"/>
+                    <a:pt x="1947333" y="0"/>
+                  </a:cubicBezTo>
+                  <a:lnTo>
+                    <a:pt x="0" y="0"/>
+                  </a:lnTo>
+                  <a:close/>
+                </a:path>
+              </a:pathLst>
+            </a:custGeom>
+            <a:solidFill>
+              <a:schemeClr val="accent1">
+                <a:alpha val="20000"/>
+              </a:schemeClr>
+            </a:solidFill>
+            <a:ln>
+              <a:noFill/>
+            </a:ln>
+            <a:effectLst/>
+          </p:spPr>
+          <p:style>
+            <a:lnRef idx="1">
+              <a:schemeClr val="accent1"/>
+            </a:lnRef>
+            <a:fillRef idx="3">
+              <a:schemeClr val="accent1"/>
+            </a:fillRef>
+            <a:effectRef idx="2">
+              <a:schemeClr val="accent1"/>
+            </a:effectRef>
+            <a:fontRef idx="minor">
+              <a:schemeClr val="lt1"/>
+            </a:fontRef>
+          </p:style>
+        </p:sp>
+        <p:sp>
+          <p:nvSpPr>
+            <p:cNvPr id="21" name="Freeform 20"/>
+            <p:cNvSpPr/>
+            <p:nvPr/>
+          </p:nvSpPr>
+          <p:spPr>
+            <a:xfrm>
+              <a:off x="6637896" y="3920066"/>
+              <a:ext cx="2513565" cy="2937933"/>
+            </a:xfrm>
+            <a:custGeom>
+              <a:avLst/>
+              <a:gdLst/>
+              <a:ahLst/>
+              <a:cxnLst/>
+              <a:rect l="l" t="t" r="r" b="b"/>
+              <a:pathLst>
+                <a:path w="3259667" h="3810000">
+                  <a:moveTo>
+                    <a:pt x="0" y="3810000"/>
+                  </a:moveTo>
+                  <a:lnTo>
+                    <a:pt x="3251200" y="0"/>
+                  </a:lnTo>
+                  <a:cubicBezTo>
+                    <a:pt x="3254022" y="1270000"/>
+                    <a:pt x="3256845" y="2540000"/>
+                    <a:pt x="3259667" y="3810000"/>
+                  </a:cubicBezTo>
+                  <a:lnTo>
+                    <a:pt x="0" y="3810000"/>
+                  </a:lnTo>
+                  <a:close/>
+                </a:path>
+              </a:pathLst>
+            </a:custGeom>
+            <a:solidFill>
+              <a:schemeClr val="accent2">
+                <a:alpha val="72000"/>
+              </a:schemeClr>
+            </a:solidFill>
+            <a:ln>
+              <a:noFill/>
+            </a:ln>
+            <a:effectLst/>
+          </p:spPr>
+          <p:style>
+            <a:lnRef idx="1">
+              <a:schemeClr val="accent1"/>
+            </a:lnRef>
+            <a:fillRef idx="3">
+              <a:schemeClr val="accent1"/>
+            </a:fillRef>
+            <a:effectRef idx="2">
+              <a:schemeClr val="accent1"/>
+            </a:effectRef>
+            <a:fontRef idx="minor">
+              <a:schemeClr val="lt1"/>
+            </a:fontRef>
+          </p:style>
+        </p:sp>
+        <p:sp>
+          <p:nvSpPr>
+            <p:cNvPr id="22" name="Freeform 21"/>
+            <p:cNvSpPr/>
+            <p:nvPr/>
+          </p:nvSpPr>
+          <p:spPr>
+            <a:xfrm>
+              <a:off x="7010429" y="-8467"/>
+              <a:ext cx="2142876" cy="6866467"/>
+            </a:xfrm>
+            <a:custGeom>
+              <a:avLst/>
+              <a:gdLst/>
+              <a:ahLst/>
+              <a:cxnLst/>
+              <a:rect l="l" t="t" r="r" b="b"/>
+              <a:pathLst>
+                <a:path w="2853267" h="6866467">
+                  <a:moveTo>
+                    <a:pt x="0" y="0"/>
+                  </a:moveTo>
+                  <a:lnTo>
+                    <a:pt x="2472267" y="6866467"/>
+                  </a:lnTo>
+                  <a:lnTo>
+                    <a:pt x="2853267" y="6858000"/>
+                  </a:lnTo>
+                  <a:lnTo>
+                    <a:pt x="2853267" y="0"/>
+                  </a:lnTo>
+                  <a:lnTo>
+                    <a:pt x="0" y="0"/>
+                  </a:lnTo>
+                  <a:close/>
+                </a:path>
+              </a:pathLst>
+            </a:custGeom>
+            <a:solidFill>
+              <a:schemeClr val="accent2">
+                <a:lumMod val="75000"/>
+                <a:alpha val="70000"/>
+              </a:schemeClr>
+            </a:solidFill>
+            <a:ln>
+              <a:noFill/>
+            </a:ln>
+            <a:effectLst/>
+          </p:spPr>
+          <p:style>
+            <a:lnRef idx="1">
+              <a:schemeClr val="accent1"/>
+            </a:lnRef>
+            <a:fillRef idx="3">
+              <a:schemeClr val="accent1"/>
+            </a:fillRef>
+            <a:effectRef idx="2">
+              <a:schemeClr val="accent1"/>
+            </a:effectRef>
+            <a:fontRef idx="minor">
+              <a:schemeClr val="lt1"/>
+            </a:fontRef>
+          </p:style>
+        </p:sp>
+        <p:sp>
+          <p:nvSpPr>
+            <p:cNvPr id="23" name="Freeform 22"/>
+            <p:cNvSpPr/>
+            <p:nvPr/>
+          </p:nvSpPr>
+          <p:spPr>
+            <a:xfrm>
+              <a:off x="8295776" y="-8467"/>
+              <a:ext cx="857530" cy="6866467"/>
+            </a:xfrm>
+            <a:custGeom>
+              <a:avLst/>
+              <a:gdLst/>
+              <a:ahLst/>
+              <a:cxnLst/>
+              <a:rect l="l" t="t" r="r" b="b"/>
+              <a:pathLst>
+                <a:path w="1286933" h="6866467">
+                  <a:moveTo>
+                    <a:pt x="1016000" y="0"/>
+                  </a:moveTo>
+                  <a:lnTo>
+                    <a:pt x="0" y="6866467"/>
+                  </a:lnTo>
+                  <a:lnTo>
+                    <a:pt x="1286933" y="6866467"/>
+                  </a:lnTo>
+                  <a:cubicBezTo>
+                    <a:pt x="1284111" y="4577645"/>
+                    <a:pt x="1281288" y="2288822"/>
+                    <a:pt x="1278466" y="0"/>
+                  </a:cubicBezTo>
+                  <a:lnTo>
+                    <a:pt x="1016000" y="0"/>
+                  </a:lnTo>
+                  <a:close/>
+                </a:path>
+              </a:pathLst>
+            </a:custGeom>
+            <a:solidFill>
+              <a:schemeClr val="accent1">
+                <a:lumMod val="60000"/>
+                <a:lumOff val="40000"/>
+                <a:alpha val="70000"/>
+              </a:schemeClr>
+            </a:solidFill>
+            <a:ln>
+              <a:noFill/>
+            </a:ln>
+            <a:effectLst/>
+          </p:spPr>
+          <p:style>
+            <a:lnRef idx="1">
+              <a:schemeClr val="accent1"/>
+            </a:lnRef>
+            <a:fillRef idx="3">
+              <a:schemeClr val="accent1"/>
+            </a:fillRef>
+            <a:effectRef idx="2">
+              <a:schemeClr val="accent1"/>
+            </a:effectRef>
+            <a:fontRef idx="minor">
+              <a:schemeClr val="lt1"/>
+            </a:fontRef>
+          </p:style>
+        </p:sp>
+        <p:sp>
+          <p:nvSpPr>
+            <p:cNvPr id="24" name="Freeform 23"/>
+            <p:cNvSpPr/>
+            <p:nvPr/>
+          </p:nvSpPr>
+          <p:spPr>
+            <a:xfrm>
+              <a:off x="8077231" y="-8468"/>
+              <a:ext cx="1066770" cy="6866467"/>
+            </a:xfrm>
+            <a:custGeom>
+              <a:avLst/>
+              <a:gdLst/>
+              <a:ahLst/>
+              <a:cxnLst/>
+              <a:rect l="l" t="t" r="r" b="b"/>
+              <a:pathLst>
+                <a:path w="1270244" h="6866467">
+                  <a:moveTo>
+                    <a:pt x="0" y="0"/>
+                  </a:moveTo>
+                  <a:lnTo>
+                    <a:pt x="1117600" y="6866467"/>
+                  </a:lnTo>
+                  <a:lnTo>
+                    <a:pt x="1270000" y="6866467"/>
+                  </a:lnTo>
+                  <a:cubicBezTo>
+                    <a:pt x="1272822" y="4574822"/>
+                    <a:pt x="1250245" y="2291645"/>
+                    <a:pt x="1253067" y="0"/>
+                  </a:cubicBezTo>
+                  <a:lnTo>
+                    <a:pt x="0" y="0"/>
+                  </a:lnTo>
+                  <a:close/>
+                </a:path>
+              </a:pathLst>
+            </a:custGeom>
+            <a:solidFill>
+              <a:schemeClr val="accent1">
+                <a:alpha val="65000"/>
+              </a:schemeClr>
+            </a:solidFill>
+            <a:ln>
+              <a:noFill/>
+            </a:ln>
+            <a:effectLst/>
+          </p:spPr>
+          <p:style>
+            <a:lnRef idx="1">
+              <a:schemeClr val="accent1"/>
+            </a:lnRef>
+            <a:fillRef idx="3">
+              <a:schemeClr val="accent1"/>
+            </a:fillRef>
+            <a:effectRef idx="2">
+              <a:schemeClr val="accent1"/>
+            </a:effectRef>
+            <a:fontRef idx="minor">
+              <a:schemeClr val="lt1"/>
+            </a:fontRef>
+          </p:style>
+        </p:sp>
+        <p:sp>
+          <p:nvSpPr>
+            <p:cNvPr id="25" name="Freeform 24"/>
+            <p:cNvSpPr/>
+            <p:nvPr/>
+          </p:nvSpPr>
+          <p:spPr>
+            <a:xfrm>
+              <a:off x="8060297" y="4893733"/>
+              <a:ext cx="1094086" cy="1964267"/>
+            </a:xfrm>
+            <a:custGeom>
+              <a:avLst/>
+              <a:gdLst/>
+              <a:ahLst/>
+              <a:cxnLst/>
+              <a:rect l="l" t="t" r="r" b="b"/>
+              <a:pathLst>
+                <a:path w="1820333" h="3268133">
+                  <a:moveTo>
+                    <a:pt x="0" y="3268133"/>
+                  </a:moveTo>
+                  <a:lnTo>
+                    <a:pt x="1811866" y="0"/>
+                  </a:lnTo>
+                  <a:cubicBezTo>
+                    <a:pt x="1814688" y="1086555"/>
+                    <a:pt x="1817511" y="2173111"/>
+                    <a:pt x="1820333" y="3259666"/>
+                  </a:cubicBezTo>
+                  <a:lnTo>
+                    <a:pt x="0" y="3268133"/>
+                  </a:lnTo>
+                  <a:close/>
+                </a:path>
+              </a:pathLst>
+            </a:custGeom>
+            <a:solidFill>
+              <a:schemeClr val="accent1">
+                <a:alpha val="80000"/>
+              </a:schemeClr>
+            </a:solidFill>
+            <a:ln>
+              <a:noFill/>
+            </a:ln>
+            <a:effectLst/>
+          </p:spPr>
+          <p:style>
+            <a:lnRef idx="1">
+              <a:schemeClr val="accent1"/>
+            </a:lnRef>
+            <a:fillRef idx="3">
+              <a:schemeClr val="accent1"/>
+            </a:fillRef>
+            <a:effectRef idx="2">
+              <a:schemeClr val="accent1"/>
+            </a:effectRef>
+            <a:fontRef idx="minor">
+              <a:schemeClr val="lt1"/>
+            </a:fontRef>
+          </p:style>
+        </p:sp>
+        <p:sp>
+          <p:nvSpPr>
+            <p:cNvPr id="29" name="Freeform 28"/>
+            <p:cNvSpPr/>
+            <p:nvPr/>
+          </p:nvSpPr>
+          <p:spPr>
+            <a:xfrm>
+              <a:off x="-8466" y="-8468"/>
+              <a:ext cx="863600" cy="5698067"/>
+            </a:xfrm>
+            <a:custGeom>
+              <a:avLst/>
+              <a:gdLst/>
+              <a:ahLst/>
+              <a:cxnLst/>
+              <a:rect l="l" t="t" r="r" b="b"/>
+              <a:pathLst>
+                <a:path w="863600" h="5698067">
+                  <a:moveTo>
+                    <a:pt x="0" y="8467"/>
+                  </a:moveTo>
+                  <a:lnTo>
+                    <a:pt x="863600" y="0"/>
+                  </a:lnTo>
+                  <a:lnTo>
+                    <a:pt x="863600" y="16934"/>
+                  </a:lnTo>
+                  <a:lnTo>
+                    <a:pt x="0" y="5698067"/>
+                  </a:lnTo>
+                  <a:lnTo>
+                    <a:pt x="0" y="8467"/>
+                  </a:lnTo>
+                  <a:close/>
+                </a:path>
+              </a:pathLst>
+            </a:custGeom>
+            <a:solidFill>
+              <a:schemeClr val="accent1">
+                <a:lumMod val="75000"/>
+                <a:alpha val="85000"/>
+              </a:schemeClr>
+            </a:solidFill>
+            <a:ln>
+              <a:noFill/>
+            </a:ln>
+            <a:effectLst/>
+          </p:spPr>
+          <p:style>
+            <a:lnRef idx="1">
+              <a:schemeClr val="accent1"/>
+            </a:lnRef>
+            <a:fillRef idx="3">
+              <a:schemeClr val="accent1"/>
+            </a:fillRef>
+            <a:effectRef idx="2">
+              <a:schemeClr val="accent1"/>
+            </a:effectRef>
+            <a:fontRef idx="minor">
+              <a:schemeClr val="lt1"/>
+            </a:fontRef>
+          </p:style>
+        </p:sp>
+      </p:grpSp>
       <p:sp>
         <p:nvSpPr>
           <p:cNvPr id="2" name="Title 1"/>
@@ -504,15 +1109,17 @@
         </p:nvSpPr>
         <p:spPr>
           <a:xfrm>
-            <a:off x="1524000" y="1122363"/>
-            <a:ext cx="9144000" cy="2387600"/>
+            <a:off x="1130595" y="2404534"/>
+            <a:ext cx="5826719" cy="1646302"/>
           </a:xfrm>
         </p:spPr>
         <p:txBody>
-          <a:bodyPr anchor="b"/>
+          <a:bodyPr anchor="b">
+            <a:noAutofit/>
+          </a:bodyPr>
           <a:lstStyle>
-            <a:lvl1pPr algn="ctr">
-              <a:defRPr sz="6000" baseline="0">
+            <a:lvl1pPr algn="r">
+              <a:defRPr sz="5400">
                 <a:solidFill>
                   <a:schemeClr val="accent1"/>
                 </a:solidFill>
@@ -521,9 +1128,10 @@
           </a:lstStyle>
           <a:p>
             <a:r>
-              <a:rPr lang="en-US" dirty="0"/>
+              <a:rPr lang="en-US"/>
               <a:t>Click to edit Master title style</a:t>
             </a:r>
+            <a:endParaRPr lang="en-US" dirty="0"/>
           </a:p>
         </p:txBody>
       </p:sp>
@@ -539,59 +1147,111 @@
         </p:nvSpPr>
         <p:spPr>
           <a:xfrm>
-            <a:off x="1524000" y="3602038"/>
-            <a:ext cx="9144000" cy="1655762"/>
+            <a:off x="1130595" y="4050834"/>
+            <a:ext cx="5826719" cy="1096899"/>
           </a:xfrm>
         </p:spPr>
         <p:txBody>
-          <a:bodyPr/>
+          <a:bodyPr anchor="t"/>
           <a:lstStyle>
-            <a:lvl1pPr marL="0" indent="0" algn="ctr">
-              <a:buNone/>
-              <a:defRPr sz="2400" baseline="0">
-                <a:solidFill>
-                  <a:schemeClr val="accent1"/>
+            <a:lvl1pPr marL="0" indent="0" algn="r">
+              <a:buNone/>
+              <a:defRPr>
+                <a:solidFill>
+                  <a:schemeClr val="tx1">
+                    <a:lumMod val="50000"/>
+                    <a:lumOff val="50000"/>
+                  </a:schemeClr>
                 </a:solidFill>
               </a:defRPr>
             </a:lvl1pPr>
             <a:lvl2pPr marL="457200" indent="0" algn="ctr">
               <a:buNone/>
-              <a:defRPr sz="2000"/>
+              <a:defRPr>
+                <a:solidFill>
+                  <a:schemeClr val="tx1">
+                    <a:tint val="75000"/>
+                  </a:schemeClr>
+                </a:solidFill>
+              </a:defRPr>
             </a:lvl2pPr>
             <a:lvl3pPr marL="914400" indent="0" algn="ctr">
               <a:buNone/>
-              <a:defRPr sz="1800"/>
+              <a:defRPr>
+                <a:solidFill>
+                  <a:schemeClr val="tx1">
+                    <a:tint val="75000"/>
+                  </a:schemeClr>
+                </a:solidFill>
+              </a:defRPr>
             </a:lvl3pPr>
             <a:lvl4pPr marL="1371600" indent="0" algn="ctr">
               <a:buNone/>
-              <a:defRPr sz="1600"/>
+              <a:defRPr>
+                <a:solidFill>
+                  <a:schemeClr val="tx1">
+                    <a:tint val="75000"/>
+                  </a:schemeClr>
+                </a:solidFill>
+              </a:defRPr>
             </a:lvl4pPr>
             <a:lvl5pPr marL="1828800" indent="0" algn="ctr">
               <a:buNone/>
-              <a:defRPr sz="1600"/>
+              <a:defRPr>
+                <a:solidFill>
+                  <a:schemeClr val="tx1">
+                    <a:tint val="75000"/>
+                  </a:schemeClr>
+                </a:solidFill>
+              </a:defRPr>
             </a:lvl5pPr>
             <a:lvl6pPr marL="2286000" indent="0" algn="ctr">
               <a:buNone/>
-              <a:defRPr sz="1600"/>
+              <a:defRPr>
+                <a:solidFill>
+                  <a:schemeClr val="tx1">
+                    <a:tint val="75000"/>
+                  </a:schemeClr>
+                </a:solidFill>
+              </a:defRPr>
             </a:lvl6pPr>
             <a:lvl7pPr marL="2743200" indent="0" algn="ctr">
               <a:buNone/>
-              <a:defRPr sz="1600"/>
+              <a:defRPr>
+                <a:solidFill>
+                  <a:schemeClr val="tx1">
+                    <a:tint val="75000"/>
+                  </a:schemeClr>
+                </a:solidFill>
+              </a:defRPr>
             </a:lvl7pPr>
             <a:lvl8pPr marL="3200400" indent="0" algn="ctr">
               <a:buNone/>
-              <a:defRPr sz="1600"/>
+              <a:defRPr>
+                <a:solidFill>
+                  <a:schemeClr val="tx1">
+                    <a:tint val="75000"/>
+                  </a:schemeClr>
+                </a:solidFill>
+              </a:defRPr>
             </a:lvl8pPr>
             <a:lvl9pPr marL="3657600" indent="0" algn="ctr">
               <a:buNone/>
-              <a:defRPr sz="1600"/>
+              <a:defRPr>
+                <a:solidFill>
+                  <a:schemeClr val="tx1">
+                    <a:tint val="75000"/>
+                  </a:schemeClr>
+                </a:solidFill>
+              </a:defRPr>
             </a:lvl9pPr>
           </a:lstStyle>
           <a:p>
             <a:r>
-              <a:rPr lang="en-US" dirty="0"/>
+              <a:rPr lang="en-US"/>
               <a:t>Click to edit Master subtitle style</a:t>
             </a:r>
+            <a:endParaRPr lang="en-US" dirty="0"/>
           </a:p>
         </p:txBody>
       </p:sp>
@@ -612,7 +1272,7 @@
           <a:p>
             <a:fld id="{23133D12-CE5E-6B41-8E9D-91EDFBAFC85F}" type="datetime1">
               <a:rPr lang="en-GB" smtClean="0"/>
-              <a:t>05/04/2020</a:t>
+              <a:t>06/07/2022</a:t>
             </a:fld>
             <a:endParaRPr lang="en-US"/>
           </a:p>
@@ -628,15 +1288,7 @@
             <p:ph type="ftr" sz="quarter" idx="11"/>
           </p:nvPr>
         </p:nvSpPr>
-        <p:spPr>
-          <a:xfrm>
-            <a:off x="4038600" y="6356350"/>
-            <a:ext cx="4114800" cy="365125"/>
-          </a:xfrm>
-          <a:prstGeom prst="rect">
-            <a:avLst/>
-          </a:prstGeom>
-        </p:spPr>
+        <p:spPr/>
         <p:txBody>
           <a:bodyPr/>
           <a:lstStyle/>
@@ -669,6 +1321,11 @@
         </p:txBody>
       </p:sp>
     </p:spTree>
+    <p:extLst>
+      <p:ext uri="{BB962C8B-B14F-4D97-AF65-F5344CB8AC3E}">
+        <p14:creationId xmlns:p14="http://schemas.microsoft.com/office/powerpoint/2010/main" val="108813960"/>
+      </p:ext>
+    </p:extLst>
   </p:cSld>
   <p:clrMapOvr>
     <a:masterClrMapping/>
@@ -677,6 +1334,1604 @@
 </file>
 
 <file path=ppt/slideLayouts/slideLayout10.xml><?xml version="1.0" encoding="utf-8"?>
+<p:sldLayout xmlns:a="http://schemas.openxmlformats.org/drawingml/2006/main" xmlns:r="http://schemas.openxmlformats.org/officeDocument/2006/relationships" xmlns:p="http://schemas.openxmlformats.org/presentationml/2006/main" preserve="1">
+  <p:cSld name="Title and Caption">
+    <p:spTree>
+      <p:nvGrpSpPr>
+        <p:cNvPr id="1" name=""/>
+        <p:cNvGrpSpPr/>
+        <p:nvPr/>
+      </p:nvGrpSpPr>
+      <p:grpSpPr>
+        <a:xfrm>
+          <a:off x="0" y="0"/>
+          <a:ext cx="0" cy="0"/>
+          <a:chOff x="0" y="0"/>
+          <a:chExt cx="0" cy="0"/>
+        </a:xfrm>
+      </p:grpSpPr>
+      <p:sp>
+        <p:nvSpPr>
+          <p:cNvPr id="2" name="Title 1"/>
+          <p:cNvSpPr>
+            <a:spLocks noGrp="1"/>
+          </p:cNvSpPr>
+          <p:nvPr>
+            <p:ph type="title"/>
+          </p:nvPr>
+        </p:nvSpPr>
+        <p:spPr>
+          <a:xfrm>
+            <a:off x="609600" y="609600"/>
+            <a:ext cx="6347714" cy="3403600"/>
+          </a:xfrm>
+        </p:spPr>
+        <p:txBody>
+          <a:bodyPr anchor="ctr">
+            <a:normAutofit/>
+          </a:bodyPr>
+          <a:lstStyle>
+            <a:lvl1pPr algn="l">
+              <a:defRPr sz="4400" b="0" cap="none"/>
+            </a:lvl1pPr>
+          </a:lstStyle>
+          <a:p>
+            <a:r>
+              <a:rPr lang="en-US"/>
+              <a:t>Click to edit Master title style</a:t>
+            </a:r>
+            <a:endParaRPr lang="en-US" dirty="0"/>
+          </a:p>
+        </p:txBody>
+      </p:sp>
+      <p:sp>
+        <p:nvSpPr>
+          <p:cNvPr id="3" name="Text Placeholder 2"/>
+          <p:cNvSpPr>
+            <a:spLocks noGrp="1"/>
+          </p:cNvSpPr>
+          <p:nvPr>
+            <p:ph type="body" idx="1"/>
+          </p:nvPr>
+        </p:nvSpPr>
+        <p:spPr>
+          <a:xfrm>
+            <a:off x="609600" y="4470400"/>
+            <a:ext cx="6347714" cy="1570962"/>
+          </a:xfrm>
+        </p:spPr>
+        <p:txBody>
+          <a:bodyPr anchor="ctr">
+            <a:normAutofit/>
+          </a:bodyPr>
+          <a:lstStyle>
+            <a:lvl1pPr marL="0" indent="0" algn="l">
+              <a:buNone/>
+              <a:defRPr sz="1800">
+                <a:solidFill>
+                  <a:schemeClr val="tx1">
+                    <a:lumMod val="75000"/>
+                    <a:lumOff val="25000"/>
+                  </a:schemeClr>
+                </a:solidFill>
+              </a:defRPr>
+            </a:lvl1pPr>
+            <a:lvl2pPr marL="457200" indent="0">
+              <a:buNone/>
+              <a:defRPr sz="1800">
+                <a:solidFill>
+                  <a:schemeClr val="tx1">
+                    <a:tint val="75000"/>
+                  </a:schemeClr>
+                </a:solidFill>
+              </a:defRPr>
+            </a:lvl2pPr>
+            <a:lvl3pPr marL="914400" indent="0">
+              <a:buNone/>
+              <a:defRPr sz="1600">
+                <a:solidFill>
+                  <a:schemeClr val="tx1">
+                    <a:tint val="75000"/>
+                  </a:schemeClr>
+                </a:solidFill>
+              </a:defRPr>
+            </a:lvl3pPr>
+            <a:lvl4pPr marL="1371600" indent="0">
+              <a:buNone/>
+              <a:defRPr sz="1400">
+                <a:solidFill>
+                  <a:schemeClr val="tx1">
+                    <a:tint val="75000"/>
+                  </a:schemeClr>
+                </a:solidFill>
+              </a:defRPr>
+            </a:lvl4pPr>
+            <a:lvl5pPr marL="1828800" indent="0">
+              <a:buNone/>
+              <a:defRPr sz="1400">
+                <a:solidFill>
+                  <a:schemeClr val="tx1">
+                    <a:tint val="75000"/>
+                  </a:schemeClr>
+                </a:solidFill>
+              </a:defRPr>
+            </a:lvl5pPr>
+            <a:lvl6pPr marL="2286000" indent="0">
+              <a:buNone/>
+              <a:defRPr sz="1400">
+                <a:solidFill>
+                  <a:schemeClr val="tx1">
+                    <a:tint val="75000"/>
+                  </a:schemeClr>
+                </a:solidFill>
+              </a:defRPr>
+            </a:lvl6pPr>
+            <a:lvl7pPr marL="2743200" indent="0">
+              <a:buNone/>
+              <a:defRPr sz="1400">
+                <a:solidFill>
+                  <a:schemeClr val="tx1">
+                    <a:tint val="75000"/>
+                  </a:schemeClr>
+                </a:solidFill>
+              </a:defRPr>
+            </a:lvl7pPr>
+            <a:lvl8pPr marL="3200400" indent="0">
+              <a:buNone/>
+              <a:defRPr sz="1400">
+                <a:solidFill>
+                  <a:schemeClr val="tx1">
+                    <a:tint val="75000"/>
+                  </a:schemeClr>
+                </a:solidFill>
+              </a:defRPr>
+            </a:lvl8pPr>
+            <a:lvl9pPr marL="3657600" indent="0">
+              <a:buNone/>
+              <a:defRPr sz="1400">
+                <a:solidFill>
+                  <a:schemeClr val="tx1">
+                    <a:tint val="75000"/>
+                  </a:schemeClr>
+                </a:solidFill>
+              </a:defRPr>
+            </a:lvl9pPr>
+          </a:lstStyle>
+          <a:p>
+            <a:pPr lvl="0"/>
+            <a:r>
+              <a:rPr lang="en-US"/>
+              <a:t>Click to edit Master text styles</a:t>
+            </a:r>
+          </a:p>
+        </p:txBody>
+      </p:sp>
+      <p:sp>
+        <p:nvSpPr>
+          <p:cNvPr id="4" name="Date Placeholder 3"/>
+          <p:cNvSpPr>
+            <a:spLocks noGrp="1"/>
+          </p:cNvSpPr>
+          <p:nvPr>
+            <p:ph type="dt" sz="half" idx="10"/>
+          </p:nvPr>
+        </p:nvSpPr>
+        <p:spPr/>
+        <p:txBody>
+          <a:bodyPr/>
+          <a:lstStyle/>
+          <a:p>
+            <a:fld id="{B4F538D9-71E6-DF45-AEE6-3D5D1058FDA2}" type="datetime1">
+              <a:rPr lang="en-GB" smtClean="0"/>
+              <a:t>06/07/2022</a:t>
+            </a:fld>
+            <a:endParaRPr lang="en-US"/>
+          </a:p>
+        </p:txBody>
+      </p:sp>
+      <p:sp>
+        <p:nvSpPr>
+          <p:cNvPr id="5" name="Footer Placeholder 4"/>
+          <p:cNvSpPr>
+            <a:spLocks noGrp="1"/>
+          </p:cNvSpPr>
+          <p:nvPr>
+            <p:ph type="ftr" sz="quarter" idx="11"/>
+          </p:nvPr>
+        </p:nvSpPr>
+        <p:spPr/>
+        <p:txBody>
+          <a:bodyPr/>
+          <a:lstStyle/>
+          <a:p>
+            <a:endParaRPr lang="en-US"/>
+          </a:p>
+        </p:txBody>
+      </p:sp>
+      <p:sp>
+        <p:nvSpPr>
+          <p:cNvPr id="6" name="Slide Number Placeholder 5"/>
+          <p:cNvSpPr>
+            <a:spLocks noGrp="1"/>
+          </p:cNvSpPr>
+          <p:nvPr>
+            <p:ph type="sldNum" sz="quarter" idx="12"/>
+          </p:nvPr>
+        </p:nvSpPr>
+        <p:spPr/>
+        <p:txBody>
+          <a:bodyPr/>
+          <a:lstStyle/>
+          <a:p>
+            <a:fld id="{C1FF6DA9-008F-8B48-92A6-B652298478BF}" type="slidenum">
+              <a:rPr lang="en-US" smtClean="0"/>
+              <a:t>‹#›</a:t>
+            </a:fld>
+            <a:endParaRPr lang="en-US"/>
+          </a:p>
+        </p:txBody>
+      </p:sp>
+    </p:spTree>
+    <p:extLst>
+      <p:ext uri="{BB962C8B-B14F-4D97-AF65-F5344CB8AC3E}">
+        <p14:creationId xmlns:p14="http://schemas.microsoft.com/office/powerpoint/2010/main" val="502185394"/>
+      </p:ext>
+    </p:extLst>
+  </p:cSld>
+  <p:clrMapOvr>
+    <a:masterClrMapping/>
+  </p:clrMapOvr>
+  <p:hf hdr="0" ftr="0" dt="0"/>
+</p:sldLayout>
+</file>
+
+<file path=ppt/slideLayouts/slideLayout11.xml><?xml version="1.0" encoding="utf-8"?>
+<p:sldLayout xmlns:a="http://schemas.openxmlformats.org/drawingml/2006/main" xmlns:r="http://schemas.openxmlformats.org/officeDocument/2006/relationships" xmlns:p="http://schemas.openxmlformats.org/presentationml/2006/main" preserve="1">
+  <p:cSld name="Quote with Caption">
+    <p:spTree>
+      <p:nvGrpSpPr>
+        <p:cNvPr id="1" name=""/>
+        <p:cNvGrpSpPr/>
+        <p:nvPr/>
+      </p:nvGrpSpPr>
+      <p:grpSpPr>
+        <a:xfrm>
+          <a:off x="0" y="0"/>
+          <a:ext cx="0" cy="0"/>
+          <a:chOff x="0" y="0"/>
+          <a:chExt cx="0" cy="0"/>
+        </a:xfrm>
+      </p:grpSpPr>
+      <p:sp>
+        <p:nvSpPr>
+          <p:cNvPr id="2" name="Title 1"/>
+          <p:cNvSpPr>
+            <a:spLocks noGrp="1"/>
+          </p:cNvSpPr>
+          <p:nvPr>
+            <p:ph type="title"/>
+          </p:nvPr>
+        </p:nvSpPr>
+        <p:spPr>
+          <a:xfrm>
+            <a:off x="774885" y="609600"/>
+            <a:ext cx="6072182" cy="3022600"/>
+          </a:xfrm>
+        </p:spPr>
+        <p:txBody>
+          <a:bodyPr anchor="ctr">
+            <a:normAutofit/>
+          </a:bodyPr>
+          <a:lstStyle>
+            <a:lvl1pPr algn="l">
+              <a:defRPr sz="4400" b="0" cap="none"/>
+            </a:lvl1pPr>
+          </a:lstStyle>
+          <a:p>
+            <a:r>
+              <a:rPr lang="en-US"/>
+              <a:t>Click to edit Master title style</a:t>
+            </a:r>
+            <a:endParaRPr lang="en-US" dirty="0"/>
+          </a:p>
+        </p:txBody>
+      </p:sp>
+      <p:sp>
+        <p:nvSpPr>
+          <p:cNvPr id="23" name="Text Placeholder 9"/>
+          <p:cNvSpPr>
+            <a:spLocks noGrp="1"/>
+          </p:cNvSpPr>
+          <p:nvPr>
+            <p:ph type="body" sz="quarter" idx="13"/>
+          </p:nvPr>
+        </p:nvSpPr>
+        <p:spPr>
+          <a:xfrm>
+            <a:off x="1101074" y="3632200"/>
+            <a:ext cx="5419804" cy="381000"/>
+          </a:xfrm>
+        </p:spPr>
+        <p:txBody>
+          <a:bodyPr anchor="ctr">
+            <a:noAutofit/>
+          </a:bodyPr>
+          <a:lstStyle>
+            <a:lvl1pPr marL="0" indent="0">
+              <a:buFontTx/>
+              <a:buNone/>
+              <a:defRPr sz="1600">
+                <a:solidFill>
+                  <a:schemeClr val="tx1">
+                    <a:lumMod val="50000"/>
+                    <a:lumOff val="50000"/>
+                  </a:schemeClr>
+                </a:solidFill>
+              </a:defRPr>
+            </a:lvl1pPr>
+            <a:lvl2pPr marL="457200" indent="0">
+              <a:buFontTx/>
+              <a:buNone/>
+              <a:defRPr/>
+            </a:lvl2pPr>
+            <a:lvl3pPr marL="914400" indent="0">
+              <a:buFontTx/>
+              <a:buNone/>
+              <a:defRPr/>
+            </a:lvl3pPr>
+            <a:lvl4pPr marL="1371600" indent="0">
+              <a:buFontTx/>
+              <a:buNone/>
+              <a:defRPr/>
+            </a:lvl4pPr>
+            <a:lvl5pPr marL="1828800" indent="0">
+              <a:buFontTx/>
+              <a:buNone/>
+              <a:defRPr/>
+            </a:lvl5pPr>
+          </a:lstStyle>
+          <a:p>
+            <a:pPr lvl="0"/>
+            <a:r>
+              <a:rPr lang="en-US"/>
+              <a:t>Click to edit Master text styles</a:t>
+            </a:r>
+          </a:p>
+        </p:txBody>
+      </p:sp>
+      <p:sp>
+        <p:nvSpPr>
+          <p:cNvPr id="3" name="Text Placeholder 2"/>
+          <p:cNvSpPr>
+            <a:spLocks noGrp="1"/>
+          </p:cNvSpPr>
+          <p:nvPr>
+            <p:ph type="body" idx="1"/>
+          </p:nvPr>
+        </p:nvSpPr>
+        <p:spPr>
+          <a:xfrm>
+            <a:off x="609598" y="4470400"/>
+            <a:ext cx="6347715" cy="1570962"/>
+          </a:xfrm>
+        </p:spPr>
+        <p:txBody>
+          <a:bodyPr anchor="ctr">
+            <a:normAutofit/>
+          </a:bodyPr>
+          <a:lstStyle>
+            <a:lvl1pPr marL="0" indent="0" algn="l">
+              <a:buNone/>
+              <a:defRPr sz="1800">
+                <a:solidFill>
+                  <a:schemeClr val="tx1">
+                    <a:lumMod val="75000"/>
+                    <a:lumOff val="25000"/>
+                  </a:schemeClr>
+                </a:solidFill>
+              </a:defRPr>
+            </a:lvl1pPr>
+            <a:lvl2pPr marL="457200" indent="0">
+              <a:buNone/>
+              <a:defRPr sz="1800">
+                <a:solidFill>
+                  <a:schemeClr val="tx1">
+                    <a:tint val="75000"/>
+                  </a:schemeClr>
+                </a:solidFill>
+              </a:defRPr>
+            </a:lvl2pPr>
+            <a:lvl3pPr marL="914400" indent="0">
+              <a:buNone/>
+              <a:defRPr sz="1600">
+                <a:solidFill>
+                  <a:schemeClr val="tx1">
+                    <a:tint val="75000"/>
+                  </a:schemeClr>
+                </a:solidFill>
+              </a:defRPr>
+            </a:lvl3pPr>
+            <a:lvl4pPr marL="1371600" indent="0">
+              <a:buNone/>
+              <a:defRPr sz="1400">
+                <a:solidFill>
+                  <a:schemeClr val="tx1">
+                    <a:tint val="75000"/>
+                  </a:schemeClr>
+                </a:solidFill>
+              </a:defRPr>
+            </a:lvl4pPr>
+            <a:lvl5pPr marL="1828800" indent="0">
+              <a:buNone/>
+              <a:defRPr sz="1400">
+                <a:solidFill>
+                  <a:schemeClr val="tx1">
+                    <a:tint val="75000"/>
+                  </a:schemeClr>
+                </a:solidFill>
+              </a:defRPr>
+            </a:lvl5pPr>
+            <a:lvl6pPr marL="2286000" indent="0">
+              <a:buNone/>
+              <a:defRPr sz="1400">
+                <a:solidFill>
+                  <a:schemeClr val="tx1">
+                    <a:tint val="75000"/>
+                  </a:schemeClr>
+                </a:solidFill>
+              </a:defRPr>
+            </a:lvl6pPr>
+            <a:lvl7pPr marL="2743200" indent="0">
+              <a:buNone/>
+              <a:defRPr sz="1400">
+                <a:solidFill>
+                  <a:schemeClr val="tx1">
+                    <a:tint val="75000"/>
+                  </a:schemeClr>
+                </a:solidFill>
+              </a:defRPr>
+            </a:lvl7pPr>
+            <a:lvl8pPr marL="3200400" indent="0">
+              <a:buNone/>
+              <a:defRPr sz="1400">
+                <a:solidFill>
+                  <a:schemeClr val="tx1">
+                    <a:tint val="75000"/>
+                  </a:schemeClr>
+                </a:solidFill>
+              </a:defRPr>
+            </a:lvl8pPr>
+            <a:lvl9pPr marL="3657600" indent="0">
+              <a:buNone/>
+              <a:defRPr sz="1400">
+                <a:solidFill>
+                  <a:schemeClr val="tx1">
+                    <a:tint val="75000"/>
+                  </a:schemeClr>
+                </a:solidFill>
+              </a:defRPr>
+            </a:lvl9pPr>
+          </a:lstStyle>
+          <a:p>
+            <a:pPr lvl="0"/>
+            <a:r>
+              <a:rPr lang="en-US"/>
+              <a:t>Click to edit Master text styles</a:t>
+            </a:r>
+          </a:p>
+        </p:txBody>
+      </p:sp>
+      <p:sp>
+        <p:nvSpPr>
+          <p:cNvPr id="4" name="Date Placeholder 3"/>
+          <p:cNvSpPr>
+            <a:spLocks noGrp="1"/>
+          </p:cNvSpPr>
+          <p:nvPr>
+            <p:ph type="dt" sz="half" idx="10"/>
+          </p:nvPr>
+        </p:nvSpPr>
+        <p:spPr/>
+        <p:txBody>
+          <a:bodyPr/>
+          <a:lstStyle/>
+          <a:p>
+            <a:fld id="{B4F538D9-71E6-DF45-AEE6-3D5D1058FDA2}" type="datetime1">
+              <a:rPr lang="en-GB" smtClean="0"/>
+              <a:t>06/07/2022</a:t>
+            </a:fld>
+            <a:endParaRPr lang="en-US"/>
+          </a:p>
+        </p:txBody>
+      </p:sp>
+      <p:sp>
+        <p:nvSpPr>
+          <p:cNvPr id="5" name="Footer Placeholder 4"/>
+          <p:cNvSpPr>
+            <a:spLocks noGrp="1"/>
+          </p:cNvSpPr>
+          <p:nvPr>
+            <p:ph type="ftr" sz="quarter" idx="11"/>
+          </p:nvPr>
+        </p:nvSpPr>
+        <p:spPr/>
+        <p:txBody>
+          <a:bodyPr/>
+          <a:lstStyle/>
+          <a:p>
+            <a:endParaRPr lang="en-US"/>
+          </a:p>
+        </p:txBody>
+      </p:sp>
+      <p:sp>
+        <p:nvSpPr>
+          <p:cNvPr id="6" name="Slide Number Placeholder 5"/>
+          <p:cNvSpPr>
+            <a:spLocks noGrp="1"/>
+          </p:cNvSpPr>
+          <p:nvPr>
+            <p:ph type="sldNum" sz="quarter" idx="12"/>
+          </p:nvPr>
+        </p:nvSpPr>
+        <p:spPr/>
+        <p:txBody>
+          <a:bodyPr/>
+          <a:lstStyle/>
+          <a:p>
+            <a:fld id="{C1FF6DA9-008F-8B48-92A6-B652298478BF}" type="slidenum">
+              <a:rPr lang="en-US" smtClean="0"/>
+              <a:t>‹#›</a:t>
+            </a:fld>
+            <a:endParaRPr lang="en-US"/>
+          </a:p>
+        </p:txBody>
+      </p:sp>
+      <p:sp>
+        <p:nvSpPr>
+          <p:cNvPr id="24" name="TextBox 23"/>
+          <p:cNvSpPr txBox="1"/>
+          <p:nvPr/>
+        </p:nvSpPr>
+        <p:spPr>
+          <a:xfrm>
+            <a:off x="482711" y="790378"/>
+            <a:ext cx="457319" cy="584776"/>
+          </a:xfrm>
+          <a:prstGeom prst="rect">
+            <a:avLst/>
+          </a:prstGeom>
+        </p:spPr>
+        <p:txBody>
+          <a:bodyPr vert="horz" lIns="91440" tIns="45720" rIns="91440" bIns="45720" rtlCol="0" anchor="ctr">
+            <a:noAutofit/>
+          </a:bodyPr>
+          <a:lstStyle/>
+          <a:p>
+            <a:pPr lvl="0"/>
+            <a:r>
+              <a:rPr lang="en-US" sz="8000" baseline="0" dirty="0">
+                <a:ln w="3175" cmpd="sng">
+                  <a:noFill/>
+                </a:ln>
+                <a:solidFill>
+                  <a:schemeClr val="accent1"/>
+                </a:solidFill>
+                <a:effectLst/>
+                <a:latin typeface="Arial"/>
+              </a:rPr>
+              <a:t>“</a:t>
+            </a:r>
+          </a:p>
+        </p:txBody>
+      </p:sp>
+      <p:sp>
+        <p:nvSpPr>
+          <p:cNvPr id="25" name="TextBox 24"/>
+          <p:cNvSpPr txBox="1"/>
+          <p:nvPr/>
+        </p:nvSpPr>
+        <p:spPr>
+          <a:xfrm>
+            <a:off x="6747699" y="2886556"/>
+            <a:ext cx="457319" cy="584776"/>
+          </a:xfrm>
+          <a:prstGeom prst="rect">
+            <a:avLst/>
+          </a:prstGeom>
+        </p:spPr>
+        <p:txBody>
+          <a:bodyPr vert="horz" lIns="91440" tIns="45720" rIns="91440" bIns="45720" rtlCol="0" anchor="ctr">
+            <a:noAutofit/>
+          </a:bodyPr>
+          <a:lstStyle/>
+          <a:p>
+            <a:pPr lvl="0"/>
+            <a:r>
+              <a:rPr lang="en-US" sz="8000" baseline="0" dirty="0">
+                <a:ln w="3175" cmpd="sng">
+                  <a:noFill/>
+                </a:ln>
+                <a:solidFill>
+                  <a:schemeClr val="accent1"/>
+                </a:solidFill>
+                <a:effectLst/>
+                <a:latin typeface="Arial"/>
+              </a:rPr>
+              <a:t>”</a:t>
+            </a:r>
+          </a:p>
+        </p:txBody>
+      </p:sp>
+    </p:spTree>
+    <p:extLst>
+      <p:ext uri="{BB962C8B-B14F-4D97-AF65-F5344CB8AC3E}">
+        <p14:creationId xmlns:p14="http://schemas.microsoft.com/office/powerpoint/2010/main" val="1494449089"/>
+      </p:ext>
+    </p:extLst>
+  </p:cSld>
+  <p:clrMapOvr>
+    <a:masterClrMapping/>
+  </p:clrMapOvr>
+  <p:hf hdr="0" ftr="0" dt="0"/>
+</p:sldLayout>
+</file>
+
+<file path=ppt/slideLayouts/slideLayout12.xml><?xml version="1.0" encoding="utf-8"?>
+<p:sldLayout xmlns:a="http://schemas.openxmlformats.org/drawingml/2006/main" xmlns:r="http://schemas.openxmlformats.org/officeDocument/2006/relationships" xmlns:p="http://schemas.openxmlformats.org/presentationml/2006/main" preserve="1">
+  <p:cSld name="Name Card">
+    <p:spTree>
+      <p:nvGrpSpPr>
+        <p:cNvPr id="1" name=""/>
+        <p:cNvGrpSpPr/>
+        <p:nvPr/>
+      </p:nvGrpSpPr>
+      <p:grpSpPr>
+        <a:xfrm>
+          <a:off x="0" y="0"/>
+          <a:ext cx="0" cy="0"/>
+          <a:chOff x="0" y="0"/>
+          <a:chExt cx="0" cy="0"/>
+        </a:xfrm>
+      </p:grpSpPr>
+      <p:sp>
+        <p:nvSpPr>
+          <p:cNvPr id="2" name="Title 1"/>
+          <p:cNvSpPr>
+            <a:spLocks noGrp="1"/>
+          </p:cNvSpPr>
+          <p:nvPr>
+            <p:ph type="title"/>
+          </p:nvPr>
+        </p:nvSpPr>
+        <p:spPr>
+          <a:xfrm>
+            <a:off x="609598" y="1931988"/>
+            <a:ext cx="6347715" cy="2595460"/>
+          </a:xfrm>
+        </p:spPr>
+        <p:txBody>
+          <a:bodyPr anchor="b">
+            <a:normAutofit/>
+          </a:bodyPr>
+          <a:lstStyle>
+            <a:lvl1pPr algn="l">
+              <a:defRPr sz="4400" b="0" cap="none"/>
+            </a:lvl1pPr>
+          </a:lstStyle>
+          <a:p>
+            <a:r>
+              <a:rPr lang="en-US"/>
+              <a:t>Click to edit Master title style</a:t>
+            </a:r>
+            <a:endParaRPr lang="en-US" dirty="0"/>
+          </a:p>
+        </p:txBody>
+      </p:sp>
+      <p:sp>
+        <p:nvSpPr>
+          <p:cNvPr id="3" name="Text Placeholder 2"/>
+          <p:cNvSpPr>
+            <a:spLocks noGrp="1"/>
+          </p:cNvSpPr>
+          <p:nvPr>
+            <p:ph type="body" idx="1"/>
+          </p:nvPr>
+        </p:nvSpPr>
+        <p:spPr>
+          <a:xfrm>
+            <a:off x="609598" y="4527448"/>
+            <a:ext cx="6347715" cy="1513914"/>
+          </a:xfrm>
+        </p:spPr>
+        <p:txBody>
+          <a:bodyPr anchor="t">
+            <a:normAutofit/>
+          </a:bodyPr>
+          <a:lstStyle>
+            <a:lvl1pPr marL="0" indent="0" algn="l">
+              <a:buNone/>
+              <a:defRPr sz="1800">
+                <a:solidFill>
+                  <a:schemeClr val="tx1">
+                    <a:lumMod val="75000"/>
+                    <a:lumOff val="25000"/>
+                  </a:schemeClr>
+                </a:solidFill>
+              </a:defRPr>
+            </a:lvl1pPr>
+            <a:lvl2pPr marL="457200" indent="0">
+              <a:buNone/>
+              <a:defRPr sz="1800">
+                <a:solidFill>
+                  <a:schemeClr val="tx1">
+                    <a:tint val="75000"/>
+                  </a:schemeClr>
+                </a:solidFill>
+              </a:defRPr>
+            </a:lvl2pPr>
+            <a:lvl3pPr marL="914400" indent="0">
+              <a:buNone/>
+              <a:defRPr sz="1600">
+                <a:solidFill>
+                  <a:schemeClr val="tx1">
+                    <a:tint val="75000"/>
+                  </a:schemeClr>
+                </a:solidFill>
+              </a:defRPr>
+            </a:lvl3pPr>
+            <a:lvl4pPr marL="1371600" indent="0">
+              <a:buNone/>
+              <a:defRPr sz="1400">
+                <a:solidFill>
+                  <a:schemeClr val="tx1">
+                    <a:tint val="75000"/>
+                  </a:schemeClr>
+                </a:solidFill>
+              </a:defRPr>
+            </a:lvl4pPr>
+            <a:lvl5pPr marL="1828800" indent="0">
+              <a:buNone/>
+              <a:defRPr sz="1400">
+                <a:solidFill>
+                  <a:schemeClr val="tx1">
+                    <a:tint val="75000"/>
+                  </a:schemeClr>
+                </a:solidFill>
+              </a:defRPr>
+            </a:lvl5pPr>
+            <a:lvl6pPr marL="2286000" indent="0">
+              <a:buNone/>
+              <a:defRPr sz="1400">
+                <a:solidFill>
+                  <a:schemeClr val="tx1">
+                    <a:tint val="75000"/>
+                  </a:schemeClr>
+                </a:solidFill>
+              </a:defRPr>
+            </a:lvl6pPr>
+            <a:lvl7pPr marL="2743200" indent="0">
+              <a:buNone/>
+              <a:defRPr sz="1400">
+                <a:solidFill>
+                  <a:schemeClr val="tx1">
+                    <a:tint val="75000"/>
+                  </a:schemeClr>
+                </a:solidFill>
+              </a:defRPr>
+            </a:lvl7pPr>
+            <a:lvl8pPr marL="3200400" indent="0">
+              <a:buNone/>
+              <a:defRPr sz="1400">
+                <a:solidFill>
+                  <a:schemeClr val="tx1">
+                    <a:tint val="75000"/>
+                  </a:schemeClr>
+                </a:solidFill>
+              </a:defRPr>
+            </a:lvl8pPr>
+            <a:lvl9pPr marL="3657600" indent="0">
+              <a:buNone/>
+              <a:defRPr sz="1400">
+                <a:solidFill>
+                  <a:schemeClr val="tx1">
+                    <a:tint val="75000"/>
+                  </a:schemeClr>
+                </a:solidFill>
+              </a:defRPr>
+            </a:lvl9pPr>
+          </a:lstStyle>
+          <a:p>
+            <a:pPr lvl="0"/>
+            <a:r>
+              <a:rPr lang="en-US"/>
+              <a:t>Click to edit Master text styles</a:t>
+            </a:r>
+          </a:p>
+        </p:txBody>
+      </p:sp>
+      <p:sp>
+        <p:nvSpPr>
+          <p:cNvPr id="4" name="Date Placeholder 3"/>
+          <p:cNvSpPr>
+            <a:spLocks noGrp="1"/>
+          </p:cNvSpPr>
+          <p:nvPr>
+            <p:ph type="dt" sz="half" idx="10"/>
+          </p:nvPr>
+        </p:nvSpPr>
+        <p:spPr/>
+        <p:txBody>
+          <a:bodyPr/>
+          <a:lstStyle/>
+          <a:p>
+            <a:fld id="{B4F538D9-71E6-DF45-AEE6-3D5D1058FDA2}" type="datetime1">
+              <a:rPr lang="en-GB" smtClean="0"/>
+              <a:t>06/07/2022</a:t>
+            </a:fld>
+            <a:endParaRPr lang="en-US"/>
+          </a:p>
+        </p:txBody>
+      </p:sp>
+      <p:sp>
+        <p:nvSpPr>
+          <p:cNvPr id="5" name="Footer Placeholder 4"/>
+          <p:cNvSpPr>
+            <a:spLocks noGrp="1"/>
+          </p:cNvSpPr>
+          <p:nvPr>
+            <p:ph type="ftr" sz="quarter" idx="11"/>
+          </p:nvPr>
+        </p:nvSpPr>
+        <p:spPr/>
+        <p:txBody>
+          <a:bodyPr/>
+          <a:lstStyle/>
+          <a:p>
+            <a:endParaRPr lang="en-US"/>
+          </a:p>
+        </p:txBody>
+      </p:sp>
+      <p:sp>
+        <p:nvSpPr>
+          <p:cNvPr id="6" name="Slide Number Placeholder 5"/>
+          <p:cNvSpPr>
+            <a:spLocks noGrp="1"/>
+          </p:cNvSpPr>
+          <p:nvPr>
+            <p:ph type="sldNum" sz="quarter" idx="12"/>
+          </p:nvPr>
+        </p:nvSpPr>
+        <p:spPr/>
+        <p:txBody>
+          <a:bodyPr/>
+          <a:lstStyle/>
+          <a:p>
+            <a:fld id="{C1FF6DA9-008F-8B48-92A6-B652298478BF}" type="slidenum">
+              <a:rPr lang="en-US" smtClean="0"/>
+              <a:t>‹#›</a:t>
+            </a:fld>
+            <a:endParaRPr lang="en-US"/>
+          </a:p>
+        </p:txBody>
+      </p:sp>
+    </p:spTree>
+    <p:extLst>
+      <p:ext uri="{BB962C8B-B14F-4D97-AF65-F5344CB8AC3E}">
+        <p14:creationId xmlns:p14="http://schemas.microsoft.com/office/powerpoint/2010/main" val="3785016632"/>
+      </p:ext>
+    </p:extLst>
+  </p:cSld>
+  <p:clrMapOvr>
+    <a:masterClrMapping/>
+  </p:clrMapOvr>
+  <p:hf hdr="0" ftr="0" dt="0"/>
+</p:sldLayout>
+</file>
+
+<file path=ppt/slideLayouts/slideLayout13.xml><?xml version="1.0" encoding="utf-8"?>
+<p:sldLayout xmlns:a="http://schemas.openxmlformats.org/drawingml/2006/main" xmlns:r="http://schemas.openxmlformats.org/officeDocument/2006/relationships" xmlns:p="http://schemas.openxmlformats.org/presentationml/2006/main" preserve="1">
+  <p:cSld name="Quote Name Card">
+    <p:spTree>
+      <p:nvGrpSpPr>
+        <p:cNvPr id="1" name=""/>
+        <p:cNvGrpSpPr/>
+        <p:nvPr/>
+      </p:nvGrpSpPr>
+      <p:grpSpPr>
+        <a:xfrm>
+          <a:off x="0" y="0"/>
+          <a:ext cx="0" cy="0"/>
+          <a:chOff x="0" y="0"/>
+          <a:chExt cx="0" cy="0"/>
+        </a:xfrm>
+      </p:grpSpPr>
+      <p:sp>
+        <p:nvSpPr>
+          <p:cNvPr id="2" name="Title 1"/>
+          <p:cNvSpPr>
+            <a:spLocks noGrp="1"/>
+          </p:cNvSpPr>
+          <p:nvPr>
+            <p:ph type="title"/>
+          </p:nvPr>
+        </p:nvSpPr>
+        <p:spPr>
+          <a:xfrm>
+            <a:off x="774885" y="609600"/>
+            <a:ext cx="6072182" cy="3022600"/>
+          </a:xfrm>
+        </p:spPr>
+        <p:txBody>
+          <a:bodyPr anchor="ctr">
+            <a:normAutofit/>
+          </a:bodyPr>
+          <a:lstStyle>
+            <a:lvl1pPr algn="l">
+              <a:defRPr sz="4400" b="0" cap="none"/>
+            </a:lvl1pPr>
+          </a:lstStyle>
+          <a:p>
+            <a:r>
+              <a:rPr lang="en-US"/>
+              <a:t>Click to edit Master title style</a:t>
+            </a:r>
+            <a:endParaRPr lang="en-US" dirty="0"/>
+          </a:p>
+        </p:txBody>
+      </p:sp>
+      <p:sp>
+        <p:nvSpPr>
+          <p:cNvPr id="23" name="Text Placeholder 9"/>
+          <p:cNvSpPr>
+            <a:spLocks noGrp="1"/>
+          </p:cNvSpPr>
+          <p:nvPr>
+            <p:ph type="body" sz="quarter" idx="13"/>
+          </p:nvPr>
+        </p:nvSpPr>
+        <p:spPr>
+          <a:xfrm>
+            <a:off x="609597" y="4013200"/>
+            <a:ext cx="6347716" cy="514248"/>
+          </a:xfrm>
+        </p:spPr>
+        <p:txBody>
+          <a:bodyPr anchor="b">
+            <a:noAutofit/>
+          </a:bodyPr>
+          <a:lstStyle>
+            <a:lvl1pPr marL="0" indent="0">
+              <a:buFontTx/>
+              <a:buNone/>
+              <a:defRPr sz="2400">
+                <a:solidFill>
+                  <a:schemeClr val="tx1">
+                    <a:lumMod val="75000"/>
+                    <a:lumOff val="25000"/>
+                  </a:schemeClr>
+                </a:solidFill>
+              </a:defRPr>
+            </a:lvl1pPr>
+            <a:lvl2pPr marL="457200" indent="0">
+              <a:buFontTx/>
+              <a:buNone/>
+              <a:defRPr/>
+            </a:lvl2pPr>
+            <a:lvl3pPr marL="914400" indent="0">
+              <a:buFontTx/>
+              <a:buNone/>
+              <a:defRPr/>
+            </a:lvl3pPr>
+            <a:lvl4pPr marL="1371600" indent="0">
+              <a:buFontTx/>
+              <a:buNone/>
+              <a:defRPr/>
+            </a:lvl4pPr>
+            <a:lvl5pPr marL="1828800" indent="0">
+              <a:buFontTx/>
+              <a:buNone/>
+              <a:defRPr/>
+            </a:lvl5pPr>
+          </a:lstStyle>
+          <a:p>
+            <a:pPr lvl="0"/>
+            <a:r>
+              <a:rPr lang="en-US"/>
+              <a:t>Click to edit Master text styles</a:t>
+            </a:r>
+          </a:p>
+        </p:txBody>
+      </p:sp>
+      <p:sp>
+        <p:nvSpPr>
+          <p:cNvPr id="3" name="Text Placeholder 2"/>
+          <p:cNvSpPr>
+            <a:spLocks noGrp="1"/>
+          </p:cNvSpPr>
+          <p:nvPr>
+            <p:ph type="body" idx="1"/>
+          </p:nvPr>
+        </p:nvSpPr>
+        <p:spPr>
+          <a:xfrm>
+            <a:off x="609598" y="4527448"/>
+            <a:ext cx="6347715" cy="1513914"/>
+          </a:xfrm>
+        </p:spPr>
+        <p:txBody>
+          <a:bodyPr anchor="t">
+            <a:normAutofit/>
+          </a:bodyPr>
+          <a:lstStyle>
+            <a:lvl1pPr marL="0" indent="0" algn="l">
+              <a:buNone/>
+              <a:defRPr sz="1800">
+                <a:solidFill>
+                  <a:schemeClr val="tx1">
+                    <a:lumMod val="50000"/>
+                    <a:lumOff val="50000"/>
+                  </a:schemeClr>
+                </a:solidFill>
+              </a:defRPr>
+            </a:lvl1pPr>
+            <a:lvl2pPr marL="457200" indent="0">
+              <a:buNone/>
+              <a:defRPr sz="1800">
+                <a:solidFill>
+                  <a:schemeClr val="tx1">
+                    <a:tint val="75000"/>
+                  </a:schemeClr>
+                </a:solidFill>
+              </a:defRPr>
+            </a:lvl2pPr>
+            <a:lvl3pPr marL="914400" indent="0">
+              <a:buNone/>
+              <a:defRPr sz="1600">
+                <a:solidFill>
+                  <a:schemeClr val="tx1">
+                    <a:tint val="75000"/>
+                  </a:schemeClr>
+                </a:solidFill>
+              </a:defRPr>
+            </a:lvl3pPr>
+            <a:lvl4pPr marL="1371600" indent="0">
+              <a:buNone/>
+              <a:defRPr sz="1400">
+                <a:solidFill>
+                  <a:schemeClr val="tx1">
+                    <a:tint val="75000"/>
+                  </a:schemeClr>
+                </a:solidFill>
+              </a:defRPr>
+            </a:lvl4pPr>
+            <a:lvl5pPr marL="1828800" indent="0">
+              <a:buNone/>
+              <a:defRPr sz="1400">
+                <a:solidFill>
+                  <a:schemeClr val="tx1">
+                    <a:tint val="75000"/>
+                  </a:schemeClr>
+                </a:solidFill>
+              </a:defRPr>
+            </a:lvl5pPr>
+            <a:lvl6pPr marL="2286000" indent="0">
+              <a:buNone/>
+              <a:defRPr sz="1400">
+                <a:solidFill>
+                  <a:schemeClr val="tx1">
+                    <a:tint val="75000"/>
+                  </a:schemeClr>
+                </a:solidFill>
+              </a:defRPr>
+            </a:lvl6pPr>
+            <a:lvl7pPr marL="2743200" indent="0">
+              <a:buNone/>
+              <a:defRPr sz="1400">
+                <a:solidFill>
+                  <a:schemeClr val="tx1">
+                    <a:tint val="75000"/>
+                  </a:schemeClr>
+                </a:solidFill>
+              </a:defRPr>
+            </a:lvl7pPr>
+            <a:lvl8pPr marL="3200400" indent="0">
+              <a:buNone/>
+              <a:defRPr sz="1400">
+                <a:solidFill>
+                  <a:schemeClr val="tx1">
+                    <a:tint val="75000"/>
+                  </a:schemeClr>
+                </a:solidFill>
+              </a:defRPr>
+            </a:lvl8pPr>
+            <a:lvl9pPr marL="3657600" indent="0">
+              <a:buNone/>
+              <a:defRPr sz="1400">
+                <a:solidFill>
+                  <a:schemeClr val="tx1">
+                    <a:tint val="75000"/>
+                  </a:schemeClr>
+                </a:solidFill>
+              </a:defRPr>
+            </a:lvl9pPr>
+          </a:lstStyle>
+          <a:p>
+            <a:pPr lvl="0"/>
+            <a:r>
+              <a:rPr lang="en-US"/>
+              <a:t>Click to edit Master text styles</a:t>
+            </a:r>
+          </a:p>
+        </p:txBody>
+      </p:sp>
+      <p:sp>
+        <p:nvSpPr>
+          <p:cNvPr id="4" name="Date Placeholder 3"/>
+          <p:cNvSpPr>
+            <a:spLocks noGrp="1"/>
+          </p:cNvSpPr>
+          <p:nvPr>
+            <p:ph type="dt" sz="half" idx="10"/>
+          </p:nvPr>
+        </p:nvSpPr>
+        <p:spPr/>
+        <p:txBody>
+          <a:bodyPr/>
+          <a:lstStyle/>
+          <a:p>
+            <a:fld id="{B4F538D9-71E6-DF45-AEE6-3D5D1058FDA2}" type="datetime1">
+              <a:rPr lang="en-GB" smtClean="0"/>
+              <a:t>06/07/2022</a:t>
+            </a:fld>
+            <a:endParaRPr lang="en-US"/>
+          </a:p>
+        </p:txBody>
+      </p:sp>
+      <p:sp>
+        <p:nvSpPr>
+          <p:cNvPr id="5" name="Footer Placeholder 4"/>
+          <p:cNvSpPr>
+            <a:spLocks noGrp="1"/>
+          </p:cNvSpPr>
+          <p:nvPr>
+            <p:ph type="ftr" sz="quarter" idx="11"/>
+          </p:nvPr>
+        </p:nvSpPr>
+        <p:spPr/>
+        <p:txBody>
+          <a:bodyPr/>
+          <a:lstStyle/>
+          <a:p>
+            <a:endParaRPr lang="en-US"/>
+          </a:p>
+        </p:txBody>
+      </p:sp>
+      <p:sp>
+        <p:nvSpPr>
+          <p:cNvPr id="6" name="Slide Number Placeholder 5"/>
+          <p:cNvSpPr>
+            <a:spLocks noGrp="1"/>
+          </p:cNvSpPr>
+          <p:nvPr>
+            <p:ph type="sldNum" sz="quarter" idx="12"/>
+          </p:nvPr>
+        </p:nvSpPr>
+        <p:spPr/>
+        <p:txBody>
+          <a:bodyPr/>
+          <a:lstStyle/>
+          <a:p>
+            <a:fld id="{C1FF6DA9-008F-8B48-92A6-B652298478BF}" type="slidenum">
+              <a:rPr lang="en-US" smtClean="0"/>
+              <a:t>‹#›</a:t>
+            </a:fld>
+            <a:endParaRPr lang="en-US"/>
+          </a:p>
+        </p:txBody>
+      </p:sp>
+      <p:sp>
+        <p:nvSpPr>
+          <p:cNvPr id="24" name="TextBox 23"/>
+          <p:cNvSpPr txBox="1"/>
+          <p:nvPr/>
+        </p:nvSpPr>
+        <p:spPr>
+          <a:xfrm>
+            <a:off x="482711" y="790378"/>
+            <a:ext cx="457319" cy="584776"/>
+          </a:xfrm>
+          <a:prstGeom prst="rect">
+            <a:avLst/>
+          </a:prstGeom>
+        </p:spPr>
+        <p:txBody>
+          <a:bodyPr vert="horz" lIns="91440" tIns="45720" rIns="91440" bIns="45720" rtlCol="0" anchor="ctr">
+            <a:noAutofit/>
+          </a:bodyPr>
+          <a:lstStyle/>
+          <a:p>
+            <a:pPr lvl="0"/>
+            <a:r>
+              <a:rPr lang="en-US" sz="8000" baseline="0" dirty="0">
+                <a:ln w="3175" cmpd="sng">
+                  <a:noFill/>
+                </a:ln>
+                <a:solidFill>
+                  <a:schemeClr val="accent1"/>
+                </a:solidFill>
+                <a:effectLst/>
+                <a:latin typeface="Arial"/>
+              </a:rPr>
+              <a:t>“</a:t>
+            </a:r>
+          </a:p>
+        </p:txBody>
+      </p:sp>
+      <p:sp>
+        <p:nvSpPr>
+          <p:cNvPr id="25" name="TextBox 24"/>
+          <p:cNvSpPr txBox="1"/>
+          <p:nvPr/>
+        </p:nvSpPr>
+        <p:spPr>
+          <a:xfrm>
+            <a:off x="6747699" y="2886556"/>
+            <a:ext cx="457319" cy="584776"/>
+          </a:xfrm>
+          <a:prstGeom prst="rect">
+            <a:avLst/>
+          </a:prstGeom>
+        </p:spPr>
+        <p:txBody>
+          <a:bodyPr vert="horz" lIns="91440" tIns="45720" rIns="91440" bIns="45720" rtlCol="0" anchor="ctr">
+            <a:noAutofit/>
+          </a:bodyPr>
+          <a:lstStyle/>
+          <a:p>
+            <a:pPr lvl="0"/>
+            <a:r>
+              <a:rPr lang="en-US" sz="8000" baseline="0" dirty="0">
+                <a:ln w="3175" cmpd="sng">
+                  <a:noFill/>
+                </a:ln>
+                <a:solidFill>
+                  <a:schemeClr val="accent1"/>
+                </a:solidFill>
+                <a:effectLst/>
+                <a:latin typeface="Arial"/>
+              </a:rPr>
+              <a:t>”</a:t>
+            </a:r>
+          </a:p>
+        </p:txBody>
+      </p:sp>
+    </p:spTree>
+    <p:extLst>
+      <p:ext uri="{BB962C8B-B14F-4D97-AF65-F5344CB8AC3E}">
+        <p14:creationId xmlns:p14="http://schemas.microsoft.com/office/powerpoint/2010/main" val="3288739739"/>
+      </p:ext>
+    </p:extLst>
+  </p:cSld>
+  <p:clrMapOvr>
+    <a:masterClrMapping/>
+  </p:clrMapOvr>
+  <p:hf hdr="0" ftr="0" dt="0"/>
+</p:sldLayout>
+</file>
+
+<file path=ppt/slideLayouts/slideLayout14.xml><?xml version="1.0" encoding="utf-8"?>
+<p:sldLayout xmlns:a="http://schemas.openxmlformats.org/drawingml/2006/main" xmlns:r="http://schemas.openxmlformats.org/officeDocument/2006/relationships" xmlns:p="http://schemas.openxmlformats.org/presentationml/2006/main" preserve="1">
+  <p:cSld name="True or False">
+    <p:spTree>
+      <p:nvGrpSpPr>
+        <p:cNvPr id="1" name=""/>
+        <p:cNvGrpSpPr/>
+        <p:nvPr/>
+      </p:nvGrpSpPr>
+      <p:grpSpPr>
+        <a:xfrm>
+          <a:off x="0" y="0"/>
+          <a:ext cx="0" cy="0"/>
+          <a:chOff x="0" y="0"/>
+          <a:chExt cx="0" cy="0"/>
+        </a:xfrm>
+      </p:grpSpPr>
+      <p:sp>
+        <p:nvSpPr>
+          <p:cNvPr id="2" name="Title 1"/>
+          <p:cNvSpPr>
+            <a:spLocks noGrp="1"/>
+          </p:cNvSpPr>
+          <p:nvPr>
+            <p:ph type="title"/>
+          </p:nvPr>
+        </p:nvSpPr>
+        <p:spPr>
+          <a:xfrm>
+            <a:off x="615848" y="609600"/>
+            <a:ext cx="6341465" cy="3022600"/>
+          </a:xfrm>
+        </p:spPr>
+        <p:txBody>
+          <a:bodyPr anchor="ctr">
+            <a:normAutofit/>
+          </a:bodyPr>
+          <a:lstStyle>
+            <a:lvl1pPr algn="l">
+              <a:defRPr sz="4400" b="0" cap="none"/>
+            </a:lvl1pPr>
+          </a:lstStyle>
+          <a:p>
+            <a:r>
+              <a:rPr lang="en-US"/>
+              <a:t>Click to edit Master title style</a:t>
+            </a:r>
+            <a:endParaRPr lang="en-US" dirty="0"/>
+          </a:p>
+        </p:txBody>
+      </p:sp>
+      <p:sp>
+        <p:nvSpPr>
+          <p:cNvPr id="23" name="Text Placeholder 9"/>
+          <p:cNvSpPr>
+            <a:spLocks noGrp="1"/>
+          </p:cNvSpPr>
+          <p:nvPr>
+            <p:ph type="body" sz="quarter" idx="13"/>
+          </p:nvPr>
+        </p:nvSpPr>
+        <p:spPr>
+          <a:xfrm>
+            <a:off x="609597" y="4013200"/>
+            <a:ext cx="6347716" cy="514248"/>
+          </a:xfrm>
+        </p:spPr>
+        <p:txBody>
+          <a:bodyPr anchor="b">
+            <a:noAutofit/>
+          </a:bodyPr>
+          <a:lstStyle>
+            <a:lvl1pPr marL="0" indent="0">
+              <a:buFontTx/>
+              <a:buNone/>
+              <a:defRPr sz="2400">
+                <a:solidFill>
+                  <a:schemeClr val="accent1"/>
+                </a:solidFill>
+              </a:defRPr>
+            </a:lvl1pPr>
+            <a:lvl2pPr marL="457200" indent="0">
+              <a:buFontTx/>
+              <a:buNone/>
+              <a:defRPr/>
+            </a:lvl2pPr>
+            <a:lvl3pPr marL="914400" indent="0">
+              <a:buFontTx/>
+              <a:buNone/>
+              <a:defRPr/>
+            </a:lvl3pPr>
+            <a:lvl4pPr marL="1371600" indent="0">
+              <a:buFontTx/>
+              <a:buNone/>
+              <a:defRPr/>
+            </a:lvl4pPr>
+            <a:lvl5pPr marL="1828800" indent="0">
+              <a:buFontTx/>
+              <a:buNone/>
+              <a:defRPr/>
+            </a:lvl5pPr>
+          </a:lstStyle>
+          <a:p>
+            <a:pPr lvl="0"/>
+            <a:r>
+              <a:rPr lang="en-US"/>
+              <a:t>Click to edit Master text styles</a:t>
+            </a:r>
+          </a:p>
+        </p:txBody>
+      </p:sp>
+      <p:sp>
+        <p:nvSpPr>
+          <p:cNvPr id="3" name="Text Placeholder 2"/>
+          <p:cNvSpPr>
+            <a:spLocks noGrp="1"/>
+          </p:cNvSpPr>
+          <p:nvPr>
+            <p:ph type="body" idx="1"/>
+          </p:nvPr>
+        </p:nvSpPr>
+        <p:spPr>
+          <a:xfrm>
+            <a:off x="609598" y="4527448"/>
+            <a:ext cx="6347715" cy="1513914"/>
+          </a:xfrm>
+        </p:spPr>
+        <p:txBody>
+          <a:bodyPr anchor="t">
+            <a:normAutofit/>
+          </a:bodyPr>
+          <a:lstStyle>
+            <a:lvl1pPr marL="0" indent="0" algn="l">
+              <a:buNone/>
+              <a:defRPr sz="1800">
+                <a:solidFill>
+                  <a:schemeClr val="tx1">
+                    <a:lumMod val="50000"/>
+                    <a:lumOff val="50000"/>
+                  </a:schemeClr>
+                </a:solidFill>
+              </a:defRPr>
+            </a:lvl1pPr>
+            <a:lvl2pPr marL="457200" indent="0">
+              <a:buNone/>
+              <a:defRPr sz="1800">
+                <a:solidFill>
+                  <a:schemeClr val="tx1">
+                    <a:tint val="75000"/>
+                  </a:schemeClr>
+                </a:solidFill>
+              </a:defRPr>
+            </a:lvl2pPr>
+            <a:lvl3pPr marL="914400" indent="0">
+              <a:buNone/>
+              <a:defRPr sz="1600">
+                <a:solidFill>
+                  <a:schemeClr val="tx1">
+                    <a:tint val="75000"/>
+                  </a:schemeClr>
+                </a:solidFill>
+              </a:defRPr>
+            </a:lvl3pPr>
+            <a:lvl4pPr marL="1371600" indent="0">
+              <a:buNone/>
+              <a:defRPr sz="1400">
+                <a:solidFill>
+                  <a:schemeClr val="tx1">
+                    <a:tint val="75000"/>
+                  </a:schemeClr>
+                </a:solidFill>
+              </a:defRPr>
+            </a:lvl4pPr>
+            <a:lvl5pPr marL="1828800" indent="0">
+              <a:buNone/>
+              <a:defRPr sz="1400">
+                <a:solidFill>
+                  <a:schemeClr val="tx1">
+                    <a:tint val="75000"/>
+                  </a:schemeClr>
+                </a:solidFill>
+              </a:defRPr>
+            </a:lvl5pPr>
+            <a:lvl6pPr marL="2286000" indent="0">
+              <a:buNone/>
+              <a:defRPr sz="1400">
+                <a:solidFill>
+                  <a:schemeClr val="tx1">
+                    <a:tint val="75000"/>
+                  </a:schemeClr>
+                </a:solidFill>
+              </a:defRPr>
+            </a:lvl6pPr>
+            <a:lvl7pPr marL="2743200" indent="0">
+              <a:buNone/>
+              <a:defRPr sz="1400">
+                <a:solidFill>
+                  <a:schemeClr val="tx1">
+                    <a:tint val="75000"/>
+                  </a:schemeClr>
+                </a:solidFill>
+              </a:defRPr>
+            </a:lvl7pPr>
+            <a:lvl8pPr marL="3200400" indent="0">
+              <a:buNone/>
+              <a:defRPr sz="1400">
+                <a:solidFill>
+                  <a:schemeClr val="tx1">
+                    <a:tint val="75000"/>
+                  </a:schemeClr>
+                </a:solidFill>
+              </a:defRPr>
+            </a:lvl8pPr>
+            <a:lvl9pPr marL="3657600" indent="0">
+              <a:buNone/>
+              <a:defRPr sz="1400">
+                <a:solidFill>
+                  <a:schemeClr val="tx1">
+                    <a:tint val="75000"/>
+                  </a:schemeClr>
+                </a:solidFill>
+              </a:defRPr>
+            </a:lvl9pPr>
+          </a:lstStyle>
+          <a:p>
+            <a:pPr lvl="0"/>
+            <a:r>
+              <a:rPr lang="en-US"/>
+              <a:t>Click to edit Master text styles</a:t>
+            </a:r>
+          </a:p>
+        </p:txBody>
+      </p:sp>
+      <p:sp>
+        <p:nvSpPr>
+          <p:cNvPr id="4" name="Date Placeholder 3"/>
+          <p:cNvSpPr>
+            <a:spLocks noGrp="1"/>
+          </p:cNvSpPr>
+          <p:nvPr>
+            <p:ph type="dt" sz="half" idx="10"/>
+          </p:nvPr>
+        </p:nvSpPr>
+        <p:spPr/>
+        <p:txBody>
+          <a:bodyPr/>
+          <a:lstStyle/>
+          <a:p>
+            <a:fld id="{B4F538D9-71E6-DF45-AEE6-3D5D1058FDA2}" type="datetime1">
+              <a:rPr lang="en-GB" smtClean="0"/>
+              <a:t>06/07/2022</a:t>
+            </a:fld>
+            <a:endParaRPr lang="en-US"/>
+          </a:p>
+        </p:txBody>
+      </p:sp>
+      <p:sp>
+        <p:nvSpPr>
+          <p:cNvPr id="5" name="Footer Placeholder 4"/>
+          <p:cNvSpPr>
+            <a:spLocks noGrp="1"/>
+          </p:cNvSpPr>
+          <p:nvPr>
+            <p:ph type="ftr" sz="quarter" idx="11"/>
+          </p:nvPr>
+        </p:nvSpPr>
+        <p:spPr/>
+        <p:txBody>
+          <a:bodyPr/>
+          <a:lstStyle/>
+          <a:p>
+            <a:endParaRPr lang="en-US"/>
+          </a:p>
+        </p:txBody>
+      </p:sp>
+      <p:sp>
+        <p:nvSpPr>
+          <p:cNvPr id="6" name="Slide Number Placeholder 5"/>
+          <p:cNvSpPr>
+            <a:spLocks noGrp="1"/>
+          </p:cNvSpPr>
+          <p:nvPr>
+            <p:ph type="sldNum" sz="quarter" idx="12"/>
+          </p:nvPr>
+        </p:nvSpPr>
+        <p:spPr/>
+        <p:txBody>
+          <a:bodyPr/>
+          <a:lstStyle/>
+          <a:p>
+            <a:fld id="{C1FF6DA9-008F-8B48-92A6-B652298478BF}" type="slidenum">
+              <a:rPr lang="en-US" smtClean="0"/>
+              <a:t>‹#›</a:t>
+            </a:fld>
+            <a:endParaRPr lang="en-US"/>
+          </a:p>
+        </p:txBody>
+      </p:sp>
+    </p:spTree>
+    <p:extLst>
+      <p:ext uri="{BB962C8B-B14F-4D97-AF65-F5344CB8AC3E}">
+        <p14:creationId xmlns:p14="http://schemas.microsoft.com/office/powerpoint/2010/main" val="1608050925"/>
+      </p:ext>
+    </p:extLst>
+  </p:cSld>
+  <p:clrMapOvr>
+    <a:masterClrMapping/>
+  </p:clrMapOvr>
+  <p:hf hdr="0" ftr="0" dt="0"/>
+</p:sldLayout>
+</file>
+
+<file path=ppt/slideLayouts/slideLayout15.xml><?xml version="1.0" encoding="utf-8"?>
 <p:sldLayout xmlns:a="http://schemas.openxmlformats.org/drawingml/2006/main" xmlns:r="http://schemas.openxmlformats.org/officeDocument/2006/relationships" xmlns:p="http://schemas.openxmlformats.org/presentationml/2006/main" type="vertTx" preserve="1">
   <p:cSld name="Title and Vertical Text">
     <p:spTree>
@@ -785,7 +3040,7 @@
           <a:p>
             <a:fld id="{305404EF-A919-EC45-85DB-57CE605E88BB}" type="datetime1">
               <a:rPr lang="en-GB" smtClean="0"/>
-              <a:t>05/04/2020</a:t>
+              <a:t>06/07/2022</a:t>
             </a:fld>
             <a:endParaRPr lang="en-US"/>
           </a:p>
@@ -801,15 +3056,7 @@
             <p:ph type="ftr" sz="quarter" idx="11"/>
           </p:nvPr>
         </p:nvSpPr>
-        <p:spPr>
-          <a:xfrm>
-            <a:off x="4038600" y="6356350"/>
-            <a:ext cx="4114800" cy="365125"/>
-          </a:xfrm>
-          <a:prstGeom prst="rect">
-            <a:avLst/>
-          </a:prstGeom>
-        </p:spPr>
+        <p:spPr/>
         <p:txBody>
           <a:bodyPr/>
           <a:lstStyle/>
@@ -842,6 +3089,11 @@
         </p:txBody>
       </p:sp>
     </p:spTree>
+    <p:extLst>
+      <p:ext uri="{BB962C8B-B14F-4D97-AF65-F5344CB8AC3E}">
+        <p14:creationId xmlns:p14="http://schemas.microsoft.com/office/powerpoint/2010/main" val="3237663919"/>
+      </p:ext>
+    </p:extLst>
   </p:cSld>
   <p:clrMapOvr>
     <a:masterClrMapping/>
@@ -849,7 +3101,7 @@
 </p:sldLayout>
 </file>
 
-<file path=ppt/slideLayouts/slideLayout11.xml><?xml version="1.0" encoding="utf-8"?>
+<file path=ppt/slideLayouts/slideLayout16.xml><?xml version="1.0" encoding="utf-8"?>
 <p:sldLayout xmlns:a="http://schemas.openxmlformats.org/drawingml/2006/main" xmlns:r="http://schemas.openxmlformats.org/officeDocument/2006/relationships" xmlns:p="http://schemas.openxmlformats.org/presentationml/2006/main" type="vertTitleAndTx" preserve="1">
   <p:cSld name="Vertical Title and Text">
     <p:spTree>
@@ -878,42 +3130,42 @@
         </p:nvSpPr>
         <p:spPr>
           <a:xfrm>
-            <a:off x="8724900" y="365125"/>
-            <a:ext cx="2628900" cy="5811838"/>
+            <a:off x="5977312" y="609600"/>
+            <a:ext cx="978812" cy="5251451"/>
           </a:xfrm>
         </p:spPr>
         <p:txBody>
+          <a:bodyPr vert="eaVert" anchor="ctr"/>
+          <a:lstStyle/>
+          <a:p>
+            <a:r>
+              <a:rPr lang="en-US"/>
+              <a:t>Click to edit Master title style</a:t>
+            </a:r>
+            <a:endParaRPr lang="en-US" dirty="0"/>
+          </a:p>
+        </p:txBody>
+      </p:sp>
+      <p:sp>
+        <p:nvSpPr>
+          <p:cNvPr id="3" name="Vertical Text Placeholder 2"/>
+          <p:cNvSpPr>
+            <a:spLocks noGrp="1"/>
+          </p:cNvSpPr>
+          <p:nvPr>
+            <p:ph type="body" orient="vert" idx="1"/>
+          </p:nvPr>
+        </p:nvSpPr>
+        <p:spPr>
+          <a:xfrm>
+            <a:off x="609599" y="609600"/>
+            <a:ext cx="5195026" cy="5251451"/>
+          </a:xfrm>
+        </p:spPr>
+        <p:txBody>
           <a:bodyPr vert="eaVert"/>
           <a:lstStyle/>
           <a:p>
-            <a:r>
-              <a:rPr lang="en-US"/>
-              <a:t>Click to edit Master title style</a:t>
-            </a:r>
-            <a:endParaRPr lang="en-US" dirty="0"/>
-          </a:p>
-        </p:txBody>
-      </p:sp>
-      <p:sp>
-        <p:nvSpPr>
-          <p:cNvPr id="3" name="Vertical Text Placeholder 2"/>
-          <p:cNvSpPr>
-            <a:spLocks noGrp="1"/>
-          </p:cNvSpPr>
-          <p:nvPr>
-            <p:ph type="body" orient="vert" idx="1"/>
-          </p:nvPr>
-        </p:nvSpPr>
-        <p:spPr>
-          <a:xfrm>
-            <a:off x="838200" y="365125"/>
-            <a:ext cx="7734300" cy="5811838"/>
-          </a:xfrm>
-        </p:spPr>
-        <p:txBody>
-          <a:bodyPr vert="eaVert"/>
-          <a:lstStyle/>
-          <a:p>
             <a:pPr lvl="0"/>
             <a:r>
               <a:rPr lang="en-US"/>
@@ -968,7 +3220,7 @@
           <a:p>
             <a:fld id="{69EC58A9-E6BC-7F41-94AC-B8DAC026E873}" type="datetime1">
               <a:rPr lang="en-GB" smtClean="0"/>
-              <a:t>05/04/2020</a:t>
+              <a:t>06/07/2022</a:t>
             </a:fld>
             <a:endParaRPr lang="en-US"/>
           </a:p>
@@ -984,15 +3236,7 @@
             <p:ph type="ftr" sz="quarter" idx="11"/>
           </p:nvPr>
         </p:nvSpPr>
-        <p:spPr>
-          <a:xfrm>
-            <a:off x="4038600" y="6356350"/>
-            <a:ext cx="4114800" cy="365125"/>
-          </a:xfrm>
-          <a:prstGeom prst="rect">
-            <a:avLst/>
-          </a:prstGeom>
-        </p:spPr>
+        <p:spPr/>
         <p:txBody>
           <a:bodyPr/>
           <a:lstStyle/>
@@ -1025,6 +3269,11 @@
         </p:txBody>
       </p:sp>
     </p:spTree>
+    <p:extLst>
+      <p:ext uri="{BB962C8B-B14F-4D97-AF65-F5344CB8AC3E}">
+        <p14:creationId xmlns:p14="http://schemas.microsoft.com/office/powerpoint/2010/main" val="4134982305"/>
+      </p:ext>
+    </p:extLst>
   </p:cSld>
   <p:clrMapOvr>
     <a:masterClrMapping/>
@@ -1033,6 +3282,182 @@
 </file>
 
 <file path=ppt/slideLayouts/slideLayout2.xml><?xml version="1.0" encoding="utf-8"?>
+<p:sldLayout xmlns:a="http://schemas.openxmlformats.org/drawingml/2006/main" xmlns:r="http://schemas.openxmlformats.org/officeDocument/2006/relationships" xmlns:p="http://schemas.openxmlformats.org/presentationml/2006/main" type="obj" preserve="1">
+  <p:cSld name="Title and Content">
+    <p:spTree>
+      <p:nvGrpSpPr>
+        <p:cNvPr id="1" name=""/>
+        <p:cNvGrpSpPr/>
+        <p:nvPr/>
+      </p:nvGrpSpPr>
+      <p:grpSpPr>
+        <a:xfrm>
+          <a:off x="0" y="0"/>
+          <a:ext cx="0" cy="0"/>
+          <a:chOff x="0" y="0"/>
+          <a:chExt cx="0" cy="0"/>
+        </a:xfrm>
+      </p:grpSpPr>
+      <p:sp>
+        <p:nvSpPr>
+          <p:cNvPr id="2" name="Title 1"/>
+          <p:cNvSpPr>
+            <a:spLocks noGrp="1"/>
+          </p:cNvSpPr>
+          <p:nvPr>
+            <p:ph type="title"/>
+          </p:nvPr>
+        </p:nvSpPr>
+        <p:spPr/>
+        <p:txBody>
+          <a:bodyPr>
+            <a:normAutofit/>
+          </a:bodyPr>
+          <a:lstStyle>
+            <a:lvl1pPr>
+              <a:defRPr sz="3600"/>
+            </a:lvl1pPr>
+          </a:lstStyle>
+          <a:p>
+            <a:r>
+              <a:rPr lang="en-US"/>
+              <a:t>Click to edit Master title style</a:t>
+            </a:r>
+            <a:endParaRPr lang="en-US" dirty="0"/>
+          </a:p>
+        </p:txBody>
+      </p:sp>
+      <p:sp>
+        <p:nvSpPr>
+          <p:cNvPr id="3" name="Content Placeholder 2"/>
+          <p:cNvSpPr>
+            <a:spLocks noGrp="1"/>
+          </p:cNvSpPr>
+          <p:nvPr>
+            <p:ph idx="1"/>
+          </p:nvPr>
+        </p:nvSpPr>
+        <p:spPr/>
+        <p:txBody>
+          <a:bodyPr/>
+          <a:lstStyle/>
+          <a:p>
+            <a:pPr lvl="0"/>
+            <a:r>
+              <a:rPr lang="en-US"/>
+              <a:t>Click to edit Master text styles</a:t>
+            </a:r>
+          </a:p>
+          <a:p>
+            <a:pPr lvl="1"/>
+            <a:r>
+              <a:rPr lang="en-US"/>
+              <a:t>Second level</a:t>
+            </a:r>
+          </a:p>
+          <a:p>
+            <a:pPr lvl="2"/>
+            <a:r>
+              <a:rPr lang="en-US"/>
+              <a:t>Third level</a:t>
+            </a:r>
+          </a:p>
+          <a:p>
+            <a:pPr lvl="3"/>
+            <a:r>
+              <a:rPr lang="en-US"/>
+              <a:t>Fourth level</a:t>
+            </a:r>
+          </a:p>
+          <a:p>
+            <a:pPr lvl="4"/>
+            <a:r>
+              <a:rPr lang="en-US"/>
+              <a:t>Fifth level</a:t>
+            </a:r>
+            <a:endParaRPr lang="en-US" dirty="0"/>
+          </a:p>
+        </p:txBody>
+      </p:sp>
+      <p:sp>
+        <p:nvSpPr>
+          <p:cNvPr id="4" name="Date Placeholder 3"/>
+          <p:cNvSpPr>
+            <a:spLocks noGrp="1"/>
+          </p:cNvSpPr>
+          <p:nvPr>
+            <p:ph type="dt" sz="half" idx="10"/>
+          </p:nvPr>
+        </p:nvSpPr>
+        <p:spPr/>
+        <p:txBody>
+          <a:bodyPr/>
+          <a:lstStyle/>
+          <a:p>
+            <a:fld id="{7BEC13FA-6531-0245-A446-9EAD81E0D53B}" type="datetime1">
+              <a:rPr lang="en-GB" smtClean="0"/>
+              <a:t>06/07/2022</a:t>
+            </a:fld>
+            <a:endParaRPr lang="en-US"/>
+          </a:p>
+        </p:txBody>
+      </p:sp>
+      <p:sp>
+        <p:nvSpPr>
+          <p:cNvPr id="5" name="Footer Placeholder 4"/>
+          <p:cNvSpPr>
+            <a:spLocks noGrp="1"/>
+          </p:cNvSpPr>
+          <p:nvPr>
+            <p:ph type="ftr" sz="quarter" idx="11"/>
+          </p:nvPr>
+        </p:nvSpPr>
+        <p:spPr/>
+        <p:txBody>
+          <a:bodyPr/>
+          <a:lstStyle/>
+          <a:p>
+            <a:endParaRPr lang="en-US"/>
+          </a:p>
+        </p:txBody>
+      </p:sp>
+      <p:sp>
+        <p:nvSpPr>
+          <p:cNvPr id="6" name="Slide Number Placeholder 5"/>
+          <p:cNvSpPr>
+            <a:spLocks noGrp="1"/>
+          </p:cNvSpPr>
+          <p:nvPr>
+            <p:ph type="sldNum" sz="quarter" idx="12"/>
+          </p:nvPr>
+        </p:nvSpPr>
+        <p:spPr/>
+        <p:txBody>
+          <a:bodyPr/>
+          <a:lstStyle/>
+          <a:p>
+            <a:fld id="{C1FF6DA9-008F-8B48-92A6-B652298478BF}" type="slidenum">
+              <a:rPr lang="en-US" smtClean="0"/>
+              <a:t>‹#›</a:t>
+            </a:fld>
+            <a:endParaRPr lang="en-US"/>
+          </a:p>
+        </p:txBody>
+      </p:sp>
+    </p:spTree>
+    <p:extLst>
+      <p:ext uri="{BB962C8B-B14F-4D97-AF65-F5344CB8AC3E}">
+        <p14:creationId xmlns:p14="http://schemas.microsoft.com/office/powerpoint/2010/main" val="848452734"/>
+      </p:ext>
+    </p:extLst>
+  </p:cSld>
+  <p:clrMapOvr>
+    <a:masterClrMapping/>
+  </p:clrMapOvr>
+</p:sldLayout>
+</file>
+
+<file path=ppt/slideLayouts/slideLayout3.xml><?xml version="1.0" encoding="utf-8"?>
 <p:sldLayout xmlns:a="http://schemas.openxmlformats.org/drawingml/2006/main" xmlns:r="http://schemas.openxmlformats.org/officeDocument/2006/relationships" xmlns:p="http://schemas.openxmlformats.org/presentationml/2006/main" type="secHead" preserve="1">
   <p:cSld name="Section Header">
     <p:spTree>
@@ -1061,26 +3486,23 @@
         </p:nvSpPr>
         <p:spPr>
           <a:xfrm>
-            <a:off x="831850" y="1709738"/>
-            <a:ext cx="10515600" cy="2852737"/>
+            <a:off x="609598" y="2700868"/>
+            <a:ext cx="6347715" cy="1826581"/>
           </a:xfrm>
         </p:spPr>
         <p:txBody>
           <a:bodyPr anchor="b"/>
           <a:lstStyle>
-            <a:lvl1pPr>
-              <a:defRPr sz="6000" baseline="0">
-                <a:solidFill>
-                  <a:schemeClr val="accent1"/>
-                </a:solidFill>
-              </a:defRPr>
+            <a:lvl1pPr algn="l">
+              <a:defRPr sz="4000" b="0" cap="none"/>
             </a:lvl1pPr>
           </a:lstStyle>
           <a:p>
             <a:r>
-              <a:rPr lang="en-US" dirty="0"/>
+              <a:rPr lang="en-US"/>
               <a:t>Click to edit Master title style</a:t>
             </a:r>
+            <a:endParaRPr lang="en-US" dirty="0"/>
           </a:p>
         </p:txBody>
       </p:sp>
@@ -1096,24 +3518,24 @@
         </p:nvSpPr>
         <p:spPr>
           <a:xfrm>
-            <a:off x="831850" y="4589463"/>
-            <a:ext cx="10515600" cy="1500187"/>
+            <a:off x="609598" y="4527448"/>
+            <a:ext cx="6347715" cy="860400"/>
           </a:xfrm>
         </p:spPr>
         <p:txBody>
-          <a:bodyPr/>
+          <a:bodyPr anchor="t"/>
           <a:lstStyle>
-            <a:lvl1pPr marL="0" indent="0">
-              <a:buNone/>
-              <a:defRPr sz="2400" baseline="0">
-                <a:solidFill>
-                  <a:schemeClr val="accent1"/>
+            <a:lvl1pPr marL="0" indent="0" algn="l">
+              <a:buNone/>
+              <a:defRPr sz="2000">
+                <a:solidFill>
+                  <a:schemeClr val="tx1"/>
                 </a:solidFill>
               </a:defRPr>
             </a:lvl1pPr>
             <a:lvl2pPr marL="457200" indent="0">
               <a:buNone/>
-              <a:defRPr sz="2000">
+              <a:defRPr sz="1800">
                 <a:solidFill>
                   <a:schemeClr val="tx1">
                     <a:tint val="75000"/>
@@ -1123,7 +3545,7 @@
             </a:lvl2pPr>
             <a:lvl3pPr marL="914400" indent="0">
               <a:buNone/>
-              <a:defRPr sz="1800">
+              <a:defRPr sz="1600">
                 <a:solidFill>
                   <a:schemeClr val="tx1">
                     <a:tint val="75000"/>
@@ -1133,7 +3555,7 @@
             </a:lvl3pPr>
             <a:lvl4pPr marL="1371600" indent="0">
               <a:buNone/>
-              <a:defRPr sz="1600">
+              <a:defRPr sz="1400">
                 <a:solidFill>
                   <a:schemeClr val="tx1">
                     <a:tint val="75000"/>
@@ -1143,7 +3565,7 @@
             </a:lvl4pPr>
             <a:lvl5pPr marL="1828800" indent="0">
               <a:buNone/>
-              <a:defRPr sz="1600">
+              <a:defRPr sz="1400">
                 <a:solidFill>
                   <a:schemeClr val="tx1">
                     <a:tint val="75000"/>
@@ -1153,7 +3575,7 @@
             </a:lvl5pPr>
             <a:lvl6pPr marL="2286000" indent="0">
               <a:buNone/>
-              <a:defRPr sz="1600">
+              <a:defRPr sz="1400">
                 <a:solidFill>
                   <a:schemeClr val="tx1">
                     <a:tint val="75000"/>
@@ -1163,7 +3585,7 @@
             </a:lvl6pPr>
             <a:lvl7pPr marL="2743200" indent="0">
               <a:buNone/>
-              <a:defRPr sz="1600">
+              <a:defRPr sz="1400">
                 <a:solidFill>
                   <a:schemeClr val="tx1">
                     <a:tint val="75000"/>
@@ -1173,7 +3595,7 @@
             </a:lvl7pPr>
             <a:lvl8pPr marL="3200400" indent="0">
               <a:buNone/>
-              <a:defRPr sz="1600">
+              <a:defRPr sz="1400">
                 <a:solidFill>
                   <a:schemeClr val="tx1">
                     <a:tint val="75000"/>
@@ -1183,7 +3605,7 @@
             </a:lvl8pPr>
             <a:lvl9pPr marL="3657600" indent="0">
               <a:buNone/>
-              <a:defRPr sz="1600">
+              <a:defRPr sz="1400">
                 <a:solidFill>
                   <a:schemeClr val="tx1">
                     <a:tint val="75000"/>
@@ -1195,7 +3617,7 @@
           <a:p>
             <a:pPr lvl="0"/>
             <a:r>
-              <a:rPr lang="en-US" dirty="0"/>
+              <a:rPr lang="en-US"/>
               <a:t>Click to edit Master text styles</a:t>
             </a:r>
           </a:p>
@@ -1218,7 +3640,7 @@
           <a:p>
             <a:fld id="{F0A73D1F-7830-B741-BC96-A837CBC9E079}" type="datetime1">
               <a:rPr lang="en-GB" smtClean="0"/>
-              <a:t>05/04/2020</a:t>
+              <a:t>06/07/2022</a:t>
             </a:fld>
             <a:endParaRPr lang="en-US"/>
           </a:p>
@@ -1234,15 +3656,7 @@
             <p:ph type="ftr" sz="quarter" idx="11"/>
           </p:nvPr>
         </p:nvSpPr>
-        <p:spPr>
-          <a:xfrm>
-            <a:off x="4038600" y="6356350"/>
-            <a:ext cx="4114800" cy="365125"/>
-          </a:xfrm>
-          <a:prstGeom prst="rect">
-            <a:avLst/>
-          </a:prstGeom>
-        </p:spPr>
+        <p:spPr/>
         <p:txBody>
           <a:bodyPr/>
           <a:lstStyle/>
@@ -1275,206 +3689,11 @@
         </p:txBody>
       </p:sp>
     </p:spTree>
-  </p:cSld>
-  <p:clrMapOvr>
-    <a:masterClrMapping/>
-  </p:clrMapOvr>
-</p:sldLayout>
-</file>
-
-<file path=ppt/slideLayouts/slideLayout3.xml><?xml version="1.0" encoding="utf-8"?>
-<p:sldLayout xmlns:a="http://schemas.openxmlformats.org/drawingml/2006/main" xmlns:r="http://schemas.openxmlformats.org/officeDocument/2006/relationships" xmlns:p="http://schemas.openxmlformats.org/presentationml/2006/main" type="obj" preserve="1">
-  <p:cSld name="Title and Content">
-    <p:spTree>
-      <p:nvGrpSpPr>
-        <p:cNvPr id="1" name=""/>
-        <p:cNvGrpSpPr/>
-        <p:nvPr/>
-      </p:nvGrpSpPr>
-      <p:grpSpPr>
-        <a:xfrm>
-          <a:off x="0" y="0"/>
-          <a:ext cx="0" cy="0"/>
-          <a:chOff x="0" y="0"/>
-          <a:chExt cx="0" cy="0"/>
-        </a:xfrm>
-      </p:grpSpPr>
-      <p:sp>
-        <p:nvSpPr>
-          <p:cNvPr id="2" name="Title 1"/>
-          <p:cNvSpPr>
-            <a:spLocks noGrp="1"/>
-          </p:cNvSpPr>
-          <p:nvPr>
-            <p:ph type="title"/>
-          </p:nvPr>
-        </p:nvSpPr>
-        <p:spPr/>
-        <p:txBody>
-          <a:bodyPr/>
-          <a:lstStyle>
-            <a:lvl1pPr>
-              <a:defRPr baseline="0">
-                <a:solidFill>
-                  <a:schemeClr val="accent1"/>
-                </a:solidFill>
-              </a:defRPr>
-            </a:lvl1pPr>
-          </a:lstStyle>
-          <a:p>
-            <a:r>
-              <a:rPr lang="en-US" dirty="0"/>
-              <a:t>Click to edit Master title style</a:t>
-            </a:r>
-          </a:p>
-        </p:txBody>
-      </p:sp>
-      <p:sp>
-        <p:nvSpPr>
-          <p:cNvPr id="3" name="Content Placeholder 2"/>
-          <p:cNvSpPr>
-            <a:spLocks noGrp="1"/>
-          </p:cNvSpPr>
-          <p:nvPr>
-            <p:ph idx="1"/>
-          </p:nvPr>
-        </p:nvSpPr>
-        <p:spPr/>
-        <p:txBody>
-          <a:bodyPr/>
-          <a:lstStyle>
-            <a:lvl1pPr marL="187325" indent="-187325">
-              <a:tabLst/>
-              <a:defRPr/>
-            </a:lvl1pPr>
-            <a:lvl2pPr marL="536575" indent="-176213">
-              <a:tabLst/>
-              <a:defRPr/>
-            </a:lvl2pPr>
-            <a:lvl3pPr marL="889000" indent="-169863">
-              <a:tabLst/>
-              <a:defRPr/>
-            </a:lvl3pPr>
-            <a:lvl4pPr marL="1255713" indent="-182563">
-              <a:tabLst/>
-              <a:defRPr/>
-            </a:lvl4pPr>
-            <a:lvl5pPr marL="1600200" indent="-174625">
-              <a:tabLst/>
-              <a:defRPr/>
-            </a:lvl5pPr>
-          </a:lstStyle>
-          <a:p>
-            <a:pPr lvl="0"/>
-            <a:r>
-              <a:rPr lang="en-US" dirty="0"/>
-              <a:t>Click to edit Master text styles</a:t>
-            </a:r>
-          </a:p>
-          <a:p>
-            <a:pPr lvl="1"/>
-            <a:r>
-              <a:rPr lang="en-US" dirty="0"/>
-              <a:t>Second level</a:t>
-            </a:r>
-          </a:p>
-          <a:p>
-            <a:pPr lvl="2"/>
-            <a:r>
-              <a:rPr lang="en-US" dirty="0"/>
-              <a:t>Third level</a:t>
-            </a:r>
-          </a:p>
-          <a:p>
-            <a:pPr lvl="3"/>
-            <a:r>
-              <a:rPr lang="en-US" dirty="0"/>
-              <a:t>Fourth level</a:t>
-            </a:r>
-          </a:p>
-          <a:p>
-            <a:pPr lvl="4"/>
-            <a:r>
-              <a:rPr lang="en-US" dirty="0"/>
-              <a:t>Fifth level</a:t>
-            </a:r>
-          </a:p>
-        </p:txBody>
-      </p:sp>
-      <p:sp>
-        <p:nvSpPr>
-          <p:cNvPr id="4" name="Date Placeholder 3"/>
-          <p:cNvSpPr>
-            <a:spLocks noGrp="1"/>
-          </p:cNvSpPr>
-          <p:nvPr>
-            <p:ph type="dt" sz="half" idx="10"/>
-          </p:nvPr>
-        </p:nvSpPr>
-        <p:spPr/>
-        <p:txBody>
-          <a:bodyPr/>
-          <a:lstStyle/>
-          <a:p>
-            <a:fld id="{7BEC13FA-6531-0245-A446-9EAD81E0D53B}" type="datetime1">
-              <a:rPr lang="en-GB" smtClean="0"/>
-              <a:t>05/04/2020</a:t>
-            </a:fld>
-            <a:endParaRPr lang="en-US"/>
-          </a:p>
-        </p:txBody>
-      </p:sp>
-      <p:sp>
-        <p:nvSpPr>
-          <p:cNvPr id="5" name="Footer Placeholder 4"/>
-          <p:cNvSpPr>
-            <a:spLocks noGrp="1"/>
-          </p:cNvSpPr>
-          <p:nvPr>
-            <p:ph type="ftr" sz="quarter" idx="11"/>
-          </p:nvPr>
-        </p:nvSpPr>
-        <p:spPr>
-          <a:xfrm>
-            <a:off x="4038600" y="6356350"/>
-            <a:ext cx="4114800" cy="365125"/>
-          </a:xfrm>
-          <a:prstGeom prst="rect">
-            <a:avLst/>
-          </a:prstGeom>
-        </p:spPr>
-        <p:txBody>
-          <a:bodyPr/>
-          <a:lstStyle/>
-          <a:p>
-            <a:endParaRPr lang="en-US"/>
-          </a:p>
-        </p:txBody>
-      </p:sp>
-      <p:sp>
-        <p:nvSpPr>
-          <p:cNvPr id="6" name="Slide Number Placeholder 5"/>
-          <p:cNvSpPr>
-            <a:spLocks noGrp="1"/>
-          </p:cNvSpPr>
-          <p:nvPr>
-            <p:ph type="sldNum" sz="quarter" idx="12"/>
-          </p:nvPr>
-        </p:nvSpPr>
-        <p:spPr/>
-        <p:txBody>
-          <a:bodyPr/>
-          <a:lstStyle/>
-          <a:p>
-            <a:fld id="{C1FF6DA9-008F-8B48-92A6-B652298478BF}" type="slidenum">
-              <a:rPr lang="en-US" smtClean="0"/>
-              <a:t>‹#›</a:t>
-            </a:fld>
-            <a:endParaRPr lang="en-US"/>
-          </a:p>
-        </p:txBody>
-      </p:sp>
-    </p:spTree>
+    <p:extLst>
+      <p:ext uri="{BB962C8B-B14F-4D97-AF65-F5344CB8AC3E}">
+        <p14:creationId xmlns:p14="http://schemas.microsoft.com/office/powerpoint/2010/main" val="962241234"/>
+      </p:ext>
+    </p:extLst>
   </p:cSld>
   <p:clrMapOvr>
     <a:masterClrMapping/>
@@ -1509,15 +3728,21 @@
             <p:ph type="title"/>
           </p:nvPr>
         </p:nvSpPr>
-        <p:spPr/>
+        <p:spPr>
+          <a:xfrm>
+            <a:off x="609600" y="609600"/>
+            <a:ext cx="6347714" cy="1320800"/>
+          </a:xfrm>
+        </p:spPr>
         <p:txBody>
           <a:bodyPr/>
           <a:lstStyle/>
           <a:p>
             <a:r>
-              <a:rPr lang="en-US" dirty="0"/>
+              <a:rPr lang="en-US"/>
               <a:t>Click to edit Master title style</a:t>
             </a:r>
+            <a:endParaRPr lang="en-US" dirty="0"/>
           </a:p>
         </p:txBody>
       </p:sp>
@@ -1533,126 +3758,186 @@
         </p:nvSpPr>
         <p:spPr>
           <a:xfrm>
-            <a:off x="838200" y="1825625"/>
-            <a:ext cx="5181600" cy="4351338"/>
+            <a:off x="609600" y="2160589"/>
+            <a:ext cx="3088109" cy="3880772"/>
           </a:xfrm>
         </p:spPr>
         <p:txBody>
+          <a:bodyPr>
+            <a:normAutofit/>
+          </a:bodyPr>
+          <a:lstStyle>
+            <a:lvl1pPr>
+              <a:defRPr sz="1800"/>
+            </a:lvl1pPr>
+            <a:lvl2pPr>
+              <a:defRPr sz="1600"/>
+            </a:lvl2pPr>
+            <a:lvl3pPr>
+              <a:defRPr sz="1400"/>
+            </a:lvl3pPr>
+            <a:lvl4pPr>
+              <a:defRPr sz="1200"/>
+            </a:lvl4pPr>
+            <a:lvl5pPr>
+              <a:defRPr sz="1200"/>
+            </a:lvl5pPr>
+            <a:lvl6pPr>
+              <a:defRPr sz="1200"/>
+            </a:lvl6pPr>
+            <a:lvl7pPr>
+              <a:defRPr sz="1200"/>
+            </a:lvl7pPr>
+            <a:lvl8pPr>
+              <a:defRPr sz="1200"/>
+            </a:lvl8pPr>
+            <a:lvl9pPr>
+              <a:defRPr sz="1200"/>
+            </a:lvl9pPr>
+          </a:lstStyle>
+          <a:p>
+            <a:pPr lvl="0"/>
+            <a:r>
+              <a:rPr lang="en-US"/>
+              <a:t>Click to edit Master text styles</a:t>
+            </a:r>
+          </a:p>
+          <a:p>
+            <a:pPr lvl="1"/>
+            <a:r>
+              <a:rPr lang="en-US"/>
+              <a:t>Second level</a:t>
+            </a:r>
+          </a:p>
+          <a:p>
+            <a:pPr lvl="2"/>
+            <a:r>
+              <a:rPr lang="en-US"/>
+              <a:t>Third level</a:t>
+            </a:r>
+          </a:p>
+          <a:p>
+            <a:pPr lvl="3"/>
+            <a:r>
+              <a:rPr lang="en-US"/>
+              <a:t>Fourth level</a:t>
+            </a:r>
+          </a:p>
+          <a:p>
+            <a:pPr lvl="4"/>
+            <a:r>
+              <a:rPr lang="en-US"/>
+              <a:t>Fifth level</a:t>
+            </a:r>
+            <a:endParaRPr lang="en-US" dirty="0"/>
+          </a:p>
+        </p:txBody>
+      </p:sp>
+      <p:sp>
+        <p:nvSpPr>
+          <p:cNvPr id="4" name="Content Placeholder 3"/>
+          <p:cNvSpPr>
+            <a:spLocks noGrp="1"/>
+          </p:cNvSpPr>
+          <p:nvPr>
+            <p:ph sz="half" idx="2"/>
+          </p:nvPr>
+        </p:nvSpPr>
+        <p:spPr>
+          <a:xfrm>
+            <a:off x="3869204" y="2160590"/>
+            <a:ext cx="3088110" cy="3880773"/>
+          </a:xfrm>
+        </p:spPr>
+        <p:txBody>
+          <a:bodyPr>
+            <a:normAutofit/>
+          </a:bodyPr>
+          <a:lstStyle>
+            <a:lvl1pPr>
+              <a:defRPr sz="1800"/>
+            </a:lvl1pPr>
+            <a:lvl2pPr>
+              <a:defRPr sz="1600"/>
+            </a:lvl2pPr>
+            <a:lvl3pPr>
+              <a:defRPr sz="1400"/>
+            </a:lvl3pPr>
+            <a:lvl4pPr>
+              <a:defRPr sz="1200"/>
+            </a:lvl4pPr>
+            <a:lvl5pPr>
+              <a:defRPr sz="1200"/>
+            </a:lvl5pPr>
+            <a:lvl6pPr>
+              <a:defRPr sz="1200"/>
+            </a:lvl6pPr>
+            <a:lvl7pPr>
+              <a:defRPr sz="1200"/>
+            </a:lvl7pPr>
+            <a:lvl8pPr>
+              <a:defRPr sz="1200"/>
+            </a:lvl8pPr>
+            <a:lvl9pPr>
+              <a:defRPr sz="1200"/>
+            </a:lvl9pPr>
+          </a:lstStyle>
+          <a:p>
+            <a:pPr lvl="0"/>
+            <a:r>
+              <a:rPr lang="en-US"/>
+              <a:t>Click to edit Master text styles</a:t>
+            </a:r>
+          </a:p>
+          <a:p>
+            <a:pPr lvl="1"/>
+            <a:r>
+              <a:rPr lang="en-US"/>
+              <a:t>Second level</a:t>
+            </a:r>
+          </a:p>
+          <a:p>
+            <a:pPr lvl="2"/>
+            <a:r>
+              <a:rPr lang="en-US"/>
+              <a:t>Third level</a:t>
+            </a:r>
+          </a:p>
+          <a:p>
+            <a:pPr lvl="3"/>
+            <a:r>
+              <a:rPr lang="en-US"/>
+              <a:t>Fourth level</a:t>
+            </a:r>
+          </a:p>
+          <a:p>
+            <a:pPr lvl="4"/>
+            <a:r>
+              <a:rPr lang="en-US"/>
+              <a:t>Fifth level</a:t>
+            </a:r>
+            <a:endParaRPr lang="en-US" dirty="0"/>
+          </a:p>
+        </p:txBody>
+      </p:sp>
+      <p:sp>
+        <p:nvSpPr>
+          <p:cNvPr id="5" name="Date Placeholder 4"/>
+          <p:cNvSpPr>
+            <a:spLocks noGrp="1"/>
+          </p:cNvSpPr>
+          <p:nvPr>
+            <p:ph type="dt" sz="half" idx="10"/>
+          </p:nvPr>
+        </p:nvSpPr>
+        <p:spPr/>
+        <p:txBody>
           <a:bodyPr/>
           <a:lstStyle/>
           <a:p>
-            <a:pPr lvl="0"/>
-            <a:r>
-              <a:rPr lang="en-US"/>
-              <a:t>Click to edit Master text styles</a:t>
-            </a:r>
-          </a:p>
-          <a:p>
-            <a:pPr lvl="1"/>
-            <a:r>
-              <a:rPr lang="en-US"/>
-              <a:t>Second level</a:t>
-            </a:r>
-          </a:p>
-          <a:p>
-            <a:pPr lvl="2"/>
-            <a:r>
-              <a:rPr lang="en-US"/>
-              <a:t>Third level</a:t>
-            </a:r>
-          </a:p>
-          <a:p>
-            <a:pPr lvl="3"/>
-            <a:r>
-              <a:rPr lang="en-US"/>
-              <a:t>Fourth level</a:t>
-            </a:r>
-          </a:p>
-          <a:p>
-            <a:pPr lvl="4"/>
-            <a:r>
-              <a:rPr lang="en-US"/>
-              <a:t>Fifth level</a:t>
-            </a:r>
-            <a:endParaRPr lang="en-US" dirty="0"/>
-          </a:p>
-        </p:txBody>
-      </p:sp>
-      <p:sp>
-        <p:nvSpPr>
-          <p:cNvPr id="4" name="Content Placeholder 3"/>
-          <p:cNvSpPr>
-            <a:spLocks noGrp="1"/>
-          </p:cNvSpPr>
-          <p:nvPr>
-            <p:ph sz="half" idx="2"/>
-          </p:nvPr>
-        </p:nvSpPr>
-        <p:spPr>
-          <a:xfrm>
-            <a:off x="6172200" y="1825625"/>
-            <a:ext cx="5181600" cy="4351338"/>
-          </a:xfrm>
-        </p:spPr>
-        <p:txBody>
-          <a:bodyPr/>
-          <a:lstStyle/>
-          <a:p>
-            <a:pPr lvl="0"/>
-            <a:r>
-              <a:rPr lang="en-US"/>
-              <a:t>Click to edit Master text styles</a:t>
-            </a:r>
-          </a:p>
-          <a:p>
-            <a:pPr lvl="1"/>
-            <a:r>
-              <a:rPr lang="en-US"/>
-              <a:t>Second level</a:t>
-            </a:r>
-          </a:p>
-          <a:p>
-            <a:pPr lvl="2"/>
-            <a:r>
-              <a:rPr lang="en-US"/>
-              <a:t>Third level</a:t>
-            </a:r>
-          </a:p>
-          <a:p>
-            <a:pPr lvl="3"/>
-            <a:r>
-              <a:rPr lang="en-US"/>
-              <a:t>Fourth level</a:t>
-            </a:r>
-          </a:p>
-          <a:p>
-            <a:pPr lvl="4"/>
-            <a:r>
-              <a:rPr lang="en-US"/>
-              <a:t>Fifth level</a:t>
-            </a:r>
-            <a:endParaRPr lang="en-US" dirty="0"/>
-          </a:p>
-        </p:txBody>
-      </p:sp>
-      <p:sp>
-        <p:nvSpPr>
-          <p:cNvPr id="5" name="Date Placeholder 4"/>
-          <p:cNvSpPr>
-            <a:spLocks noGrp="1"/>
-          </p:cNvSpPr>
-          <p:nvPr>
-            <p:ph type="dt" sz="half" idx="10"/>
-          </p:nvPr>
-        </p:nvSpPr>
-        <p:spPr/>
-        <p:txBody>
-          <a:bodyPr/>
-          <a:lstStyle/>
-          <a:p>
             <a:fld id="{DEE6DD8A-E471-384F-883D-F219A186BE0F}" type="datetime1">
               <a:rPr lang="en-GB" smtClean="0"/>
-              <a:t>05/04/2020</a:t>
+              <a:t>06/07/2022</a:t>
             </a:fld>
             <a:endParaRPr lang="en-US"/>
           </a:p>
@@ -1668,15 +3953,7 @@
             <p:ph type="ftr" sz="quarter" idx="11"/>
           </p:nvPr>
         </p:nvSpPr>
-        <p:spPr>
-          <a:xfrm>
-            <a:off x="4038600" y="6356350"/>
-            <a:ext cx="4114800" cy="365125"/>
-          </a:xfrm>
-          <a:prstGeom prst="rect">
-            <a:avLst/>
-          </a:prstGeom>
-        </p:spPr>
+        <p:spPr/>
         <p:txBody>
           <a:bodyPr/>
           <a:lstStyle/>
@@ -1709,6 +3986,11 @@
         </p:txBody>
       </p:sp>
     </p:spTree>
+    <p:extLst>
+      <p:ext uri="{BB962C8B-B14F-4D97-AF65-F5344CB8AC3E}">
+        <p14:creationId xmlns:p14="http://schemas.microsoft.com/office/powerpoint/2010/main" val="3444976266"/>
+      </p:ext>
+    </p:extLst>
   </p:cSld>
   <p:clrMapOvr>
     <a:masterClrMapping/>
@@ -1745,13 +4027,17 @@
         </p:nvSpPr>
         <p:spPr>
           <a:xfrm>
-            <a:off x="839788" y="365125"/>
-            <a:ext cx="10515600" cy="1325563"/>
+            <a:off x="609599" y="609600"/>
+            <a:ext cx="6347713" cy="1320800"/>
           </a:xfrm>
         </p:spPr>
         <p:txBody>
           <a:bodyPr/>
-          <a:lstStyle/>
+          <a:lstStyle>
+            <a:lvl1pPr>
+              <a:defRPr/>
+            </a:lvl1pPr>
+          </a:lstStyle>
           <a:p>
             <a:r>
               <a:rPr lang="en-US"/>
@@ -1773,16 +4059,18 @@
         </p:nvSpPr>
         <p:spPr>
           <a:xfrm>
-            <a:off x="839788" y="1681163"/>
-            <a:ext cx="5157787" cy="823912"/>
+            <a:off x="609599" y="2160983"/>
+            <a:ext cx="3090672" cy="576262"/>
           </a:xfrm>
         </p:spPr>
         <p:txBody>
-          <a:bodyPr anchor="b"/>
+          <a:bodyPr anchor="b">
+            <a:noAutofit/>
+          </a:bodyPr>
           <a:lstStyle>
             <a:lvl1pPr marL="0" indent="0">
               <a:buNone/>
-              <a:defRPr sz="2400" b="1"/>
+              <a:defRPr sz="2400" b="0"/>
             </a:lvl1pPr>
             <a:lvl2pPr marL="457200" indent="0">
               <a:buNone/>
@@ -1838,12 +4126,14 @@
         </p:nvSpPr>
         <p:spPr>
           <a:xfrm>
-            <a:off x="839788" y="2505075"/>
-            <a:ext cx="5157787" cy="3684588"/>
+            <a:off x="609599" y="2737246"/>
+            <a:ext cx="3090672" cy="3304117"/>
           </a:xfrm>
         </p:spPr>
         <p:txBody>
-          <a:bodyPr/>
+          <a:bodyPr>
+            <a:normAutofit/>
+          </a:bodyPr>
           <a:lstStyle/>
           <a:p>
             <a:pPr lvl="0"/>
@@ -1895,16 +4185,18 @@
         </p:nvSpPr>
         <p:spPr>
           <a:xfrm>
-            <a:off x="6172200" y="1681163"/>
-            <a:ext cx="5183188" cy="823912"/>
+            <a:off x="3866640" y="2160983"/>
+            <a:ext cx="3090672" cy="576262"/>
           </a:xfrm>
         </p:spPr>
         <p:txBody>
-          <a:bodyPr anchor="b"/>
+          <a:bodyPr anchor="b">
+            <a:noAutofit/>
+          </a:bodyPr>
           <a:lstStyle>
             <a:lvl1pPr marL="0" indent="0">
               <a:buNone/>
-              <a:defRPr sz="2400" b="1"/>
+              <a:defRPr sz="2400" b="0"/>
             </a:lvl1pPr>
             <a:lvl2pPr marL="457200" indent="0">
               <a:buNone/>
@@ -1960,69 +4252,71 @@
         </p:nvSpPr>
         <p:spPr>
           <a:xfrm>
-            <a:off x="6172200" y="2505075"/>
-            <a:ext cx="5183188" cy="3684588"/>
+            <a:off x="3866640" y="2737246"/>
+            <a:ext cx="3090672" cy="3304117"/>
           </a:xfrm>
         </p:spPr>
         <p:txBody>
+          <a:bodyPr>
+            <a:normAutofit/>
+          </a:bodyPr>
+          <a:lstStyle/>
+          <a:p>
+            <a:pPr lvl="0"/>
+            <a:r>
+              <a:rPr lang="en-US"/>
+              <a:t>Click to edit Master text styles</a:t>
+            </a:r>
+          </a:p>
+          <a:p>
+            <a:pPr lvl="1"/>
+            <a:r>
+              <a:rPr lang="en-US"/>
+              <a:t>Second level</a:t>
+            </a:r>
+          </a:p>
+          <a:p>
+            <a:pPr lvl="2"/>
+            <a:r>
+              <a:rPr lang="en-US"/>
+              <a:t>Third level</a:t>
+            </a:r>
+          </a:p>
+          <a:p>
+            <a:pPr lvl="3"/>
+            <a:r>
+              <a:rPr lang="en-US"/>
+              <a:t>Fourth level</a:t>
+            </a:r>
+          </a:p>
+          <a:p>
+            <a:pPr lvl="4"/>
+            <a:r>
+              <a:rPr lang="en-US"/>
+              <a:t>Fifth level</a:t>
+            </a:r>
+            <a:endParaRPr lang="en-US" dirty="0"/>
+          </a:p>
+        </p:txBody>
+      </p:sp>
+      <p:sp>
+        <p:nvSpPr>
+          <p:cNvPr id="7" name="Date Placeholder 6"/>
+          <p:cNvSpPr>
+            <a:spLocks noGrp="1"/>
+          </p:cNvSpPr>
+          <p:nvPr>
+            <p:ph type="dt" sz="half" idx="10"/>
+          </p:nvPr>
+        </p:nvSpPr>
+        <p:spPr/>
+        <p:txBody>
           <a:bodyPr/>
           <a:lstStyle/>
           <a:p>
-            <a:pPr lvl="0"/>
-            <a:r>
-              <a:rPr lang="en-US"/>
-              <a:t>Click to edit Master text styles</a:t>
-            </a:r>
-          </a:p>
-          <a:p>
-            <a:pPr lvl="1"/>
-            <a:r>
-              <a:rPr lang="en-US"/>
-              <a:t>Second level</a:t>
-            </a:r>
-          </a:p>
-          <a:p>
-            <a:pPr lvl="2"/>
-            <a:r>
-              <a:rPr lang="en-US"/>
-              <a:t>Third level</a:t>
-            </a:r>
-          </a:p>
-          <a:p>
-            <a:pPr lvl="3"/>
-            <a:r>
-              <a:rPr lang="en-US"/>
-              <a:t>Fourth level</a:t>
-            </a:r>
-          </a:p>
-          <a:p>
-            <a:pPr lvl="4"/>
-            <a:r>
-              <a:rPr lang="en-US"/>
-              <a:t>Fifth level</a:t>
-            </a:r>
-            <a:endParaRPr lang="en-US" dirty="0"/>
-          </a:p>
-        </p:txBody>
-      </p:sp>
-      <p:sp>
-        <p:nvSpPr>
-          <p:cNvPr id="7" name="Date Placeholder 6"/>
-          <p:cNvSpPr>
-            <a:spLocks noGrp="1"/>
-          </p:cNvSpPr>
-          <p:nvPr>
-            <p:ph type="dt" sz="half" idx="10"/>
-          </p:nvPr>
-        </p:nvSpPr>
-        <p:spPr/>
-        <p:txBody>
-          <a:bodyPr/>
-          <a:lstStyle/>
-          <a:p>
             <a:fld id="{FC2C274D-85F4-2344-8F58-DEA89BF0D7C7}" type="datetime1">
               <a:rPr lang="en-GB" smtClean="0"/>
-              <a:t>05/04/2020</a:t>
+              <a:t>06/07/2022</a:t>
             </a:fld>
             <a:endParaRPr lang="en-US"/>
           </a:p>
@@ -2038,15 +4332,7 @@
             <p:ph type="ftr" sz="quarter" idx="11"/>
           </p:nvPr>
         </p:nvSpPr>
-        <p:spPr>
-          <a:xfrm>
-            <a:off x="4038600" y="6356350"/>
-            <a:ext cx="4114800" cy="365125"/>
-          </a:xfrm>
-          <a:prstGeom prst="rect">
-            <a:avLst/>
-          </a:prstGeom>
-        </p:spPr>
+        <p:spPr/>
         <p:txBody>
           <a:bodyPr/>
           <a:lstStyle/>
@@ -2079,6 +4365,11 @@
         </p:txBody>
       </p:sp>
     </p:spTree>
+    <p:extLst>
+      <p:ext uri="{BB962C8B-B14F-4D97-AF65-F5344CB8AC3E}">
+        <p14:creationId xmlns:p14="http://schemas.microsoft.com/office/powerpoint/2010/main" val="90009758"/>
+      </p:ext>
+    </p:extLst>
   </p:cSld>
   <p:clrMapOvr>
     <a:masterClrMapping/>
@@ -2113,7 +4404,12 @@
             <p:ph type="title"/>
           </p:nvPr>
         </p:nvSpPr>
-        <p:spPr/>
+        <p:spPr>
+          <a:xfrm>
+            <a:off x="609599" y="609600"/>
+            <a:ext cx="6347714" cy="1320800"/>
+          </a:xfrm>
+        </p:spPr>
         <p:txBody>
           <a:bodyPr/>
           <a:lstStyle/>
@@ -2143,7 +4439,7 @@
           <a:p>
             <a:fld id="{8686350E-419E-7C4C-BD45-32442656A010}" type="datetime1">
               <a:rPr lang="en-GB" smtClean="0"/>
-              <a:t>05/04/2020</a:t>
+              <a:t>06/07/2022</a:t>
             </a:fld>
             <a:endParaRPr lang="en-US"/>
           </a:p>
@@ -2159,15 +4455,7 @@
             <p:ph type="ftr" sz="quarter" idx="11"/>
           </p:nvPr>
         </p:nvSpPr>
-        <p:spPr>
-          <a:xfrm>
-            <a:off x="4038600" y="6356350"/>
-            <a:ext cx="4114800" cy="365125"/>
-          </a:xfrm>
-          <a:prstGeom prst="rect">
-            <a:avLst/>
-          </a:prstGeom>
-        </p:spPr>
+        <p:spPr/>
         <p:txBody>
           <a:bodyPr/>
           <a:lstStyle/>
@@ -2200,6 +4488,11 @@
         </p:txBody>
       </p:sp>
     </p:spTree>
+    <p:extLst>
+      <p:ext uri="{BB962C8B-B14F-4D97-AF65-F5344CB8AC3E}">
+        <p14:creationId xmlns:p14="http://schemas.microsoft.com/office/powerpoint/2010/main" val="386004731"/>
+      </p:ext>
+    </p:extLst>
   </p:cSld>
   <p:clrMapOvr>
     <a:masterClrMapping/>
@@ -2241,7 +4534,7 @@
           <a:p>
             <a:fld id="{C2B231B4-F3B9-2E43-AEE7-50097B5E42D8}" type="datetime1">
               <a:rPr lang="en-GB" smtClean="0"/>
-              <a:t>05/04/2020</a:t>
+              <a:t>06/07/2022</a:t>
             </a:fld>
             <a:endParaRPr lang="en-US"/>
           </a:p>
@@ -2257,15 +4550,7 @@
             <p:ph type="ftr" sz="quarter" idx="11"/>
           </p:nvPr>
         </p:nvSpPr>
-        <p:spPr>
-          <a:xfrm>
-            <a:off x="4038600" y="6356350"/>
-            <a:ext cx="4114800" cy="365125"/>
-          </a:xfrm>
-          <a:prstGeom prst="rect">
-            <a:avLst/>
-          </a:prstGeom>
-        </p:spPr>
+        <p:spPr/>
         <p:txBody>
           <a:bodyPr/>
           <a:lstStyle/>
@@ -2298,6 +4583,11 @@
         </p:txBody>
       </p:sp>
     </p:spTree>
+    <p:extLst>
+      <p:ext uri="{BB962C8B-B14F-4D97-AF65-F5344CB8AC3E}">
+        <p14:creationId xmlns:p14="http://schemas.microsoft.com/office/powerpoint/2010/main" val="2825294116"/>
+      </p:ext>
+    </p:extLst>
   </p:cSld>
   <p:clrMapOvr>
     <a:masterClrMapping/>
@@ -2334,15 +4624,17 @@
         </p:nvSpPr>
         <p:spPr>
           <a:xfrm>
-            <a:off x="839788" y="457200"/>
-            <a:ext cx="3932237" cy="1600200"/>
+            <a:off x="609599" y="1498604"/>
+            <a:ext cx="2790182" cy="1278466"/>
           </a:xfrm>
         </p:spPr>
         <p:txBody>
-          <a:bodyPr anchor="b"/>
+          <a:bodyPr anchor="b">
+            <a:normAutofit/>
+          </a:bodyPr>
           <a:lstStyle>
             <a:lvl1pPr>
-              <a:defRPr sz="3200"/>
+              <a:defRPr sz="2000"/>
             </a:lvl1pPr>
           </a:lstStyle>
           <a:p>
@@ -2366,39 +4658,109 @@
         </p:nvSpPr>
         <p:spPr>
           <a:xfrm>
-            <a:off x="5183188" y="987425"/>
-            <a:ext cx="6172200" cy="4873625"/>
+            <a:off x="3571275" y="514925"/>
+            <a:ext cx="3386037" cy="5526437"/>
           </a:xfrm>
         </p:spPr>
         <p:txBody>
-          <a:bodyPr/>
+          <a:bodyPr>
+            <a:normAutofit/>
+          </a:bodyPr>
+          <a:lstStyle/>
+          <a:p>
+            <a:pPr lvl="0"/>
+            <a:r>
+              <a:rPr lang="en-US"/>
+              <a:t>Click to edit Master text styles</a:t>
+            </a:r>
+          </a:p>
+          <a:p>
+            <a:pPr lvl="1"/>
+            <a:r>
+              <a:rPr lang="en-US"/>
+              <a:t>Second level</a:t>
+            </a:r>
+          </a:p>
+          <a:p>
+            <a:pPr lvl="2"/>
+            <a:r>
+              <a:rPr lang="en-US"/>
+              <a:t>Third level</a:t>
+            </a:r>
+          </a:p>
+          <a:p>
+            <a:pPr lvl="3"/>
+            <a:r>
+              <a:rPr lang="en-US"/>
+              <a:t>Fourth level</a:t>
+            </a:r>
+          </a:p>
+          <a:p>
+            <a:pPr lvl="4"/>
+            <a:r>
+              <a:rPr lang="en-US"/>
+              <a:t>Fifth level</a:t>
+            </a:r>
+            <a:endParaRPr lang="en-US" dirty="0"/>
+          </a:p>
+        </p:txBody>
+      </p:sp>
+      <p:sp>
+        <p:nvSpPr>
+          <p:cNvPr id="4" name="Text Placeholder 3"/>
+          <p:cNvSpPr>
+            <a:spLocks noGrp="1"/>
+          </p:cNvSpPr>
+          <p:nvPr>
+            <p:ph type="body" sz="half" idx="2"/>
+          </p:nvPr>
+        </p:nvSpPr>
+        <p:spPr>
+          <a:xfrm>
+            <a:off x="609599" y="2777069"/>
+            <a:ext cx="2790182" cy="2584449"/>
+          </a:xfrm>
+        </p:spPr>
+        <p:txBody>
+          <a:bodyPr>
+            <a:normAutofit/>
+          </a:bodyPr>
           <a:lstStyle>
-            <a:lvl1pPr>
-              <a:defRPr sz="3200"/>
+            <a:lvl1pPr marL="0" indent="0">
+              <a:buNone/>
+              <a:defRPr sz="1400"/>
             </a:lvl1pPr>
-            <a:lvl2pPr>
-              <a:defRPr sz="2800"/>
+            <a:lvl2pPr marL="342900" indent="0">
+              <a:buNone/>
+              <a:defRPr sz="1050"/>
             </a:lvl2pPr>
-            <a:lvl3pPr>
-              <a:defRPr sz="2400"/>
+            <a:lvl3pPr marL="685800" indent="0">
+              <a:buNone/>
+              <a:defRPr sz="900"/>
             </a:lvl3pPr>
-            <a:lvl4pPr>
-              <a:defRPr sz="2000"/>
+            <a:lvl4pPr marL="1028700" indent="0">
+              <a:buNone/>
+              <a:defRPr sz="750"/>
             </a:lvl4pPr>
-            <a:lvl5pPr>
-              <a:defRPr sz="2000"/>
+            <a:lvl5pPr marL="1371600" indent="0">
+              <a:buNone/>
+              <a:defRPr sz="750"/>
             </a:lvl5pPr>
-            <a:lvl6pPr>
-              <a:defRPr sz="2000"/>
+            <a:lvl6pPr marL="1714500" indent="0">
+              <a:buNone/>
+              <a:defRPr sz="750"/>
             </a:lvl6pPr>
-            <a:lvl7pPr>
-              <a:defRPr sz="2000"/>
+            <a:lvl7pPr marL="2057400" indent="0">
+              <a:buNone/>
+              <a:defRPr sz="750"/>
             </a:lvl7pPr>
-            <a:lvl8pPr>
-              <a:defRPr sz="2000"/>
+            <a:lvl8pPr marL="2400300" indent="0">
+              <a:buNone/>
+              <a:defRPr sz="750"/>
             </a:lvl8pPr>
-            <a:lvl9pPr>
-              <a:defRPr sz="2000"/>
+            <a:lvl9pPr marL="2743200" indent="0">
+              <a:buNone/>
+              <a:defRPr sz="750"/>
             </a:lvl9pPr>
           </a:lstStyle>
           <a:p>
@@ -2408,100 +4770,6 @@
               <a:t>Click to edit Master text styles</a:t>
             </a:r>
           </a:p>
-          <a:p>
-            <a:pPr lvl="1"/>
-            <a:r>
-              <a:rPr lang="en-US"/>
-              <a:t>Second level</a:t>
-            </a:r>
-          </a:p>
-          <a:p>
-            <a:pPr lvl="2"/>
-            <a:r>
-              <a:rPr lang="en-US"/>
-              <a:t>Third level</a:t>
-            </a:r>
-          </a:p>
-          <a:p>
-            <a:pPr lvl="3"/>
-            <a:r>
-              <a:rPr lang="en-US"/>
-              <a:t>Fourth level</a:t>
-            </a:r>
-          </a:p>
-          <a:p>
-            <a:pPr lvl="4"/>
-            <a:r>
-              <a:rPr lang="en-US"/>
-              <a:t>Fifth level</a:t>
-            </a:r>
-            <a:endParaRPr lang="en-US" dirty="0"/>
-          </a:p>
-        </p:txBody>
-      </p:sp>
-      <p:sp>
-        <p:nvSpPr>
-          <p:cNvPr id="4" name="Text Placeholder 3"/>
-          <p:cNvSpPr>
-            <a:spLocks noGrp="1"/>
-          </p:cNvSpPr>
-          <p:nvPr>
-            <p:ph type="body" sz="half" idx="2"/>
-          </p:nvPr>
-        </p:nvSpPr>
-        <p:spPr>
-          <a:xfrm>
-            <a:off x="839788" y="2057400"/>
-            <a:ext cx="3932237" cy="3811588"/>
-          </a:xfrm>
-        </p:spPr>
-        <p:txBody>
-          <a:bodyPr/>
-          <a:lstStyle>
-            <a:lvl1pPr marL="0" indent="0">
-              <a:buNone/>
-              <a:defRPr sz="1600"/>
-            </a:lvl1pPr>
-            <a:lvl2pPr marL="457200" indent="0">
-              <a:buNone/>
-              <a:defRPr sz="1400"/>
-            </a:lvl2pPr>
-            <a:lvl3pPr marL="914400" indent="0">
-              <a:buNone/>
-              <a:defRPr sz="1200"/>
-            </a:lvl3pPr>
-            <a:lvl4pPr marL="1371600" indent="0">
-              <a:buNone/>
-              <a:defRPr sz="1000"/>
-            </a:lvl4pPr>
-            <a:lvl5pPr marL="1828800" indent="0">
-              <a:buNone/>
-              <a:defRPr sz="1000"/>
-            </a:lvl5pPr>
-            <a:lvl6pPr marL="2286000" indent="0">
-              <a:buNone/>
-              <a:defRPr sz="1000"/>
-            </a:lvl6pPr>
-            <a:lvl7pPr marL="2743200" indent="0">
-              <a:buNone/>
-              <a:defRPr sz="1000"/>
-            </a:lvl7pPr>
-            <a:lvl8pPr marL="3200400" indent="0">
-              <a:buNone/>
-              <a:defRPr sz="1000"/>
-            </a:lvl8pPr>
-            <a:lvl9pPr marL="3657600" indent="0">
-              <a:buNone/>
-              <a:defRPr sz="1000"/>
-            </a:lvl9pPr>
-          </a:lstStyle>
-          <a:p>
-            <a:pPr lvl="0"/>
-            <a:r>
-              <a:rPr lang="en-US"/>
-              <a:t>Click to edit Master text styles</a:t>
-            </a:r>
-          </a:p>
         </p:txBody>
       </p:sp>
       <p:sp>
@@ -2521,7 +4789,7 @@
           <a:p>
             <a:fld id="{BA606DA0-7E1E-D24A-B31F-F1C778CBD10F}" type="datetime1">
               <a:rPr lang="en-GB" smtClean="0"/>
-              <a:t>05/04/2020</a:t>
+              <a:t>06/07/2022</a:t>
             </a:fld>
             <a:endParaRPr lang="en-US"/>
           </a:p>
@@ -2537,15 +4805,7 @@
             <p:ph type="ftr" sz="quarter" idx="11"/>
           </p:nvPr>
         </p:nvSpPr>
-        <p:spPr>
-          <a:xfrm>
-            <a:off x="4038600" y="6356350"/>
-            <a:ext cx="4114800" cy="365125"/>
-          </a:xfrm>
-          <a:prstGeom prst="rect">
-            <a:avLst/>
-          </a:prstGeom>
-        </p:spPr>
+        <p:spPr/>
         <p:txBody>
           <a:bodyPr/>
           <a:lstStyle/>
@@ -2578,6 +4838,11 @@
         </p:txBody>
       </p:sp>
     </p:spTree>
+    <p:extLst>
+      <p:ext uri="{BB962C8B-B14F-4D97-AF65-F5344CB8AC3E}">
+        <p14:creationId xmlns:p14="http://schemas.microsoft.com/office/powerpoint/2010/main" val="355083154"/>
+      </p:ext>
+    </p:extLst>
   </p:cSld>
   <p:clrMapOvr>
     <a:masterClrMapping/>
@@ -2614,15 +4879,17 @@
         </p:nvSpPr>
         <p:spPr>
           <a:xfrm>
-            <a:off x="839788" y="457200"/>
-            <a:ext cx="3932237" cy="1600200"/>
+            <a:off x="609599" y="4800600"/>
+            <a:ext cx="6347714" cy="566738"/>
           </a:xfrm>
         </p:spPr>
         <p:txBody>
-          <a:bodyPr anchor="b"/>
+          <a:bodyPr anchor="b">
+            <a:normAutofit/>
+          </a:bodyPr>
           <a:lstStyle>
-            <a:lvl1pPr>
-              <a:defRPr sz="3200"/>
+            <a:lvl1pPr algn="l">
+              <a:defRPr sz="2400" b="0"/>
             </a:lvl1pPr>
           </a:lstStyle>
           <a:p>
@@ -2646,116 +4913,120 @@
         </p:nvSpPr>
         <p:spPr>
           <a:xfrm>
-            <a:off x="5183188" y="987425"/>
-            <a:ext cx="6172200" cy="4873625"/>
+            <a:off x="609599" y="609600"/>
+            <a:ext cx="6347714" cy="3845718"/>
           </a:xfrm>
         </p:spPr>
         <p:txBody>
-          <a:bodyPr anchor="t"/>
+          <a:bodyPr anchor="t">
+            <a:normAutofit/>
+          </a:bodyPr>
           <a:lstStyle>
-            <a:lvl1pPr marL="0" indent="0">
-              <a:buNone/>
-              <a:defRPr sz="3200"/>
-            </a:lvl1pPr>
-            <a:lvl2pPr marL="457200" indent="0">
-              <a:buNone/>
-              <a:defRPr sz="2800"/>
-            </a:lvl2pPr>
-            <a:lvl3pPr marL="914400" indent="0">
-              <a:buNone/>
-              <a:defRPr sz="2400"/>
-            </a:lvl3pPr>
-            <a:lvl4pPr marL="1371600" indent="0">
-              <a:buNone/>
-              <a:defRPr sz="2000"/>
-            </a:lvl4pPr>
-            <a:lvl5pPr marL="1828800" indent="0">
-              <a:buNone/>
-              <a:defRPr sz="2000"/>
-            </a:lvl5pPr>
-            <a:lvl6pPr marL="2286000" indent="0">
-              <a:buNone/>
-              <a:defRPr sz="2000"/>
-            </a:lvl6pPr>
-            <a:lvl7pPr marL="2743200" indent="0">
-              <a:buNone/>
-              <a:defRPr sz="2000"/>
-            </a:lvl7pPr>
-            <a:lvl8pPr marL="3200400" indent="0">
-              <a:buNone/>
-              <a:defRPr sz="2000"/>
-            </a:lvl8pPr>
-            <a:lvl9pPr marL="3657600" indent="0">
-              <a:buNone/>
-              <a:defRPr sz="2000"/>
-            </a:lvl9pPr>
-          </a:lstStyle>
-          <a:p>
-            <a:r>
-              <a:rPr lang="en-US"/>
-              <a:t>Drag picture to placeholder or click icon to add</a:t>
-            </a:r>
-            <a:endParaRPr lang="en-US" dirty="0"/>
-          </a:p>
-        </p:txBody>
-      </p:sp>
-      <p:sp>
-        <p:nvSpPr>
-          <p:cNvPr id="4" name="Text Placeholder 3"/>
-          <p:cNvSpPr>
-            <a:spLocks noGrp="1"/>
-          </p:cNvSpPr>
-          <p:nvPr>
-            <p:ph type="body" sz="half" idx="2"/>
-          </p:nvPr>
-        </p:nvSpPr>
-        <p:spPr>
-          <a:xfrm>
-            <a:off x="839788" y="2057400"/>
-            <a:ext cx="3932237" cy="3811588"/>
-          </a:xfrm>
-        </p:spPr>
-        <p:txBody>
-          <a:bodyPr/>
-          <a:lstStyle>
-            <a:lvl1pPr marL="0" indent="0">
+            <a:lvl1pPr marL="0" indent="0" algn="ctr">
               <a:buNone/>
               <a:defRPr sz="1600"/>
             </a:lvl1pPr>
             <a:lvl2pPr marL="457200" indent="0">
               <a:buNone/>
-              <a:defRPr sz="1400"/>
+              <a:defRPr sz="1600"/>
             </a:lvl2pPr>
             <a:lvl3pPr marL="914400" indent="0">
               <a:buNone/>
-              <a:defRPr sz="1200"/>
+              <a:defRPr sz="1600"/>
             </a:lvl3pPr>
             <a:lvl4pPr marL="1371600" indent="0">
               <a:buNone/>
-              <a:defRPr sz="1000"/>
+              <a:defRPr sz="1600"/>
             </a:lvl4pPr>
             <a:lvl5pPr marL="1828800" indent="0">
               <a:buNone/>
-              <a:defRPr sz="1000"/>
+              <a:defRPr sz="1600"/>
             </a:lvl5pPr>
             <a:lvl6pPr marL="2286000" indent="0">
               <a:buNone/>
-              <a:defRPr sz="1000"/>
+              <a:defRPr sz="1600"/>
             </a:lvl6pPr>
             <a:lvl7pPr marL="2743200" indent="0">
               <a:buNone/>
-              <a:defRPr sz="1000"/>
+              <a:defRPr sz="1600"/>
             </a:lvl7pPr>
             <a:lvl8pPr marL="3200400" indent="0">
               <a:buNone/>
-              <a:defRPr sz="1000"/>
+              <a:defRPr sz="1600"/>
             </a:lvl8pPr>
             <a:lvl9pPr marL="3657600" indent="0">
               <a:buNone/>
-              <a:defRPr sz="1000"/>
+              <a:defRPr sz="1600"/>
             </a:lvl9pPr>
           </a:lstStyle>
           <a:p>
+            <a:r>
+              <a:rPr lang="en-US"/>
+              <a:t>Click icon to add picture</a:t>
+            </a:r>
+            <a:endParaRPr lang="en-US" dirty="0"/>
+          </a:p>
+        </p:txBody>
+      </p:sp>
+      <p:sp>
+        <p:nvSpPr>
+          <p:cNvPr id="4" name="Text Placeholder 3"/>
+          <p:cNvSpPr>
+            <a:spLocks noGrp="1"/>
+          </p:cNvSpPr>
+          <p:nvPr>
+            <p:ph type="body" sz="half" idx="2"/>
+          </p:nvPr>
+        </p:nvSpPr>
+        <p:spPr>
+          <a:xfrm>
+            <a:off x="609599" y="5367338"/>
+            <a:ext cx="6347714" cy="674024"/>
+          </a:xfrm>
+        </p:spPr>
+        <p:txBody>
+          <a:bodyPr>
+            <a:normAutofit/>
+          </a:bodyPr>
+          <a:lstStyle>
+            <a:lvl1pPr marL="0" indent="0">
+              <a:buNone/>
+              <a:defRPr sz="1200"/>
+            </a:lvl1pPr>
+            <a:lvl2pPr marL="457200" indent="0">
+              <a:buNone/>
+              <a:defRPr sz="1200"/>
+            </a:lvl2pPr>
+            <a:lvl3pPr marL="914400" indent="0">
+              <a:buNone/>
+              <a:defRPr sz="1000"/>
+            </a:lvl3pPr>
+            <a:lvl4pPr marL="1371600" indent="0">
+              <a:buNone/>
+              <a:defRPr sz="900"/>
+            </a:lvl4pPr>
+            <a:lvl5pPr marL="1828800" indent="0">
+              <a:buNone/>
+              <a:defRPr sz="900"/>
+            </a:lvl5pPr>
+            <a:lvl6pPr marL="2286000" indent="0">
+              <a:buNone/>
+              <a:defRPr sz="900"/>
+            </a:lvl6pPr>
+            <a:lvl7pPr marL="2743200" indent="0">
+              <a:buNone/>
+              <a:defRPr sz="900"/>
+            </a:lvl7pPr>
+            <a:lvl8pPr marL="3200400" indent="0">
+              <a:buNone/>
+              <a:defRPr sz="900"/>
+            </a:lvl8pPr>
+            <a:lvl9pPr marL="3657600" indent="0">
+              <a:buNone/>
+              <a:defRPr sz="900"/>
+            </a:lvl9pPr>
+          </a:lstStyle>
+          <a:p>
             <a:pPr lvl="0"/>
             <a:r>
               <a:rPr lang="en-US"/>
@@ -2781,7 +5052,7 @@
           <a:p>
             <a:fld id="{9DF9E593-3AEE-9148-B659-A83BC92509F8}" type="datetime1">
               <a:rPr lang="en-GB" smtClean="0"/>
-              <a:t>05/04/2020</a:t>
+              <a:t>06/07/2022</a:t>
             </a:fld>
             <a:endParaRPr lang="en-US"/>
           </a:p>
@@ -2797,15 +5068,7 @@
             <p:ph type="ftr" sz="quarter" idx="11"/>
           </p:nvPr>
         </p:nvSpPr>
-        <p:spPr>
-          <a:xfrm>
-            <a:off x="4038600" y="6356350"/>
-            <a:ext cx="4114800" cy="365125"/>
-          </a:xfrm>
-          <a:prstGeom prst="rect">
-            <a:avLst/>
-          </a:prstGeom>
-        </p:spPr>
+        <p:spPr/>
         <p:txBody>
           <a:bodyPr/>
           <a:lstStyle/>
@@ -2838,6 +5101,11 @@
         </p:txBody>
       </p:sp>
     </p:spTree>
+    <p:extLst>
+      <p:ext uri="{BB962C8B-B14F-4D97-AF65-F5344CB8AC3E}">
+        <p14:creationId xmlns:p14="http://schemas.microsoft.com/office/powerpoint/2010/main" val="1713812840"/>
+      </p:ext>
+    </p:extLst>
   </p:cSld>
   <p:clrMapOvr>
     <a:masterClrMapping/>
@@ -2850,7 +5118,7 @@
   <p:cSld>
     <p:bg>
       <p:bgRef idx="1001">
-        <a:schemeClr val="bg1"/>
+        <a:schemeClr val="bg2"/>
       </p:bgRef>
     </p:bg>
     <p:spTree>
@@ -2867,6 +5135,609 @@
           <a:chExt cx="0" cy="0"/>
         </a:xfrm>
       </p:grpSpPr>
+      <p:grpSp>
+        <p:nvGrpSpPr>
+          <p:cNvPr id="17" name="Group 16"/>
+          <p:cNvGrpSpPr/>
+          <p:nvPr/>
+        </p:nvGrpSpPr>
+        <p:grpSpPr>
+          <a:xfrm>
+            <a:off x="-8467" y="-8468"/>
+            <a:ext cx="9169805" cy="6874935"/>
+            <a:chOff x="-8467" y="-8468"/>
+            <a:chExt cx="9169805" cy="6874935"/>
+          </a:xfrm>
+        </p:grpSpPr>
+        <p:cxnSp>
+          <p:nvCxnSpPr>
+            <p:cNvPr id="7" name="Straight Connector 6"/>
+            <p:cNvCxnSpPr/>
+            <p:nvPr/>
+          </p:nvCxnSpPr>
+          <p:spPr>
+            <a:xfrm flipV="1">
+              <a:off x="5130830" y="4175605"/>
+              <a:ext cx="4022475" cy="2682396"/>
+            </a:xfrm>
+            <a:prstGeom prst="line">
+              <a:avLst/>
+            </a:prstGeom>
+            <a:ln w="9525">
+              <a:solidFill>
+                <a:schemeClr val="bg1">
+                  <a:lumMod val="85000"/>
+                  <a:lumOff val="15000"/>
+                </a:schemeClr>
+              </a:solidFill>
+            </a:ln>
+          </p:spPr>
+          <p:style>
+            <a:lnRef idx="2">
+              <a:schemeClr val="accent1"/>
+            </a:lnRef>
+            <a:fillRef idx="0">
+              <a:schemeClr val="accent1"/>
+            </a:fillRef>
+            <a:effectRef idx="1">
+              <a:schemeClr val="accent1"/>
+            </a:effectRef>
+            <a:fontRef idx="minor">
+              <a:schemeClr val="tx1"/>
+            </a:fontRef>
+          </p:style>
+        </p:cxnSp>
+        <p:cxnSp>
+          <p:nvCxnSpPr>
+            <p:cNvPr id="8" name="Straight Connector 7"/>
+            <p:cNvCxnSpPr/>
+            <p:nvPr/>
+          </p:nvCxnSpPr>
+          <p:spPr>
+            <a:xfrm>
+              <a:off x="7042707" y="0"/>
+              <a:ext cx="1219200" cy="6858000"/>
+            </a:xfrm>
+            <a:prstGeom prst="line">
+              <a:avLst/>
+            </a:prstGeom>
+            <a:ln w="9525">
+              <a:solidFill>
+                <a:schemeClr val="bg1">
+                  <a:lumMod val="85000"/>
+                  <a:lumOff val="15000"/>
+                </a:schemeClr>
+              </a:solidFill>
+            </a:ln>
+          </p:spPr>
+          <p:style>
+            <a:lnRef idx="2">
+              <a:schemeClr val="accent1"/>
+            </a:lnRef>
+            <a:fillRef idx="0">
+              <a:schemeClr val="accent1"/>
+            </a:fillRef>
+            <a:effectRef idx="1">
+              <a:schemeClr val="accent1"/>
+            </a:effectRef>
+            <a:fontRef idx="minor">
+              <a:schemeClr val="tx1"/>
+            </a:fontRef>
+          </p:style>
+        </p:cxnSp>
+        <p:sp>
+          <p:nvSpPr>
+            <p:cNvPr id="9" name="Freeform 8"/>
+            <p:cNvSpPr/>
+            <p:nvPr/>
+          </p:nvSpPr>
+          <p:spPr>
+            <a:xfrm>
+              <a:off x="-8467" y="4013200"/>
+              <a:ext cx="457200" cy="2853267"/>
+            </a:xfrm>
+            <a:custGeom>
+              <a:avLst/>
+              <a:gdLst/>
+              <a:ahLst/>
+              <a:cxnLst/>
+              <a:rect l="l" t="t" r="r" b="b"/>
+              <a:pathLst>
+                <a:path w="457200" h="2853267">
+                  <a:moveTo>
+                    <a:pt x="0" y="0"/>
+                  </a:moveTo>
+                  <a:lnTo>
+                    <a:pt x="457200" y="2853267"/>
+                  </a:lnTo>
+                  <a:lnTo>
+                    <a:pt x="0" y="2844800"/>
+                  </a:lnTo>
+                  <a:cubicBezTo>
+                    <a:pt x="2822" y="1905000"/>
+                    <a:pt x="5645" y="965200"/>
+                    <a:pt x="0" y="0"/>
+                  </a:cubicBezTo>
+                  <a:close/>
+                </a:path>
+              </a:pathLst>
+            </a:custGeom>
+            <a:solidFill>
+              <a:schemeClr val="accent1">
+                <a:alpha val="85000"/>
+              </a:schemeClr>
+            </a:solidFill>
+            <a:ln>
+              <a:noFill/>
+            </a:ln>
+            <a:effectLst/>
+          </p:spPr>
+          <p:style>
+            <a:lnRef idx="1">
+              <a:schemeClr val="accent1"/>
+            </a:lnRef>
+            <a:fillRef idx="3">
+              <a:schemeClr val="accent1"/>
+            </a:fillRef>
+            <a:effectRef idx="2">
+              <a:schemeClr val="accent1"/>
+            </a:effectRef>
+            <a:fontRef idx="minor">
+              <a:schemeClr val="lt1"/>
+            </a:fontRef>
+          </p:style>
+        </p:sp>
+        <p:sp>
+          <p:nvSpPr>
+            <p:cNvPr id="10" name="Freeform 9"/>
+            <p:cNvSpPr/>
+            <p:nvPr/>
+          </p:nvSpPr>
+          <p:spPr>
+            <a:xfrm>
+              <a:off x="6891896" y="1"/>
+              <a:ext cx="2269442" cy="6866466"/>
+            </a:xfrm>
+            <a:custGeom>
+              <a:avLst/>
+              <a:gdLst/>
+              <a:ahLst/>
+              <a:cxnLst/>
+              <a:rect l="l" t="t" r="r" b="b"/>
+              <a:pathLst>
+                <a:path w="2269442" h="6866466">
+                  <a:moveTo>
+                    <a:pt x="2023534" y="0"/>
+                  </a:moveTo>
+                  <a:lnTo>
+                    <a:pt x="0" y="6858000"/>
+                  </a:lnTo>
+                  <a:lnTo>
+                    <a:pt x="2269067" y="6866466"/>
+                  </a:lnTo>
+                  <a:cubicBezTo>
+                    <a:pt x="2271889" y="4580466"/>
+                    <a:pt x="2257778" y="2294466"/>
+                    <a:pt x="2260600" y="8466"/>
+                  </a:cubicBezTo>
+                  <a:lnTo>
+                    <a:pt x="2023534" y="0"/>
+                  </a:lnTo>
+                  <a:close/>
+                </a:path>
+              </a:pathLst>
+            </a:custGeom>
+            <a:solidFill>
+              <a:schemeClr val="accent1">
+                <a:alpha val="30000"/>
+              </a:schemeClr>
+            </a:solidFill>
+            <a:ln>
+              <a:noFill/>
+            </a:ln>
+            <a:effectLst/>
+          </p:spPr>
+          <p:style>
+            <a:lnRef idx="1">
+              <a:schemeClr val="accent1"/>
+            </a:lnRef>
+            <a:fillRef idx="3">
+              <a:schemeClr val="accent1"/>
+            </a:fillRef>
+            <a:effectRef idx="2">
+              <a:schemeClr val="accent1"/>
+            </a:effectRef>
+            <a:fontRef idx="minor">
+              <a:schemeClr val="lt1"/>
+            </a:fontRef>
+          </p:style>
+        </p:sp>
+        <p:sp>
+          <p:nvSpPr>
+            <p:cNvPr id="11" name="Freeform 10"/>
+            <p:cNvSpPr/>
+            <p:nvPr/>
+          </p:nvSpPr>
+          <p:spPr>
+            <a:xfrm>
+              <a:off x="7205158" y="-8467"/>
+              <a:ext cx="1948147" cy="6866467"/>
+            </a:xfrm>
+            <a:custGeom>
+              <a:avLst/>
+              <a:gdLst/>
+              <a:ahLst/>
+              <a:cxnLst/>
+              <a:rect l="l" t="t" r="r" b="b"/>
+              <a:pathLst>
+                <a:path w="1948147" h="6866467">
+                  <a:moveTo>
+                    <a:pt x="0" y="0"/>
+                  </a:moveTo>
+                  <a:lnTo>
+                    <a:pt x="1202267" y="6866467"/>
+                  </a:lnTo>
+                  <a:lnTo>
+                    <a:pt x="1947333" y="6866467"/>
+                  </a:lnTo>
+                  <a:cubicBezTo>
+                    <a:pt x="1944511" y="4577645"/>
+                    <a:pt x="1950155" y="2288822"/>
+                    <a:pt x="1947333" y="0"/>
+                  </a:cubicBezTo>
+                  <a:lnTo>
+                    <a:pt x="0" y="0"/>
+                  </a:lnTo>
+                  <a:close/>
+                </a:path>
+              </a:pathLst>
+            </a:custGeom>
+            <a:solidFill>
+              <a:schemeClr val="accent1">
+                <a:alpha val="20000"/>
+              </a:schemeClr>
+            </a:solidFill>
+            <a:ln>
+              <a:noFill/>
+            </a:ln>
+            <a:effectLst/>
+          </p:spPr>
+          <p:style>
+            <a:lnRef idx="1">
+              <a:schemeClr val="accent1"/>
+            </a:lnRef>
+            <a:fillRef idx="3">
+              <a:schemeClr val="accent1"/>
+            </a:fillRef>
+            <a:effectRef idx="2">
+              <a:schemeClr val="accent1"/>
+            </a:effectRef>
+            <a:fontRef idx="minor">
+              <a:schemeClr val="lt1"/>
+            </a:fontRef>
+          </p:style>
+        </p:sp>
+        <p:sp>
+          <p:nvSpPr>
+            <p:cNvPr id="12" name="Freeform 11"/>
+            <p:cNvSpPr/>
+            <p:nvPr/>
+          </p:nvSpPr>
+          <p:spPr>
+            <a:xfrm>
+              <a:off x="6637896" y="3920066"/>
+              <a:ext cx="2513565" cy="2937933"/>
+            </a:xfrm>
+            <a:custGeom>
+              <a:avLst/>
+              <a:gdLst/>
+              <a:ahLst/>
+              <a:cxnLst/>
+              <a:rect l="l" t="t" r="r" b="b"/>
+              <a:pathLst>
+                <a:path w="3259667" h="3810000">
+                  <a:moveTo>
+                    <a:pt x="0" y="3810000"/>
+                  </a:moveTo>
+                  <a:lnTo>
+                    <a:pt x="3251200" y="0"/>
+                  </a:lnTo>
+                  <a:cubicBezTo>
+                    <a:pt x="3254022" y="1270000"/>
+                    <a:pt x="3256845" y="2540000"/>
+                    <a:pt x="3259667" y="3810000"/>
+                  </a:cubicBezTo>
+                  <a:lnTo>
+                    <a:pt x="0" y="3810000"/>
+                  </a:lnTo>
+                  <a:close/>
+                </a:path>
+              </a:pathLst>
+            </a:custGeom>
+            <a:solidFill>
+              <a:schemeClr val="accent2">
+                <a:alpha val="72000"/>
+              </a:schemeClr>
+            </a:solidFill>
+            <a:ln>
+              <a:noFill/>
+            </a:ln>
+            <a:effectLst/>
+          </p:spPr>
+          <p:style>
+            <a:lnRef idx="1">
+              <a:schemeClr val="accent1"/>
+            </a:lnRef>
+            <a:fillRef idx="3">
+              <a:schemeClr val="accent1"/>
+            </a:fillRef>
+            <a:effectRef idx="2">
+              <a:schemeClr val="accent1"/>
+            </a:effectRef>
+            <a:fontRef idx="minor">
+              <a:schemeClr val="lt1"/>
+            </a:fontRef>
+          </p:style>
+        </p:sp>
+        <p:sp>
+          <p:nvSpPr>
+            <p:cNvPr id="13" name="Freeform 12"/>
+            <p:cNvSpPr/>
+            <p:nvPr/>
+          </p:nvSpPr>
+          <p:spPr>
+            <a:xfrm>
+              <a:off x="7010429" y="-8467"/>
+              <a:ext cx="2142876" cy="6866467"/>
+            </a:xfrm>
+            <a:custGeom>
+              <a:avLst/>
+              <a:gdLst/>
+              <a:ahLst/>
+              <a:cxnLst/>
+              <a:rect l="l" t="t" r="r" b="b"/>
+              <a:pathLst>
+                <a:path w="2853267" h="6866467">
+                  <a:moveTo>
+                    <a:pt x="0" y="0"/>
+                  </a:moveTo>
+                  <a:lnTo>
+                    <a:pt x="2472267" y="6866467"/>
+                  </a:lnTo>
+                  <a:lnTo>
+                    <a:pt x="2853267" y="6858000"/>
+                  </a:lnTo>
+                  <a:lnTo>
+                    <a:pt x="2853267" y="0"/>
+                  </a:lnTo>
+                  <a:lnTo>
+                    <a:pt x="0" y="0"/>
+                  </a:lnTo>
+                  <a:close/>
+                </a:path>
+              </a:pathLst>
+            </a:custGeom>
+            <a:solidFill>
+              <a:schemeClr val="accent2">
+                <a:lumMod val="75000"/>
+                <a:alpha val="70000"/>
+              </a:schemeClr>
+            </a:solidFill>
+            <a:ln>
+              <a:noFill/>
+            </a:ln>
+            <a:effectLst/>
+          </p:spPr>
+          <p:style>
+            <a:lnRef idx="1">
+              <a:schemeClr val="accent1"/>
+            </a:lnRef>
+            <a:fillRef idx="3">
+              <a:schemeClr val="accent1"/>
+            </a:fillRef>
+            <a:effectRef idx="2">
+              <a:schemeClr val="accent1"/>
+            </a:effectRef>
+            <a:fontRef idx="minor">
+              <a:schemeClr val="lt1"/>
+            </a:fontRef>
+          </p:style>
+        </p:sp>
+        <p:sp>
+          <p:nvSpPr>
+            <p:cNvPr id="14" name="Freeform 13"/>
+            <p:cNvSpPr/>
+            <p:nvPr/>
+          </p:nvSpPr>
+          <p:spPr>
+            <a:xfrm>
+              <a:off x="8295776" y="-8467"/>
+              <a:ext cx="857530" cy="6866467"/>
+            </a:xfrm>
+            <a:custGeom>
+              <a:avLst/>
+              <a:gdLst/>
+              <a:ahLst/>
+              <a:cxnLst/>
+              <a:rect l="l" t="t" r="r" b="b"/>
+              <a:pathLst>
+                <a:path w="1286933" h="6866467">
+                  <a:moveTo>
+                    <a:pt x="1016000" y="0"/>
+                  </a:moveTo>
+                  <a:lnTo>
+                    <a:pt x="0" y="6866467"/>
+                  </a:lnTo>
+                  <a:lnTo>
+                    <a:pt x="1286933" y="6866467"/>
+                  </a:lnTo>
+                  <a:cubicBezTo>
+                    <a:pt x="1284111" y="4577645"/>
+                    <a:pt x="1281288" y="2288822"/>
+                    <a:pt x="1278466" y="0"/>
+                  </a:cubicBezTo>
+                  <a:lnTo>
+                    <a:pt x="1016000" y="0"/>
+                  </a:lnTo>
+                  <a:close/>
+                </a:path>
+              </a:pathLst>
+            </a:custGeom>
+            <a:solidFill>
+              <a:schemeClr val="accent1">
+                <a:lumMod val="60000"/>
+                <a:lumOff val="40000"/>
+                <a:alpha val="70000"/>
+              </a:schemeClr>
+            </a:solidFill>
+            <a:ln>
+              <a:noFill/>
+            </a:ln>
+            <a:effectLst/>
+          </p:spPr>
+          <p:style>
+            <a:lnRef idx="1">
+              <a:schemeClr val="accent1"/>
+            </a:lnRef>
+            <a:fillRef idx="3">
+              <a:schemeClr val="accent1"/>
+            </a:fillRef>
+            <a:effectRef idx="2">
+              <a:schemeClr val="accent1"/>
+            </a:effectRef>
+            <a:fontRef idx="minor">
+              <a:schemeClr val="lt1"/>
+            </a:fontRef>
+          </p:style>
+        </p:sp>
+        <p:sp>
+          <p:nvSpPr>
+            <p:cNvPr id="15" name="Freeform 14"/>
+            <p:cNvSpPr/>
+            <p:nvPr/>
+          </p:nvSpPr>
+          <p:spPr>
+            <a:xfrm>
+              <a:off x="8077231" y="-8468"/>
+              <a:ext cx="1066770" cy="6866467"/>
+            </a:xfrm>
+            <a:custGeom>
+              <a:avLst/>
+              <a:gdLst/>
+              <a:ahLst/>
+              <a:cxnLst/>
+              <a:rect l="l" t="t" r="r" b="b"/>
+              <a:pathLst>
+                <a:path w="1270244" h="6866467">
+                  <a:moveTo>
+                    <a:pt x="0" y="0"/>
+                  </a:moveTo>
+                  <a:lnTo>
+                    <a:pt x="1117600" y="6866467"/>
+                  </a:lnTo>
+                  <a:lnTo>
+                    <a:pt x="1270000" y="6866467"/>
+                  </a:lnTo>
+                  <a:cubicBezTo>
+                    <a:pt x="1272822" y="4574822"/>
+                    <a:pt x="1250245" y="2291645"/>
+                    <a:pt x="1253067" y="0"/>
+                  </a:cubicBezTo>
+                  <a:lnTo>
+                    <a:pt x="0" y="0"/>
+                  </a:lnTo>
+                  <a:close/>
+                </a:path>
+              </a:pathLst>
+            </a:custGeom>
+            <a:solidFill>
+              <a:schemeClr val="accent1">
+                <a:alpha val="65000"/>
+              </a:schemeClr>
+            </a:solidFill>
+            <a:ln>
+              <a:noFill/>
+            </a:ln>
+            <a:effectLst/>
+          </p:spPr>
+          <p:style>
+            <a:lnRef idx="1">
+              <a:schemeClr val="accent1"/>
+            </a:lnRef>
+            <a:fillRef idx="3">
+              <a:schemeClr val="accent1"/>
+            </a:fillRef>
+            <a:effectRef idx="2">
+              <a:schemeClr val="accent1"/>
+            </a:effectRef>
+            <a:fontRef idx="minor">
+              <a:schemeClr val="lt1"/>
+            </a:fontRef>
+          </p:style>
+        </p:sp>
+        <p:sp>
+          <p:nvSpPr>
+            <p:cNvPr id="16" name="Freeform 15"/>
+            <p:cNvSpPr/>
+            <p:nvPr/>
+          </p:nvSpPr>
+          <p:spPr>
+            <a:xfrm>
+              <a:off x="8060297" y="4893733"/>
+              <a:ext cx="1094086" cy="1964267"/>
+            </a:xfrm>
+            <a:custGeom>
+              <a:avLst/>
+              <a:gdLst/>
+              <a:ahLst/>
+              <a:cxnLst/>
+              <a:rect l="l" t="t" r="r" b="b"/>
+              <a:pathLst>
+                <a:path w="1820333" h="3268133">
+                  <a:moveTo>
+                    <a:pt x="0" y="3268133"/>
+                  </a:moveTo>
+                  <a:lnTo>
+                    <a:pt x="1811866" y="0"/>
+                  </a:lnTo>
+                  <a:cubicBezTo>
+                    <a:pt x="1814688" y="1086555"/>
+                    <a:pt x="1817511" y="2173111"/>
+                    <a:pt x="1820333" y="3259666"/>
+                  </a:cubicBezTo>
+                  <a:lnTo>
+                    <a:pt x="0" y="3268133"/>
+                  </a:lnTo>
+                  <a:close/>
+                </a:path>
+              </a:pathLst>
+            </a:custGeom>
+            <a:solidFill>
+              <a:schemeClr val="accent1">
+                <a:alpha val="80000"/>
+              </a:schemeClr>
+            </a:solidFill>
+            <a:ln>
+              <a:noFill/>
+            </a:ln>
+            <a:effectLst/>
+          </p:spPr>
+          <p:style>
+            <a:lnRef idx="1">
+              <a:schemeClr val="accent1"/>
+            </a:lnRef>
+            <a:fillRef idx="3">
+              <a:schemeClr val="accent1"/>
+            </a:fillRef>
+            <a:effectRef idx="2">
+              <a:schemeClr val="accent1"/>
+            </a:effectRef>
+            <a:fontRef idx="minor">
+              <a:schemeClr val="lt1"/>
+            </a:fontRef>
+          </p:style>
+        </p:sp>
+      </p:grpSp>
       <p:sp>
         <p:nvSpPr>
           <p:cNvPr id="2" name="Title Placeholder 1"/>
@@ -2879,23 +5750,24 @@
         </p:nvSpPr>
         <p:spPr>
           <a:xfrm>
-            <a:off x="838200" y="365125"/>
-            <a:ext cx="10515600" cy="1325563"/>
+            <a:off x="609599" y="609600"/>
+            <a:ext cx="6347713" cy="1320800"/>
           </a:xfrm>
           <a:prstGeom prst="rect">
             <a:avLst/>
           </a:prstGeom>
         </p:spPr>
         <p:txBody>
-          <a:bodyPr vert="horz" lIns="91440" tIns="45720" rIns="91440" bIns="45720" rtlCol="0" anchor="ctr">
+          <a:bodyPr vert="horz" lIns="91440" tIns="45720" rIns="91440" bIns="45720" rtlCol="0" anchor="t">
             <a:normAutofit/>
           </a:bodyPr>
           <a:lstStyle/>
           <a:p>
             <a:r>
-              <a:rPr lang="en-US" dirty="0"/>
+              <a:rPr lang="en-US"/>
               <a:t>Click to edit Master title style</a:t>
             </a:r>
+            <a:endParaRPr lang="en-US" dirty="0"/>
           </a:p>
         </p:txBody>
       </p:sp>
@@ -2911,8 +5783,8 @@
         </p:nvSpPr>
         <p:spPr>
           <a:xfrm>
-            <a:off x="838200" y="1825625"/>
-            <a:ext cx="10515600" cy="4351338"/>
+            <a:off x="609599" y="2160590"/>
+            <a:ext cx="6347714" cy="3880773"/>
           </a:xfrm>
           <a:prstGeom prst="rect">
             <a:avLst/>
@@ -2926,37 +5798,38 @@
           <a:p>
             <a:pPr lvl="0"/>
             <a:r>
-              <a:rPr lang="en-US" dirty="0"/>
+              <a:rPr lang="en-US"/>
               <a:t>Click to edit Master text styles</a:t>
             </a:r>
           </a:p>
           <a:p>
             <a:pPr lvl="1"/>
             <a:r>
-              <a:rPr lang="en-US" dirty="0"/>
+              <a:rPr lang="en-US"/>
               <a:t>Second level</a:t>
             </a:r>
           </a:p>
           <a:p>
             <a:pPr lvl="2"/>
             <a:r>
-              <a:rPr lang="en-US" dirty="0"/>
+              <a:rPr lang="en-US"/>
               <a:t>Third level</a:t>
             </a:r>
           </a:p>
           <a:p>
             <a:pPr lvl="3"/>
             <a:r>
-              <a:rPr lang="en-US" dirty="0"/>
+              <a:rPr lang="en-US"/>
               <a:t>Fourth level</a:t>
             </a:r>
           </a:p>
           <a:p>
             <a:pPr lvl="4"/>
             <a:r>
-              <a:rPr lang="en-US" dirty="0"/>
+              <a:rPr lang="en-US"/>
               <a:t>Fifth level</a:t>
             </a:r>
+            <a:endParaRPr lang="en-US" dirty="0"/>
           </a:p>
         </p:txBody>
       </p:sp>
@@ -2972,8 +5845,8 @@
         </p:nvSpPr>
         <p:spPr>
           <a:xfrm>
-            <a:off x="838200" y="6356350"/>
-            <a:ext cx="2743200" cy="365125"/>
+            <a:off x="5405258" y="6041363"/>
+            <a:ext cx="684132" cy="365125"/>
           </a:xfrm>
           <a:prstGeom prst="rect">
             <a:avLst/>
@@ -2982,8 +5855,8 @@
         <p:txBody>
           <a:bodyPr vert="horz" lIns="91440" tIns="45720" rIns="91440" bIns="45720" rtlCol="0" anchor="ctr"/>
           <a:lstStyle>
-            <a:lvl1pPr algn="l">
-              <a:defRPr sz="1200">
+            <a:lvl1pPr algn="r">
+              <a:defRPr sz="900">
                 <a:solidFill>
                   <a:schemeClr val="tx1">
                     <a:tint val="75000"/>
@@ -2995,7 +5868,7 @@
           <a:p>
             <a:fld id="{B4F538D9-71E6-DF45-AEE6-3D5D1058FDA2}" type="datetime1">
               <a:rPr lang="en-GB" smtClean="0"/>
-              <a:t>05/04/2020</a:t>
+              <a:t>06/07/2022</a:t>
             </a:fld>
             <a:endParaRPr lang="en-US"/>
           </a:p>
@@ -3003,18 +5876,18 @@
       </p:sp>
       <p:sp>
         <p:nvSpPr>
-          <p:cNvPr id="6" name="Slide Number Placeholder 5"/>
-          <p:cNvSpPr>
-            <a:spLocks noGrp="1"/>
-          </p:cNvSpPr>
-          <p:nvPr>
-            <p:ph type="sldNum" sz="quarter" idx="4"/>
+          <p:cNvPr id="5" name="Footer Placeholder 4"/>
+          <p:cNvSpPr>
+            <a:spLocks noGrp="1"/>
+          </p:cNvSpPr>
+          <p:nvPr>
+            <p:ph type="ftr" sz="quarter" idx="3"/>
           </p:nvPr>
         </p:nvSpPr>
         <p:spPr>
           <a:xfrm>
-            <a:off x="8610600" y="6356350"/>
-            <a:ext cx="2743200" cy="365125"/>
+            <a:off x="609599" y="6041363"/>
+            <a:ext cx="4622973" cy="365125"/>
           </a:xfrm>
           <a:prstGeom prst="rect">
             <a:avLst/>
@@ -3023,12 +5896,47 @@
         <p:txBody>
           <a:bodyPr vert="horz" lIns="91440" tIns="45720" rIns="91440" bIns="45720" rtlCol="0" anchor="ctr"/>
           <a:lstStyle>
-            <a:lvl1pPr algn="r">
-              <a:defRPr sz="1200">
+            <a:lvl1pPr algn="l">
+              <a:defRPr sz="900">
                 <a:solidFill>
                   <a:schemeClr val="tx1">
                     <a:tint val="75000"/>
                   </a:schemeClr>
+                </a:solidFill>
+              </a:defRPr>
+            </a:lvl1pPr>
+          </a:lstStyle>
+          <a:p>
+            <a:endParaRPr lang="en-US"/>
+          </a:p>
+        </p:txBody>
+      </p:sp>
+      <p:sp>
+        <p:nvSpPr>
+          <p:cNvPr id="6" name="Slide Number Placeholder 5"/>
+          <p:cNvSpPr>
+            <a:spLocks noGrp="1"/>
+          </p:cNvSpPr>
+          <p:nvPr>
+            <p:ph type="sldNum" sz="quarter" idx="4"/>
+          </p:nvPr>
+        </p:nvSpPr>
+        <p:spPr>
+          <a:xfrm>
+            <a:off x="6444676" y="6041363"/>
+            <a:ext cx="512638" cy="365125"/>
+          </a:xfrm>
+          <a:prstGeom prst="rect">
+            <a:avLst/>
+          </a:prstGeom>
+        </p:spPr>
+        <p:txBody>
+          <a:bodyPr vert="horz" lIns="91440" tIns="45720" rIns="91440" bIns="45720" rtlCol="0" anchor="ctr"/>
+          <a:lstStyle>
+            <a:lvl1pPr algn="r">
+              <a:defRPr sz="900">
+                <a:solidFill>
+                  <a:schemeClr val="accent1"/>
                 </a:solidFill>
               </a:defRPr>
             </a:lvl1pPr>
@@ -3042,82 +5950,41 @@
           </a:p>
         </p:txBody>
       </p:sp>
-      <p:sp>
-        <p:nvSpPr>
-          <p:cNvPr id="7" name="Footer Placeholder 6">
-            <a:extLst>
-              <a:ext uri="{FF2B5EF4-FFF2-40B4-BE49-F238E27FC236}">
-                <a16:creationId xmlns:a16="http://schemas.microsoft.com/office/drawing/2014/main" id="{29F652B3-5D2C-0040-B40A-524F653AA22A}"/>
-              </a:ext>
-            </a:extLst>
-          </p:cNvPr>
-          <p:cNvSpPr>
-            <a:spLocks noGrp="1"/>
-          </p:cNvSpPr>
-          <p:nvPr>
-            <p:ph type="ftr" sz="quarter" idx="3"/>
-          </p:nvPr>
-        </p:nvSpPr>
-        <p:spPr>
-          <a:xfrm>
-            <a:off x="4038600" y="6356350"/>
-            <a:ext cx="4114800" cy="365125"/>
-          </a:xfrm>
-          <a:prstGeom prst="rect">
-            <a:avLst/>
-          </a:prstGeom>
-        </p:spPr>
-        <p:txBody>
-          <a:bodyPr vert="horz" lIns="91440" tIns="45720" rIns="91440" bIns="45720" rtlCol="0" anchor="ctr"/>
-          <a:lstStyle>
-            <a:lvl1pPr algn="ctr">
-              <a:defRPr sz="1200">
-                <a:solidFill>
-                  <a:schemeClr val="tx1">
-                    <a:tint val="75000"/>
-                  </a:schemeClr>
-                </a:solidFill>
-              </a:defRPr>
-            </a:lvl1pPr>
-          </a:lstStyle>
-          <a:p>
-            <a:endParaRPr lang="en-US"/>
-          </a:p>
-        </p:txBody>
-      </p:sp>
     </p:spTree>
     <p:extLst>
       <p:ext uri="{BB962C8B-B14F-4D97-AF65-F5344CB8AC3E}">
-        <p14:creationId xmlns:p14="http://schemas.microsoft.com/office/powerpoint/2010/main" val="1522308613"/>
+        <p14:creationId xmlns:p14="http://schemas.microsoft.com/office/powerpoint/2010/main" val="2813356995"/>
       </p:ext>
     </p:extLst>
   </p:cSld>
-  <p:clrMap bg1="lt1" tx1="dk1" bg2="lt2" tx2="dk2" accent1="accent1" accent2="accent2" accent3="accent3" accent4="accent4" accent5="accent5" accent6="accent6" hlink="hlink" folHlink="folHlink"/>
+  <p:clrMap bg1="dk1" tx1="lt1" bg2="dk2" tx2="lt2" accent1="accent1" accent2="accent2" accent3="accent3" accent4="accent4" accent5="accent5" accent6="accent6" hlink="hlink" folHlink="folHlink"/>
   <p:sldLayoutIdLst>
-    <p:sldLayoutId id="2147483673" r:id="rId1"/>
-    <p:sldLayoutId id="2147483675" r:id="rId2"/>
-    <p:sldLayoutId id="2147483674" r:id="rId3"/>
-    <p:sldLayoutId id="2147483676" r:id="rId4"/>
-    <p:sldLayoutId id="2147483677" r:id="rId5"/>
-    <p:sldLayoutId id="2147483678" r:id="rId6"/>
-    <p:sldLayoutId id="2147483679" r:id="rId7"/>
-    <p:sldLayoutId id="2147483680" r:id="rId8"/>
-    <p:sldLayoutId id="2147483681" r:id="rId9"/>
-    <p:sldLayoutId id="2147483682" r:id="rId10"/>
-    <p:sldLayoutId id="2147483683" r:id="rId11"/>
+    <p:sldLayoutId id="2147483719" r:id="rId1"/>
+    <p:sldLayoutId id="2147483720" r:id="rId2"/>
+    <p:sldLayoutId id="2147483721" r:id="rId3"/>
+    <p:sldLayoutId id="2147483722" r:id="rId4"/>
+    <p:sldLayoutId id="2147483723" r:id="rId5"/>
+    <p:sldLayoutId id="2147483724" r:id="rId6"/>
+    <p:sldLayoutId id="2147483725" r:id="rId7"/>
+    <p:sldLayoutId id="2147483726" r:id="rId8"/>
+    <p:sldLayoutId id="2147483727" r:id="rId9"/>
+    <p:sldLayoutId id="2147483728" r:id="rId10"/>
+    <p:sldLayoutId id="2147483729" r:id="rId11"/>
+    <p:sldLayoutId id="2147483730" r:id="rId12"/>
+    <p:sldLayoutId id="2147483731" r:id="rId13"/>
+    <p:sldLayoutId id="2147483732" r:id="rId14"/>
+    <p:sldLayoutId id="2147483733" r:id="rId15"/>
+    <p:sldLayoutId id="2147483734" r:id="rId16"/>
   </p:sldLayoutIdLst>
   <p:hf hdr="0" ftr="0" dt="0"/>
   <p:txStyles>
     <p:titleStyle>
-      <a:lvl1pPr algn="l" defTabSz="914400" rtl="0" eaLnBrk="1" latinLnBrk="0" hangingPunct="1">
-        <a:lnSpc>
-          <a:spcPct val="90000"/>
-        </a:lnSpc>
+      <a:lvl1pPr algn="l" defTabSz="457200" rtl="0" eaLnBrk="1" latinLnBrk="0" hangingPunct="1">
         <a:spcBef>
           <a:spcPct val="0"/>
         </a:spcBef>
         <a:buNone/>
-        <a:defRPr sz="4400" kern="1200" baseline="0">
+        <a:defRPr sz="3600" kern="1200">
           <a:solidFill>
             <a:schemeClr val="accent1"/>
           </a:solidFill>
@@ -3126,164 +5993,283 @@
           <a:cs typeface="+mj-cs"/>
         </a:defRPr>
       </a:lvl1pPr>
+      <a:lvl2pPr eaLnBrk="1" hangingPunct="1">
+        <a:defRPr>
+          <a:solidFill>
+            <a:schemeClr val="tx2"/>
+          </a:solidFill>
+        </a:defRPr>
+      </a:lvl2pPr>
+      <a:lvl3pPr eaLnBrk="1" hangingPunct="1">
+        <a:defRPr>
+          <a:solidFill>
+            <a:schemeClr val="tx2"/>
+          </a:solidFill>
+        </a:defRPr>
+      </a:lvl3pPr>
+      <a:lvl4pPr eaLnBrk="1" hangingPunct="1">
+        <a:defRPr>
+          <a:solidFill>
+            <a:schemeClr val="tx2"/>
+          </a:solidFill>
+        </a:defRPr>
+      </a:lvl4pPr>
+      <a:lvl5pPr eaLnBrk="1" hangingPunct="1">
+        <a:defRPr>
+          <a:solidFill>
+            <a:schemeClr val="tx2"/>
+          </a:solidFill>
+        </a:defRPr>
+      </a:lvl5pPr>
+      <a:lvl6pPr eaLnBrk="1" hangingPunct="1">
+        <a:defRPr>
+          <a:solidFill>
+            <a:schemeClr val="tx2"/>
+          </a:solidFill>
+        </a:defRPr>
+      </a:lvl6pPr>
+      <a:lvl7pPr eaLnBrk="1" hangingPunct="1">
+        <a:defRPr>
+          <a:solidFill>
+            <a:schemeClr val="tx2"/>
+          </a:solidFill>
+        </a:defRPr>
+      </a:lvl7pPr>
+      <a:lvl8pPr eaLnBrk="1" hangingPunct="1">
+        <a:defRPr>
+          <a:solidFill>
+            <a:schemeClr val="tx2"/>
+          </a:solidFill>
+        </a:defRPr>
+      </a:lvl8pPr>
+      <a:lvl9pPr eaLnBrk="1" hangingPunct="1">
+        <a:defRPr>
+          <a:solidFill>
+            <a:schemeClr val="tx2"/>
+          </a:solidFill>
+        </a:defRPr>
+      </a:lvl9pPr>
     </p:titleStyle>
     <p:bodyStyle>
-      <a:lvl1pPr marL="0" indent="-228600" algn="l" defTabSz="914400" rtl="0" eaLnBrk="1" latinLnBrk="0" hangingPunct="1">
-        <a:lnSpc>
-          <a:spcPct val="90000"/>
-        </a:lnSpc>
+      <a:lvl1pPr marL="342900" indent="-342900" algn="l" defTabSz="457200" rtl="0" eaLnBrk="1" latinLnBrk="0" hangingPunct="1">
         <a:spcBef>
           <a:spcPts val="1000"/>
         </a:spcBef>
-        <a:buFont typeface="Arial" panose="020B0604020202020204" pitchFamily="34" charset="0"/>
-        <a:buChar char="•"/>
-        <a:defRPr sz="2800" kern="1200">
+        <a:spcAft>
+          <a:spcPts val="0"/>
+        </a:spcAft>
+        <a:buClr>
+          <a:schemeClr val="accent1"/>
+        </a:buClr>
+        <a:buSzPct val="80000"/>
+        <a:buFont typeface="Wingdings 3" charset="2"/>
+        <a:buChar char=""/>
+        <a:defRPr sz="1800" kern="1200">
           <a:solidFill>
-            <a:schemeClr val="tx1"/>
+            <a:schemeClr val="tx1">
+              <a:lumMod val="75000"/>
+              <a:lumOff val="25000"/>
+            </a:schemeClr>
           </a:solidFill>
           <a:latin typeface="+mn-lt"/>
           <a:ea typeface="+mn-ea"/>
           <a:cs typeface="+mn-cs"/>
         </a:defRPr>
       </a:lvl1pPr>
-      <a:lvl2pPr marL="450000" indent="-228600" algn="l" defTabSz="914400" rtl="0" eaLnBrk="1" latinLnBrk="0" hangingPunct="1">
-        <a:lnSpc>
-          <a:spcPct val="90000"/>
-        </a:lnSpc>
+      <a:lvl2pPr marL="742950" indent="-285750" algn="l" defTabSz="457200" rtl="0" eaLnBrk="1" latinLnBrk="0" hangingPunct="1">
         <a:spcBef>
-          <a:spcPts val="500"/>
+          <a:spcPts val="1000"/>
         </a:spcBef>
-        <a:buFont typeface="Arial" panose="020B0604020202020204" pitchFamily="34" charset="0"/>
-        <a:buChar char="•"/>
-        <a:defRPr sz="2400" kern="1200">
+        <a:spcAft>
+          <a:spcPts val="0"/>
+        </a:spcAft>
+        <a:buClr>
+          <a:schemeClr val="accent1"/>
+        </a:buClr>
+        <a:buSzPct val="80000"/>
+        <a:buFont typeface="Wingdings 3" charset="2"/>
+        <a:buChar char=""/>
+        <a:defRPr sz="1600" kern="1200">
           <a:solidFill>
-            <a:schemeClr val="tx1"/>
+            <a:schemeClr val="tx1">
+              <a:lumMod val="75000"/>
+              <a:lumOff val="25000"/>
+            </a:schemeClr>
           </a:solidFill>
           <a:latin typeface="+mn-lt"/>
           <a:ea typeface="+mn-ea"/>
           <a:cs typeface="+mn-cs"/>
         </a:defRPr>
       </a:lvl2pPr>
-      <a:lvl3pPr marL="810000" indent="-228600" algn="l" defTabSz="914400" rtl="0" eaLnBrk="1" latinLnBrk="0" hangingPunct="1">
-        <a:lnSpc>
-          <a:spcPct val="90000"/>
-        </a:lnSpc>
+      <a:lvl3pPr marL="1143000" indent="-228600" algn="l" defTabSz="457200" rtl="0" eaLnBrk="1" latinLnBrk="0" hangingPunct="1">
         <a:spcBef>
-          <a:spcPts val="500"/>
+          <a:spcPts val="1000"/>
         </a:spcBef>
-        <a:buFont typeface="Arial" panose="020B0604020202020204" pitchFamily="34" charset="0"/>
-        <a:buChar char="•"/>
-        <a:defRPr sz="2000" kern="1200">
+        <a:spcAft>
+          <a:spcPts val="0"/>
+        </a:spcAft>
+        <a:buClr>
+          <a:schemeClr val="accent1"/>
+        </a:buClr>
+        <a:buSzPct val="80000"/>
+        <a:buFont typeface="Wingdings 3" charset="2"/>
+        <a:buChar char=""/>
+        <a:defRPr sz="1400" kern="1200">
           <a:solidFill>
-            <a:schemeClr val="tx1"/>
+            <a:schemeClr val="tx1">
+              <a:lumMod val="75000"/>
+              <a:lumOff val="25000"/>
+            </a:schemeClr>
           </a:solidFill>
           <a:latin typeface="+mn-lt"/>
           <a:ea typeface="+mn-ea"/>
           <a:cs typeface="+mn-cs"/>
         </a:defRPr>
       </a:lvl3pPr>
-      <a:lvl4pPr marL="1170000" indent="-228600" algn="l" defTabSz="914400" rtl="0" eaLnBrk="1" latinLnBrk="0" hangingPunct="1">
-        <a:lnSpc>
-          <a:spcPct val="90000"/>
-        </a:lnSpc>
+      <a:lvl4pPr marL="1600200" indent="-228600" algn="l" defTabSz="457200" rtl="0" eaLnBrk="1" latinLnBrk="0" hangingPunct="1">
         <a:spcBef>
-          <a:spcPts val="500"/>
+          <a:spcPts val="1000"/>
         </a:spcBef>
-        <a:buFont typeface="Arial" panose="020B0604020202020204" pitchFamily="34" charset="0"/>
-        <a:buChar char="•"/>
-        <a:defRPr sz="1800" kern="1200">
+        <a:spcAft>
+          <a:spcPts val="0"/>
+        </a:spcAft>
+        <a:buClr>
+          <a:schemeClr val="accent1"/>
+        </a:buClr>
+        <a:buSzPct val="80000"/>
+        <a:buFont typeface="Wingdings 3" charset="2"/>
+        <a:buChar char=""/>
+        <a:defRPr sz="1200" kern="1200">
           <a:solidFill>
-            <a:schemeClr val="tx1"/>
+            <a:schemeClr val="tx1">
+              <a:lumMod val="75000"/>
+              <a:lumOff val="25000"/>
+            </a:schemeClr>
           </a:solidFill>
           <a:latin typeface="+mn-lt"/>
           <a:ea typeface="+mn-ea"/>
           <a:cs typeface="+mn-cs"/>
         </a:defRPr>
       </a:lvl4pPr>
-      <a:lvl5pPr marL="1530000" indent="-228600" algn="l" defTabSz="914400" rtl="0" eaLnBrk="1" latinLnBrk="0" hangingPunct="1">
-        <a:lnSpc>
-          <a:spcPct val="90000"/>
-        </a:lnSpc>
+      <a:lvl5pPr marL="2057400" indent="-228600" algn="l" defTabSz="457200" rtl="0" eaLnBrk="1" latinLnBrk="0" hangingPunct="1">
         <a:spcBef>
-          <a:spcPts val="500"/>
+          <a:spcPts val="1000"/>
         </a:spcBef>
-        <a:buFont typeface="Arial" panose="020B0604020202020204" pitchFamily="34" charset="0"/>
-        <a:buChar char="•"/>
-        <a:defRPr sz="1800" kern="1200">
+        <a:spcAft>
+          <a:spcPts val="0"/>
+        </a:spcAft>
+        <a:buClr>
+          <a:schemeClr val="accent1"/>
+        </a:buClr>
+        <a:buSzPct val="80000"/>
+        <a:buFont typeface="Wingdings 3" charset="2"/>
+        <a:buChar char=""/>
+        <a:defRPr sz="1200" kern="1200">
           <a:solidFill>
-            <a:schemeClr val="tx1"/>
+            <a:schemeClr val="tx1">
+              <a:lumMod val="75000"/>
+              <a:lumOff val="25000"/>
+            </a:schemeClr>
           </a:solidFill>
           <a:latin typeface="+mn-lt"/>
           <a:ea typeface="+mn-ea"/>
           <a:cs typeface="+mn-cs"/>
         </a:defRPr>
       </a:lvl5pPr>
-      <a:lvl6pPr marL="2514600" indent="-228600" algn="l" defTabSz="914400" rtl="0" eaLnBrk="1" latinLnBrk="0" hangingPunct="1">
-        <a:lnSpc>
-          <a:spcPct val="90000"/>
-        </a:lnSpc>
+      <a:lvl6pPr marL="2514600" indent="-228600" algn="l" defTabSz="457200" rtl="0" eaLnBrk="1" latinLnBrk="0" hangingPunct="1">
         <a:spcBef>
-          <a:spcPts val="500"/>
+          <a:spcPts val="1000"/>
         </a:spcBef>
-        <a:buFont typeface="Arial" panose="020B0604020202020204" pitchFamily="34" charset="0"/>
-        <a:buChar char="•"/>
-        <a:defRPr sz="1800" kern="1200">
+        <a:spcAft>
+          <a:spcPts val="0"/>
+        </a:spcAft>
+        <a:buClr>
+          <a:schemeClr val="accent1"/>
+        </a:buClr>
+        <a:buSzPct val="80000"/>
+        <a:buFont typeface="Wingdings 3" charset="2"/>
+        <a:buChar char=""/>
+        <a:defRPr sz="1200" kern="1200">
           <a:solidFill>
-            <a:schemeClr val="tx1"/>
+            <a:schemeClr val="tx1">
+              <a:lumMod val="75000"/>
+              <a:lumOff val="25000"/>
+            </a:schemeClr>
           </a:solidFill>
           <a:latin typeface="+mn-lt"/>
           <a:ea typeface="+mn-ea"/>
           <a:cs typeface="+mn-cs"/>
         </a:defRPr>
       </a:lvl6pPr>
-      <a:lvl7pPr marL="2971800" indent="-228600" algn="l" defTabSz="914400" rtl="0" eaLnBrk="1" latinLnBrk="0" hangingPunct="1">
-        <a:lnSpc>
-          <a:spcPct val="90000"/>
-        </a:lnSpc>
+      <a:lvl7pPr marL="2971800" indent="-228600" algn="l" defTabSz="457200" rtl="0" eaLnBrk="1" latinLnBrk="0" hangingPunct="1">
         <a:spcBef>
-          <a:spcPts val="500"/>
+          <a:spcPts val="1000"/>
         </a:spcBef>
-        <a:buFont typeface="Arial" panose="020B0604020202020204" pitchFamily="34" charset="0"/>
-        <a:buChar char="•"/>
-        <a:defRPr sz="1800" kern="1200">
+        <a:spcAft>
+          <a:spcPts val="0"/>
+        </a:spcAft>
+        <a:buClr>
+          <a:schemeClr val="accent1"/>
+        </a:buClr>
+        <a:buSzPct val="80000"/>
+        <a:buFont typeface="Wingdings 3" charset="2"/>
+        <a:buChar char=""/>
+        <a:defRPr sz="1200" kern="1200">
           <a:solidFill>
-            <a:schemeClr val="tx1"/>
+            <a:schemeClr val="tx1">
+              <a:lumMod val="75000"/>
+              <a:lumOff val="25000"/>
+            </a:schemeClr>
           </a:solidFill>
           <a:latin typeface="+mn-lt"/>
           <a:ea typeface="+mn-ea"/>
           <a:cs typeface="+mn-cs"/>
         </a:defRPr>
       </a:lvl7pPr>
-      <a:lvl8pPr marL="3429000" indent="-228600" algn="l" defTabSz="914400" rtl="0" eaLnBrk="1" latinLnBrk="0" hangingPunct="1">
-        <a:lnSpc>
-          <a:spcPct val="90000"/>
-        </a:lnSpc>
+      <a:lvl8pPr marL="3429000" indent="-228600" algn="l" defTabSz="457200" rtl="0" eaLnBrk="1" latinLnBrk="0" hangingPunct="1">
         <a:spcBef>
-          <a:spcPts val="500"/>
+          <a:spcPts val="1000"/>
         </a:spcBef>
-        <a:buFont typeface="Arial" panose="020B0604020202020204" pitchFamily="34" charset="0"/>
-        <a:buChar char="•"/>
-        <a:defRPr sz="1800" kern="1200">
+        <a:spcAft>
+          <a:spcPts val="0"/>
+        </a:spcAft>
+        <a:buClr>
+          <a:schemeClr val="accent1"/>
+        </a:buClr>
+        <a:buSzPct val="80000"/>
+        <a:buFont typeface="Wingdings 3" charset="2"/>
+        <a:buChar char=""/>
+        <a:defRPr sz="1200" kern="1200">
           <a:solidFill>
-            <a:schemeClr val="tx1"/>
+            <a:schemeClr val="tx1">
+              <a:lumMod val="75000"/>
+              <a:lumOff val="25000"/>
+            </a:schemeClr>
           </a:solidFill>
           <a:latin typeface="+mn-lt"/>
           <a:ea typeface="+mn-ea"/>
           <a:cs typeface="+mn-cs"/>
         </a:defRPr>
       </a:lvl8pPr>
-      <a:lvl9pPr marL="3886200" indent="-228600" algn="l" defTabSz="914400" rtl="0" eaLnBrk="1" latinLnBrk="0" hangingPunct="1">
-        <a:lnSpc>
-          <a:spcPct val="90000"/>
-        </a:lnSpc>
+      <a:lvl9pPr marL="3886200" indent="-228600" algn="l" defTabSz="457200" rtl="0" eaLnBrk="1" latinLnBrk="0" hangingPunct="1">
         <a:spcBef>
-          <a:spcPts val="500"/>
+          <a:spcPts val="1000"/>
         </a:spcBef>
-        <a:buFont typeface="Arial" panose="020B0604020202020204" pitchFamily="34" charset="0"/>
-        <a:buChar char="•"/>
-        <a:defRPr sz="1800" kern="1200">
+        <a:spcAft>
+          <a:spcPts val="0"/>
+        </a:spcAft>
+        <a:buClr>
+          <a:schemeClr val="accent1"/>
+        </a:buClr>
+        <a:buSzPct val="80000"/>
+        <a:buFont typeface="Wingdings 3" charset="2"/>
+        <a:buChar char=""/>
+        <a:defRPr sz="1200" kern="1200">
           <a:solidFill>
-            <a:schemeClr val="tx1"/>
+            <a:schemeClr val="tx1">
+              <a:lumMod val="75000"/>
+              <a:lumOff val="25000"/>
+            </a:schemeClr>
           </a:solidFill>
           <a:latin typeface="+mn-lt"/>
           <a:ea typeface="+mn-ea"/>
@@ -3295,7 +6281,7 @@
       <a:defPPr>
         <a:defRPr lang="en-US"/>
       </a:defPPr>
-      <a:lvl1pPr marL="0" algn="l" defTabSz="914400" rtl="0" eaLnBrk="1" latinLnBrk="0" hangingPunct="1">
+      <a:lvl1pPr marL="0" algn="l" defTabSz="457200" rtl="0" eaLnBrk="1" latinLnBrk="0" hangingPunct="1">
         <a:defRPr sz="1800" kern="1200">
           <a:solidFill>
             <a:schemeClr val="tx1"/>
@@ -3305,7 +6291,7 @@
           <a:cs typeface="+mn-cs"/>
         </a:defRPr>
       </a:lvl1pPr>
-      <a:lvl2pPr marL="457200" algn="l" defTabSz="914400" rtl="0" eaLnBrk="1" latinLnBrk="0" hangingPunct="1">
+      <a:lvl2pPr marL="457200" algn="l" defTabSz="457200" rtl="0" eaLnBrk="1" latinLnBrk="0" hangingPunct="1">
         <a:defRPr sz="1800" kern="1200">
           <a:solidFill>
             <a:schemeClr val="tx1"/>
@@ -3315,7 +6301,7 @@
           <a:cs typeface="+mn-cs"/>
         </a:defRPr>
       </a:lvl2pPr>
-      <a:lvl3pPr marL="914400" algn="l" defTabSz="914400" rtl="0" eaLnBrk="1" latinLnBrk="0" hangingPunct="1">
+      <a:lvl3pPr marL="914400" algn="l" defTabSz="457200" rtl="0" eaLnBrk="1" latinLnBrk="0" hangingPunct="1">
         <a:defRPr sz="1800" kern="1200">
           <a:solidFill>
             <a:schemeClr val="tx1"/>
@@ -3325,7 +6311,7 @@
           <a:cs typeface="+mn-cs"/>
         </a:defRPr>
       </a:lvl3pPr>
-      <a:lvl4pPr marL="1371600" algn="l" defTabSz="914400" rtl="0" eaLnBrk="1" latinLnBrk="0" hangingPunct="1">
+      <a:lvl4pPr marL="1371600" algn="l" defTabSz="457200" rtl="0" eaLnBrk="1" latinLnBrk="0" hangingPunct="1">
         <a:defRPr sz="1800" kern="1200">
           <a:solidFill>
             <a:schemeClr val="tx1"/>
@@ -3335,7 +6321,7 @@
           <a:cs typeface="+mn-cs"/>
         </a:defRPr>
       </a:lvl4pPr>
-      <a:lvl5pPr marL="1828800" algn="l" defTabSz="914400" rtl="0" eaLnBrk="1" latinLnBrk="0" hangingPunct="1">
+      <a:lvl5pPr marL="1828800" algn="l" defTabSz="457200" rtl="0" eaLnBrk="1" latinLnBrk="0" hangingPunct="1">
         <a:defRPr sz="1800" kern="1200">
           <a:solidFill>
             <a:schemeClr val="tx1"/>
@@ -3345,7 +6331,7 @@
           <a:cs typeface="+mn-cs"/>
         </a:defRPr>
       </a:lvl5pPr>
-      <a:lvl6pPr marL="2286000" algn="l" defTabSz="914400" rtl="0" eaLnBrk="1" latinLnBrk="0" hangingPunct="1">
+      <a:lvl6pPr marL="2286000" algn="l" defTabSz="457200" rtl="0" eaLnBrk="1" latinLnBrk="0" hangingPunct="1">
         <a:defRPr sz="1800" kern="1200">
           <a:solidFill>
             <a:schemeClr val="tx1"/>
@@ -3355,7 +6341,7 @@
           <a:cs typeface="+mn-cs"/>
         </a:defRPr>
       </a:lvl6pPr>
-      <a:lvl7pPr marL="2743200" algn="l" defTabSz="914400" rtl="0" eaLnBrk="1" latinLnBrk="0" hangingPunct="1">
+      <a:lvl7pPr marL="2743200" algn="l" defTabSz="457200" rtl="0" eaLnBrk="1" latinLnBrk="0" hangingPunct="1">
         <a:defRPr sz="1800" kern="1200">
           <a:solidFill>
             <a:schemeClr val="tx1"/>
@@ -3365,7 +6351,7 @@
           <a:cs typeface="+mn-cs"/>
         </a:defRPr>
       </a:lvl7pPr>
-      <a:lvl8pPr marL="3200400" algn="l" defTabSz="914400" rtl="0" eaLnBrk="1" latinLnBrk="0" hangingPunct="1">
+      <a:lvl8pPr marL="3200400" algn="l" defTabSz="457200" rtl="0" eaLnBrk="1" latinLnBrk="0" hangingPunct="1">
         <a:defRPr sz="1800" kern="1200">
           <a:solidFill>
             <a:schemeClr val="tx1"/>
@@ -3375,7 +6361,7 @@
           <a:cs typeface="+mn-cs"/>
         </a:defRPr>
       </a:lvl8pPr>
-      <a:lvl9pPr marL="3657600" algn="l" defTabSz="914400" rtl="0" eaLnBrk="1" latinLnBrk="0" hangingPunct="1">
+      <a:lvl9pPr marL="3657600" algn="l" defTabSz="457200" rtl="0" eaLnBrk="1" latinLnBrk="0" hangingPunct="1">
         <a:defRPr sz="1800" kern="1200">
           <a:solidFill>
             <a:schemeClr val="tx1"/>
@@ -3417,14 +6403,19 @@
             <p:ph type="title"/>
           </p:nvPr>
         </p:nvSpPr>
-        <p:spPr/>
+        <p:spPr>
+          <a:xfrm>
+            <a:off x="628650" y="1131094"/>
+            <a:ext cx="7886700" cy="580045"/>
+          </a:xfrm>
+        </p:spPr>
         <p:txBody>
           <a:bodyPr>
             <a:normAutofit/>
           </a:bodyPr>
           <a:lstStyle/>
           <a:p>
-            <a:endParaRPr lang="en-US"/>
+            <a:endParaRPr lang="en-US" sz="1800" dirty="0"/>
           </a:p>
         </p:txBody>
       </p:sp>
@@ -3440,17 +6431,17 @@
         </p:nvSpPr>
         <p:spPr>
           <a:xfrm>
-            <a:off x="2152650" y="914400"/>
-            <a:ext cx="7886700" cy="383182"/>
+            <a:off x="1843088" y="1872503"/>
+            <a:ext cx="5915025" cy="287387"/>
           </a:xfrm>
         </p:spPr>
         <p:txBody>
           <a:bodyPr>
-            <a:normAutofit fontScale="85000" lnSpcReduction="20000"/>
+            <a:normAutofit/>
           </a:bodyPr>
           <a:lstStyle/>
           <a:p>
-            <a:endParaRPr lang="en-US"/>
+            <a:endParaRPr lang="en-US" sz="1200" dirty="0"/>
           </a:p>
         </p:txBody>
       </p:sp>
@@ -3492,9 +6483,9 @@
 </file>
 
 <file path=ppt/theme/theme1.xml><?xml version="1.0" encoding="utf-8"?>
-<a:theme xmlns:a="http://schemas.openxmlformats.org/drawingml/2006/main" name="Office Theme">
+<a:theme xmlns:a="http://schemas.openxmlformats.org/drawingml/2006/main" name="Facet">
   <a:themeElements>
-    <a:clrScheme name="Office Theme">
+    <a:clrScheme name="Facet">
       <a:dk1>
         <a:sysClr val="windowText" lastClr="000000"/>
       </a:dk1>
@@ -3502,52 +6493,52 @@
         <a:sysClr val="window" lastClr="FFFFFF"/>
       </a:lt1>
       <a:dk2>
-        <a:srgbClr val="44546A"/>
+        <a:srgbClr val="2C3C43"/>
       </a:dk2>
       <a:lt2>
-        <a:srgbClr val="E7E6E6"/>
+        <a:srgbClr val="EBEBEB"/>
       </a:lt2>
       <a:accent1>
-        <a:srgbClr val="4472C4"/>
+        <a:srgbClr val="90C226"/>
       </a:accent1>
       <a:accent2>
-        <a:srgbClr val="ED7D31"/>
+        <a:srgbClr val="54A021"/>
       </a:accent2>
       <a:accent3>
-        <a:srgbClr val="A5A5A5"/>
+        <a:srgbClr val="E6B91E"/>
       </a:accent3>
       <a:accent4>
-        <a:srgbClr val="FFC000"/>
+        <a:srgbClr val="E76618"/>
       </a:accent4>
       <a:accent5>
-        <a:srgbClr val="5B9BD5"/>
+        <a:srgbClr val="C42F1A"/>
       </a:accent5>
       <a:accent6>
-        <a:srgbClr val="70AD47"/>
+        <a:srgbClr val="918655"/>
       </a:accent6>
       <a:hlink>
-        <a:srgbClr val="0563C1"/>
+        <a:srgbClr val="99CA3C"/>
       </a:hlink>
       <a:folHlink>
-        <a:srgbClr val="954F72"/>
+        <a:srgbClr val="B9D181"/>
       </a:folHlink>
     </a:clrScheme>
-    <a:fontScheme name="Office Theme">
+    <a:fontScheme name="Facet">
       <a:majorFont>
-        <a:latin typeface="Calibri Light" panose="020F0302020204030204"/>
+        <a:latin typeface="Trebuchet MS" panose="020B0603020202020204"/>
         <a:ea typeface=""/>
         <a:cs typeface=""/>
-        <a:font script="Jpan" typeface="游ゴシック Light"/>
+        <a:font script="Jpan" typeface="メイリオ"/>
         <a:font script="Hang" typeface="맑은 고딕"/>
-        <a:font script="Hans" typeface="等线 Light"/>
-        <a:font script="Hant" typeface="新細明體"/>
-        <a:font script="Arab" typeface="Times New Roman"/>
-        <a:font script="Hebr" typeface="Times New Roman"/>
-        <a:font script="Thai" typeface="Angsana New"/>
+        <a:font script="Hans" typeface="方正姚体"/>
+        <a:font script="Hant" typeface="微軟正黑體"/>
+        <a:font script="Arab" typeface="Tahoma"/>
+        <a:font script="Hebr" typeface="Arial"/>
+        <a:font script="Thai" typeface="Cordia New"/>
         <a:font script="Ethi" typeface="Nyala"/>
         <a:font script="Beng" typeface="Vrinda"/>
         <a:font script="Gujr" typeface="Shruti"/>
-        <a:font script="Khmr" typeface="MoolBoran"/>
+        <a:font script="Khmr" typeface="DaunPenh"/>
         <a:font script="Knda" typeface="Tunga"/>
         <a:font script="Guru" typeface="Raavi"/>
         <a:font script="Cans" typeface="Euphemia"/>
@@ -3564,21 +6555,21 @@
         <a:font script="Laoo" typeface="DokChampa"/>
         <a:font script="Sinh" typeface="Iskoola Pota"/>
         <a:font script="Mong" typeface="Mongolian Baiti"/>
-        <a:font script="Viet" typeface="Times New Roman"/>
+        <a:font script="Viet" typeface="Tahoma"/>
         <a:font script="Uigh" typeface="Microsoft Uighur"/>
         <a:font script="Geor" typeface="Sylfaen"/>
       </a:majorFont>
       <a:minorFont>
-        <a:latin typeface="Calibri" panose="020F0502020204030204"/>
+        <a:latin typeface="Trebuchet MS" panose="020B0603020202020204"/>
         <a:ea typeface=""/>
         <a:cs typeface=""/>
-        <a:font script="Jpan" typeface="游ゴシック"/>
-        <a:font script="Hang" typeface="맑은 고딕"/>
-        <a:font script="Hans" typeface="等线"/>
-        <a:font script="Hant" typeface="新細明體"/>
-        <a:font script="Arab" typeface="Arial"/>
-        <a:font script="Hebr" typeface="Arial"/>
-        <a:font script="Thai" typeface="Cordia New"/>
+        <a:font script="Jpan" typeface="メイリオ"/>
+        <a:font script="Hang" typeface="HY그래픽M"/>
+        <a:font script="Hans" typeface="华文新魏"/>
+        <a:font script="Hant" typeface="微軟正黑體"/>
+        <a:font script="Arab" typeface="Tahoma"/>
+        <a:font script="Hebr" typeface="Gisha"/>
+        <a:font script="Thai" typeface="IrisUPC"/>
         <a:font script="Ethi" typeface="Nyala"/>
         <a:font script="Beng" typeface="Vrinda"/>
         <a:font script="Gujr" typeface="Shruti"/>
@@ -3604,7 +6595,7 @@
         <a:font script="Geor" typeface="Sylfaen"/>
       </a:minorFont>
     </a:fontScheme>
-    <a:fmtScheme name="Office Theme">
+    <a:fmtScheme name="Facet">
       <a:fillStyleLst>
         <a:solidFill>
           <a:schemeClr val="phClr"/>
@@ -3613,23 +6604,13 @@
           <a:gsLst>
             <a:gs pos="0">
               <a:schemeClr val="phClr">
+                <a:tint val="65000"/>
                 <a:lumMod val="110000"/>
-                <a:satMod val="105000"/>
-                <a:tint val="67000"/>
               </a:schemeClr>
             </a:gs>
-            <a:gs pos="50000">
+            <a:gs pos="88000">
               <a:schemeClr val="phClr">
-                <a:lumMod val="105000"/>
-                <a:satMod val="103000"/>
-                <a:tint val="73000"/>
-              </a:schemeClr>
-            </a:gs>
-            <a:gs pos="100000">
-              <a:schemeClr val="phClr">
-                <a:lumMod val="105000"/>
-                <a:satMod val="109000"/>
-                <a:tint val="81000"/>
+                <a:tint val="90000"/>
               </a:schemeClr>
             </a:gs>
           </a:gsLst>
@@ -3639,23 +6620,14 @@
           <a:gsLst>
             <a:gs pos="0">
               <a:schemeClr val="phClr">
-                <a:satMod val="103000"/>
-                <a:lumMod val="102000"/>
-                <a:tint val="94000"/>
+                <a:tint val="96000"/>
+                <a:lumMod val="100000"/>
               </a:schemeClr>
             </a:gs>
-            <a:gs pos="50000">
+            <a:gs pos="78000">
               <a:schemeClr val="phClr">
-                <a:satMod val="110000"/>
-                <a:lumMod val="100000"/>
-                <a:shade val="100000"/>
-              </a:schemeClr>
-            </a:gs>
-            <a:gs pos="100000">
-              <a:schemeClr val="phClr">
-                <a:lumMod val="99000"/>
-                <a:satMod val="120000"/>
-                <a:shade val="78000"/>
+                <a:shade val="94000"/>
+                <a:lumMod val="94000"/>
               </a:schemeClr>
             </a:gs>
           </a:gsLst>
@@ -3663,26 +6635,23 @@
         </a:gradFill>
       </a:fillStyleLst>
       <a:lnStyleLst>
-        <a:ln w="6350" cap="flat" cmpd="sng" algn="ctr">
+        <a:ln w="12700" cap="rnd" cmpd="sng" algn="ctr">
           <a:solidFill>
             <a:schemeClr val="phClr"/>
           </a:solidFill>
           <a:prstDash val="solid"/>
-          <a:miter lim="800000"/>
         </a:ln>
-        <a:ln w="12700" cap="flat" cmpd="sng" algn="ctr">
+        <a:ln w="19050" cap="rnd" cmpd="sng" algn="ctr">
           <a:solidFill>
             <a:schemeClr val="phClr"/>
           </a:solidFill>
           <a:prstDash val="solid"/>
-          <a:miter lim="800000"/>
         </a:ln>
-        <a:ln w="19050" cap="flat" cmpd="sng" algn="ctr">
+        <a:ln w="25400" cap="rnd" cmpd="sng" algn="ctr">
           <a:solidFill>
             <a:schemeClr val="phClr"/>
           </a:solidFill>
           <a:prstDash val="solid"/>
-          <a:miter lim="800000"/>
         </a:ln>
       </a:lnStyleLst>
       <a:effectStyleLst>
@@ -3690,54 +6659,72 @@
           <a:effectLst/>
         </a:effectStyle>
         <a:effectStyle>
-          <a:effectLst/>
+          <a:effectLst>
+            <a:outerShdw blurRad="38100" dist="25400" dir="5400000" rotWithShape="0">
+              <a:srgbClr val="000000">
+                <a:alpha val="35000"/>
+              </a:srgbClr>
+            </a:outerShdw>
+          </a:effectLst>
         </a:effectStyle>
         <a:effectStyle>
           <a:effectLst>
-            <a:outerShdw blurRad="57150" dist="19050" dir="5400000" algn="ctr" rotWithShape="0">
+            <a:outerShdw blurRad="50800" dist="38100" dir="5400000" rotWithShape="0">
               <a:srgbClr val="000000">
-                <a:alpha val="63000"/>
+                <a:alpha val="35000"/>
               </a:srgbClr>
             </a:outerShdw>
           </a:effectLst>
+          <a:scene3d>
+            <a:camera prst="orthographicFront">
+              <a:rot lat="0" lon="0" rev="0"/>
+            </a:camera>
+            <a:lightRig rig="threePt" dir="tl"/>
+          </a:scene3d>
+          <a:sp3d prstMaterial="plastic">
+            <a:bevelT w="0" h="0"/>
+          </a:sp3d>
         </a:effectStyle>
       </a:effectStyleLst>
       <a:bgFillStyleLst>
         <a:solidFill>
           <a:schemeClr val="phClr"/>
         </a:solidFill>
-        <a:solidFill>
-          <a:schemeClr val="phClr">
-            <a:tint val="95000"/>
-            <a:satMod val="170000"/>
-          </a:schemeClr>
-        </a:solidFill>
         <a:gradFill rotWithShape="1">
           <a:gsLst>
             <a:gs pos="0">
               <a:schemeClr val="phClr">
-                <a:tint val="93000"/>
-                <a:satMod val="150000"/>
-                <a:shade val="98000"/>
-                <a:lumMod val="102000"/>
+                <a:tint val="90000"/>
+                <a:lumMod val="104000"/>
               </a:schemeClr>
             </a:gs>
-            <a:gs pos="50000">
+            <a:gs pos="94000">
               <a:schemeClr val="phClr">
-                <a:tint val="98000"/>
-                <a:satMod val="130000"/>
-                <a:shade val="90000"/>
-                <a:lumMod val="103000"/>
+                <a:shade val="96000"/>
+                <a:lumMod val="82000"/>
+              </a:schemeClr>
+            </a:gs>
+          </a:gsLst>
+          <a:lin ang="5400000" scaled="0"/>
+        </a:gradFill>
+        <a:gradFill rotWithShape="1">
+          <a:gsLst>
+            <a:gs pos="0">
+              <a:schemeClr val="phClr">
+                <a:tint val="90000"/>
+                <a:lumMod val="110000"/>
               </a:schemeClr>
             </a:gs>
             <a:gs pos="100000">
               <a:schemeClr val="phClr">
-                <a:shade val="63000"/>
-                <a:satMod val="120000"/>
+                <a:shade val="94000"/>
+                <a:lumMod val="96000"/>
               </a:schemeClr>
             </a:gs>
           </a:gsLst>
-          <a:lin ang="5400000" scaled="0"/>
+          <a:path path="circle">
+            <a:fillToRect l="50000" t="50000" r="100000" b="100000"/>
+          </a:path>
         </a:gradFill>
       </a:bgFillStyleLst>
     </a:fmtScheme>
@@ -3746,7 +6733,7 @@
   <a:extraClrSchemeLst/>
   <a:extLst>
     <a:ext uri="{05A4C25C-085E-4340-85A3-A5531E510DB2}">
-      <thm15:themeFamily xmlns:thm15="http://schemas.microsoft.com/office/thememl/2012/main" name="Office Theme" id="{62F939B6-93AF-4DB8-9C6B-D6C7DFDC589F}" vid="{4A3C46E8-61CC-4603-A589-7422A47A8E4A}"/>
+      <thm15:themeFamily xmlns:thm15="http://schemas.microsoft.com/office/thememl/2012/main" name="Facet" id="{C0C680CD-088A-49FC-A102-D699147F32B2}" vid="{8C59B386-999D-4CB6-B907-9F3997C027CC}"/>
     </a:ext>
   </a:extLst>
 </a:theme>
